--- a/präsentation/bsc_version_10_06_ohneC.pptx
+++ b/präsentation/bsc_version_10_06_ohneC.pptx
@@ -7,8 +7,8 @@
     <p:sldMasterId id="2147483652" r:id="rId4"/>
     <p:sldMasterId id="2147483654" r:id="rId5"/>
     <p:sldMasterId id="2147483656" r:id="rId6"/>
-    <p:sldMasterId id="2147483659" r:id="rId7"/>
-    <p:sldMasterId id="2147483661" r:id="rId8"/>
+    <p:sldMasterId id="2147483660" r:id="rId7"/>
+    <p:sldMasterId id="2147483662" r:id="rId8"/>
   </p:sldMasterIdLst>
   <p:notesMasterIdLst>
     <p:notesMasterId r:id="rId9"/>
@@ -33,7 +33,7 @@
     <p:sldId id="272" r:id="rId26"/>
     <p:sldId id="273" r:id="rId27"/>
   </p:sldIdLst>
-  <p:sldSz cx="12192000" cy="6858000"/>
+  <p:sldSz cx="12188825" cy="6858000"/>
   <p:notesSz cx="6858000" cy="9144000"/>
 </p:presentation>
 </file>
@@ -57,7 +57,7 @@
       </p:grpSpPr>
       <p:sp>
         <p:nvSpPr>
-          <p:cNvPr id="57" name="PlaceHolder 1"/>
+          <p:cNvPr id="63" name="PlaceHolder 1"/>
           <p:cNvSpPr>
             <a:spLocks noGrp="1"/>
           </p:cNvSpPr>
@@ -108,7 +108,7 @@
       </p:sp>
       <p:sp>
         <p:nvSpPr>
-          <p:cNvPr id="58" name="PlaceHolder 2"/>
+          <p:cNvPr id="64" name="PlaceHolder 2"/>
           <p:cNvSpPr>
             <a:spLocks noGrp="1"/>
           </p:cNvSpPr>
@@ -161,7 +161,7 @@
       </p:sp>
       <p:sp>
         <p:nvSpPr>
-          <p:cNvPr id="59" name="PlaceHolder 3"/>
+          <p:cNvPr id="65" name="PlaceHolder 3"/>
           <p:cNvSpPr>
             <a:spLocks noGrp="1"/>
           </p:cNvSpPr>
@@ -199,7 +199,7 @@
                 <a:uFillTx/>
                 <a:latin typeface="Times New Roman"/>
               </a:rPr>
-              <a:t>&lt;header&gt;</a:t>
+              <a:t> </a:t>
             </a:r>
             <a:endParaRPr b="0" lang="de-AT" sz="1400" strike="noStrike" u="none">
               <a:solidFill>
@@ -214,12 +214,12 @@
       </p:sp>
       <p:sp>
         <p:nvSpPr>
-          <p:cNvPr id="60" name="PlaceHolder 4"/>
+          <p:cNvPr id="66" name="PlaceHolder 4"/>
           <p:cNvSpPr>
             <a:spLocks noGrp="1"/>
           </p:cNvSpPr>
           <p:nvPr>
-            <p:ph type="dt" idx="15"/>
+            <p:ph type="dt" idx="17"/>
           </p:nvPr>
         </p:nvSpPr>
         <p:spPr>
@@ -265,7 +265,7 @@
                 <a:uFillTx/>
                 <a:latin typeface="Times New Roman"/>
               </a:rPr>
-              <a:t>&lt;date/time&gt;</a:t>
+              <a:t> </a:t>
             </a:r>
             <a:endParaRPr b="0" lang="de-AT" sz="1400" strike="noStrike" u="none">
               <a:solidFill>
@@ -280,12 +280,12 @@
       </p:sp>
       <p:sp>
         <p:nvSpPr>
-          <p:cNvPr id="61" name="PlaceHolder 5"/>
+          <p:cNvPr id="67" name="PlaceHolder 5"/>
           <p:cNvSpPr>
             <a:spLocks noGrp="1"/>
           </p:cNvSpPr>
           <p:nvPr>
-            <p:ph type="ftr" idx="16"/>
+            <p:ph type="ftr" idx="18"/>
           </p:nvPr>
         </p:nvSpPr>
         <p:spPr>
@@ -331,7 +331,7 @@
                 <a:uFillTx/>
                 <a:latin typeface="Times New Roman"/>
               </a:rPr>
-              <a:t>&lt;footer&gt;</a:t>
+              <a:t> </a:t>
             </a:r>
             <a:endParaRPr b="0" lang="de-AT" sz="1400" strike="noStrike" u="none">
               <a:solidFill>
@@ -346,12 +346,12 @@
       </p:sp>
       <p:sp>
         <p:nvSpPr>
-          <p:cNvPr id="62" name="PlaceHolder 6"/>
+          <p:cNvPr id="68" name="PlaceHolder 6"/>
           <p:cNvSpPr>
             <a:spLocks noGrp="1"/>
           </p:cNvSpPr>
           <p:nvPr>
-            <p:ph type="sldNum" idx="17"/>
+            <p:ph type="sldNum" idx="19"/>
           </p:nvPr>
         </p:nvSpPr>
         <p:spPr>
@@ -388,7 +388,7 @@
             <a:pPr indent="0" algn="r">
               <a:buNone/>
             </a:pPr>
-            <a:fld id="{BEB5778C-2F11-4103-BE19-3EB74E4B5C11}" type="slidenum">
+            <a:fld id="{458F117E-51C1-4C9F-B10C-FD5C8DAA599F}" type="slidenum">
               <a:rPr b="0" lang="de-AT" sz="1400" strike="noStrike" u="none">
                 <a:solidFill>
                   <a:srgbClr val="000000"/>
@@ -397,7 +397,7 @@
                 <a:uFillTx/>
                 <a:latin typeface="Times New Roman"/>
               </a:rPr>
-              <a:t>&lt;number&gt;</a:t>
+              <a:t>1</a:t>
             </a:fld>
             <a:endParaRPr b="0" lang="de-AT" sz="1400" strike="noStrike" u="none">
               <a:solidFill>
@@ -435,7 +435,7 @@
       </p:grpSpPr>
       <p:sp>
         <p:nvSpPr>
-          <p:cNvPr id="137" name="PlaceHolder 1"/>
+          <p:cNvPr id="141" name="PlaceHolder 1"/>
           <p:cNvSpPr>
             <a:spLocks noGrp="1"/>
           </p:cNvSpPr>
@@ -446,7 +446,7 @@
         <p:spPr>
           <a:xfrm>
             <a:off x="685800" y="1143000"/>
-            <a:ext cx="5483520" cy="3083400"/>
+            <a:ext cx="5483160" cy="3083040"/>
           </a:xfrm>
           <a:prstGeom prst="rect">
             <a:avLst/>
@@ -458,7 +458,7 @@
       </p:sp>
       <p:sp>
         <p:nvSpPr>
-          <p:cNvPr id="138" name="PlaceHolder 2"/>
+          <p:cNvPr id="142" name="PlaceHolder 2"/>
           <p:cNvSpPr>
             <a:spLocks noGrp="1"/>
           </p:cNvSpPr>
@@ -469,7 +469,7 @@
         <p:spPr>
           <a:xfrm>
             <a:off x="685800" y="4400640"/>
-            <a:ext cx="5483520" cy="3597480"/>
+            <a:ext cx="5483160" cy="3597120"/>
           </a:xfrm>
           <a:prstGeom prst="rect">
             <a:avLst/>
@@ -500,18 +500,18 @@
       </p:sp>
       <p:sp>
         <p:nvSpPr>
-          <p:cNvPr id="139" name="PlaceHolder 3"/>
+          <p:cNvPr id="143" name="PlaceHolder 3"/>
           <p:cNvSpPr>
             <a:spLocks noGrp="1"/>
           </p:cNvSpPr>
           <p:nvPr>
-            <p:ph type="sldNum" idx="18"/>
+            <p:ph type="sldNum" idx="20"/>
           </p:nvPr>
         </p:nvSpPr>
         <p:spPr>
           <a:xfrm>
             <a:off x="3884760" y="8685360"/>
-            <a:ext cx="2968920" cy="455760"/>
+            <a:ext cx="2968560" cy="455400"/>
           </a:xfrm>
           <a:prstGeom prst="rect">
             <a:avLst/>
@@ -554,7 +554,7 @@
                 <a:tab algn="l" pos="0"/>
               </a:tabLst>
             </a:pPr>
-            <a:fld id="{F59616AE-E655-4307-AEF4-E60D58120A2F}" type="slidenum">
+            <a:fld id="{430EC194-02AE-429F-8433-26AD02BA2070}" type="slidenum">
               <a:rPr b="0" lang="de-AT" sz="1200" strike="noStrike" u="none">
                 <a:solidFill>
                   <a:srgbClr val="000000"/>
@@ -610,8 +610,8 @@
         </p:nvSpPr>
         <p:spPr>
           <a:xfrm>
-            <a:off x="1307160" y="1650240"/>
-            <a:ext cx="10402560" cy="625320"/>
+            <a:off x="1306800" y="1650240"/>
+            <a:ext cx="10399320" cy="625320"/>
           </a:xfrm>
           <a:prstGeom prst="rect">
             <a:avLst/>
@@ -652,8 +652,8 @@
         </p:nvSpPr>
         <p:spPr>
           <a:xfrm>
-            <a:off x="1307160" y="2629080"/>
-            <a:ext cx="10402560" cy="3100680"/>
+            <a:off x="1306800" y="2629080"/>
+            <a:ext cx="10399320" cy="3100320"/>
           </a:xfrm>
           <a:prstGeom prst="rect">
             <a:avLst/>
@@ -719,8 +719,8 @@
         </p:nvSpPr>
         <p:spPr>
           <a:xfrm>
-            <a:off x="1307160" y="1650240"/>
-            <a:ext cx="10402560" cy="625320"/>
+            <a:off x="1306800" y="1650240"/>
+            <a:ext cx="10399320" cy="625320"/>
           </a:xfrm>
           <a:prstGeom prst="rect">
             <a:avLst/>
@@ -761,8 +761,8 @@
         </p:nvSpPr>
         <p:spPr>
           <a:xfrm>
-            <a:off x="1307160" y="2629080"/>
-            <a:ext cx="10402560" cy="3100680"/>
+            <a:off x="1306800" y="2629080"/>
+            <a:ext cx="10399320" cy="3100320"/>
           </a:xfrm>
           <a:prstGeom prst="rect">
             <a:avLst/>
@@ -828,7 +828,7 @@
         <p:txBody>
           <a:bodyPr/>
           <a:p>
-            <a:fld id="{1538911A-8514-4C63-9483-5B7A254B68DF}" type="slidenum">
+            <a:fld id="{ED0FA1E4-03A0-4109-A29B-78325764EC3D}" type="slidenum">
               <a:t>&lt;#&gt;</a:t>
             </a:fld>
           </a:p>
@@ -868,8 +868,8 @@
         </p:nvSpPr>
         <p:spPr>
           <a:xfrm>
-            <a:off x="1307160" y="1650240"/>
-            <a:ext cx="10402560" cy="625320"/>
+            <a:off x="1306800" y="1650240"/>
+            <a:ext cx="10399320" cy="625320"/>
           </a:xfrm>
           <a:prstGeom prst="rect">
             <a:avLst/>
@@ -910,8 +910,8 @@
         </p:nvSpPr>
         <p:spPr>
           <a:xfrm>
-            <a:off x="1307160" y="2629080"/>
-            <a:ext cx="10402560" cy="3100680"/>
+            <a:off x="1306800" y="2629080"/>
+            <a:ext cx="10399320" cy="3100320"/>
           </a:xfrm>
           <a:prstGeom prst="rect">
             <a:avLst/>
@@ -977,7 +977,7 @@
         <p:txBody>
           <a:bodyPr/>
           <a:p>
-            <a:fld id="{55B9512D-FAD9-4FEA-A4CA-E7A7476B2EA3}" type="slidenum">
+            <a:fld id="{18801A6A-712F-4FB8-8D69-EBDD49939CAF}" type="slidenum">
               <a:t>&lt;#&gt;</a:t>
             </a:fld>
           </a:p>
@@ -1017,8 +1017,8 @@
         </p:nvSpPr>
         <p:spPr>
           <a:xfrm>
-            <a:off x="1307160" y="1650240"/>
-            <a:ext cx="10402560" cy="625320"/>
+            <a:off x="1306800" y="1650240"/>
+            <a:ext cx="10399320" cy="625320"/>
           </a:xfrm>
           <a:prstGeom prst="rect">
             <a:avLst/>
@@ -1059,8 +1059,8 @@
         </p:nvSpPr>
         <p:spPr>
           <a:xfrm>
-            <a:off x="1307160" y="2629080"/>
-            <a:ext cx="10402560" cy="3100680"/>
+            <a:off x="1306800" y="2629080"/>
+            <a:ext cx="10399320" cy="3100320"/>
           </a:xfrm>
           <a:prstGeom prst="rect">
             <a:avLst/>
@@ -1126,7 +1126,7 @@
         <p:txBody>
           <a:bodyPr/>
           <a:p>
-            <a:fld id="{D2254C80-0495-400C-964A-903744E60736}" type="slidenum">
+            <a:fld id="{E8761EF2-DA07-4B2C-A179-08A9DA41D8F6}" type="slidenum">
               <a:t>&lt;#&gt;</a:t>
             </a:fld>
           </a:p>
@@ -1176,7 +1176,7 @@
         <p:spPr>
           <a:xfrm>
             <a:off x="0" y="6235560"/>
-            <a:ext cx="12189240" cy="619560"/>
+            <a:ext cx="12185640" cy="619200"/>
           </a:xfrm>
           <a:prstGeom prst="rect">
             <a:avLst/>
@@ -1234,8 +1234,8 @@
         </p:blipFill>
         <p:spPr>
           <a:xfrm>
-            <a:off x="468360" y="466560"/>
-            <a:ext cx="1937160" cy="731880"/>
+            <a:off x="468000" y="466560"/>
+            <a:ext cx="1936440" cy="731520"/>
           </a:xfrm>
           <a:prstGeom prst="rect">
             <a:avLst/>
@@ -1258,8 +1258,8 @@
         </p:nvSpPr>
         <p:spPr>
           <a:xfrm>
-            <a:off x="1307160" y="1825560"/>
-            <a:ext cx="10402560" cy="274680"/>
+            <a:off x="1306800" y="1825560"/>
+            <a:ext cx="10399320" cy="274680"/>
           </a:xfrm>
           <a:prstGeom prst="rect">
             <a:avLst/>
@@ -1275,7 +1275,13 @@
           </a:bodyPr>
           <a:p>
             <a:pPr indent="0">
+              <a:lnSpc>
+                <a:spcPct val="100000"/>
+              </a:lnSpc>
               <a:buNone/>
+              <a:tabLst>
+                <a:tab algn="l" pos="0"/>
+              </a:tabLst>
             </a:pPr>
             <a:r>
               <a:rPr b="0" lang="de-AT" sz="1800" strike="noStrike" u="none">
@@ -1311,8 +1317,8 @@
         </p:nvSpPr>
         <p:spPr>
           <a:xfrm>
-            <a:off x="461880" y="6385680"/>
-            <a:ext cx="10131840" cy="285120"/>
+            <a:off x="461520" y="6385680"/>
+            <a:ext cx="10128960" cy="284760"/>
           </a:xfrm>
           <a:prstGeom prst="rect">
             <a:avLst/>
@@ -1364,7 +1370,7 @@
                 <a:uFillTx/>
                 <a:latin typeface="Arial"/>
               </a:rPr>
-              <a:t>&lt;footer&gt;</a:t>
+              <a:t> </a:t>
             </a:r>
             <a:endParaRPr b="0" lang="de-AT" sz="1200" strike="noStrike" u="none">
               <a:solidFill>
@@ -1389,8 +1395,8 @@
         </p:nvSpPr>
         <p:spPr>
           <a:xfrm>
-            <a:off x="10885320" y="6385680"/>
-            <a:ext cx="824040" cy="285120"/>
+            <a:off x="10882080" y="6385680"/>
+            <a:ext cx="823320" cy="284760"/>
           </a:xfrm>
           <a:prstGeom prst="rect">
             <a:avLst/>
@@ -1433,7 +1439,7 @@
                 <a:tab algn="l" pos="0"/>
               </a:tabLst>
             </a:pPr>
-            <a:fld id="{6D97AD6B-51B1-4C50-A65B-56B7EFA20697}" type="slidenum">
+            <a:fld id="{2425A416-0FC9-4CEA-82E4-7FD41B3094D4}" type="slidenum">
               <a:rPr b="0" lang="de-AT" sz="1200" strike="noStrike" u="none">
                 <a:solidFill>
                   <a:schemeClr val="lt1"/>
@@ -1442,7 +1448,7 @@
                 <a:uFillTx/>
                 <a:latin typeface="Arial"/>
               </a:rPr>
-              <a:t>&lt;number&gt;</a:t>
+              <a:t>1</a:t>
             </a:fld>
             <a:endParaRPr b="0" lang="de-AT" sz="1200" strike="noStrike" u="none">
               <a:solidFill>
@@ -1451,6 +1457,259 @@
               <a:effectLst/>
               <a:uFillTx/>
               <a:latin typeface="Times New Roman"/>
+            </a:endParaRPr>
+          </a:p>
+        </p:txBody>
+      </p:sp>
+      <p:sp>
+        <p:nvSpPr>
+          <p:cNvPr id="35" name="PlaceHolder 4"/>
+          <p:cNvSpPr>
+            <a:spLocks noGrp="1"/>
+          </p:cNvSpPr>
+          <p:nvPr>
+            <p:ph type="body"/>
+          </p:nvPr>
+        </p:nvSpPr>
+        <p:spPr>
+          <a:xfrm>
+            <a:off x="609120" y="1604520"/>
+            <a:ext cx="10969560" cy="3977280"/>
+          </a:xfrm>
+          <a:prstGeom prst="rect">
+            <a:avLst/>
+          </a:prstGeom>
+          <a:noFill/>
+          <a:ln w="0">
+            <a:noFill/>
+          </a:ln>
+        </p:spPr>
+        <p:txBody>
+          <a:bodyPr lIns="0" rIns="0" tIns="0" bIns="0" anchor="t">
+            <a:normAutofit/>
+          </a:bodyPr>
+          <a:p>
+            <a:pPr marL="432000" indent="-324000">
+              <a:spcBef>
+                <a:spcPts val="1417"/>
+              </a:spcBef>
+              <a:buClr>
+                <a:srgbClr val="000000"/>
+              </a:buClr>
+              <a:buSzPct val="45000"/>
+              <a:buFont typeface="Wingdings" charset="2"/>
+              <a:buChar char=""/>
+            </a:pPr>
+            <a:r>
+              <a:rPr b="0" lang="de-AT" sz="3200" strike="noStrike" u="none">
+                <a:solidFill>
+                  <a:srgbClr val="000000"/>
+                </a:solidFill>
+                <a:effectLst/>
+                <a:uFillTx/>
+                <a:latin typeface="Arial"/>
+              </a:rPr>
+              <a:t>Click to edit the outline text format</a:t>
+            </a:r>
+            <a:endParaRPr b="0" lang="de-AT" sz="3200" strike="noStrike" u="none">
+              <a:solidFill>
+                <a:srgbClr val="000000"/>
+              </a:solidFill>
+              <a:effectLst/>
+              <a:uFillTx/>
+              <a:latin typeface="Arial"/>
+            </a:endParaRPr>
+          </a:p>
+          <a:p>
+            <a:pPr lvl="1" marL="864000" indent="-324000">
+              <a:spcBef>
+                <a:spcPts val="1134"/>
+              </a:spcBef>
+              <a:buClr>
+                <a:srgbClr val="000000"/>
+              </a:buClr>
+              <a:buSzPct val="75000"/>
+              <a:buFont typeface="Symbol" charset="2"/>
+              <a:buChar char=""/>
+            </a:pPr>
+            <a:r>
+              <a:rPr b="0" lang="de-AT" sz="2800" strike="noStrike" u="none">
+                <a:solidFill>
+                  <a:srgbClr val="000000"/>
+                </a:solidFill>
+                <a:effectLst/>
+                <a:uFillTx/>
+                <a:latin typeface="Arial"/>
+              </a:rPr>
+              <a:t>Second Outline Level</a:t>
+            </a:r>
+            <a:endParaRPr b="0" lang="de-AT" sz="2800" strike="noStrike" u="none">
+              <a:solidFill>
+                <a:srgbClr val="000000"/>
+              </a:solidFill>
+              <a:effectLst/>
+              <a:uFillTx/>
+              <a:latin typeface="Arial"/>
+            </a:endParaRPr>
+          </a:p>
+          <a:p>
+            <a:pPr lvl="2" marL="1296000" indent="-288000">
+              <a:spcBef>
+                <a:spcPts val="850"/>
+              </a:spcBef>
+              <a:buClr>
+                <a:srgbClr val="000000"/>
+              </a:buClr>
+              <a:buSzPct val="45000"/>
+              <a:buFont typeface="Wingdings" charset="2"/>
+              <a:buChar char=""/>
+            </a:pPr>
+            <a:r>
+              <a:rPr b="0" lang="de-AT" sz="2400" strike="noStrike" u="none">
+                <a:solidFill>
+                  <a:srgbClr val="000000"/>
+                </a:solidFill>
+                <a:effectLst/>
+                <a:uFillTx/>
+                <a:latin typeface="Arial"/>
+              </a:rPr>
+              <a:t>Third Outline Level</a:t>
+            </a:r>
+            <a:endParaRPr b="0" lang="de-AT" sz="2400" strike="noStrike" u="none">
+              <a:solidFill>
+                <a:srgbClr val="000000"/>
+              </a:solidFill>
+              <a:effectLst/>
+              <a:uFillTx/>
+              <a:latin typeface="Arial"/>
+            </a:endParaRPr>
+          </a:p>
+          <a:p>
+            <a:pPr lvl="3" marL="1728000" indent="-216000">
+              <a:spcBef>
+                <a:spcPts val="567"/>
+              </a:spcBef>
+              <a:buClr>
+                <a:srgbClr val="000000"/>
+              </a:buClr>
+              <a:buSzPct val="75000"/>
+              <a:buFont typeface="Symbol" charset="2"/>
+              <a:buChar char=""/>
+            </a:pPr>
+            <a:r>
+              <a:rPr b="0" lang="de-AT" sz="2000" strike="noStrike" u="none">
+                <a:solidFill>
+                  <a:srgbClr val="000000"/>
+                </a:solidFill>
+                <a:effectLst/>
+                <a:uFillTx/>
+                <a:latin typeface="Arial"/>
+              </a:rPr>
+              <a:t>Fourth Outline Level</a:t>
+            </a:r>
+            <a:endParaRPr b="0" lang="de-AT" sz="2000" strike="noStrike" u="none">
+              <a:solidFill>
+                <a:srgbClr val="000000"/>
+              </a:solidFill>
+              <a:effectLst/>
+              <a:uFillTx/>
+              <a:latin typeface="Arial"/>
+            </a:endParaRPr>
+          </a:p>
+          <a:p>
+            <a:pPr lvl="4" marL="2160000" indent="-216000">
+              <a:spcBef>
+                <a:spcPts val="283"/>
+              </a:spcBef>
+              <a:buClr>
+                <a:srgbClr val="000000"/>
+              </a:buClr>
+              <a:buSzPct val="45000"/>
+              <a:buFont typeface="Wingdings" charset="2"/>
+              <a:buChar char=""/>
+            </a:pPr>
+            <a:r>
+              <a:rPr b="0" lang="de-AT" sz="2000" strike="noStrike" u="none">
+                <a:solidFill>
+                  <a:srgbClr val="000000"/>
+                </a:solidFill>
+                <a:effectLst/>
+                <a:uFillTx/>
+                <a:latin typeface="Arial"/>
+              </a:rPr>
+              <a:t>Fifth Outline Level</a:t>
+            </a:r>
+            <a:endParaRPr b="0" lang="de-AT" sz="2000" strike="noStrike" u="none">
+              <a:solidFill>
+                <a:srgbClr val="000000"/>
+              </a:solidFill>
+              <a:effectLst/>
+              <a:uFillTx/>
+              <a:latin typeface="Arial"/>
+            </a:endParaRPr>
+          </a:p>
+          <a:p>
+            <a:pPr lvl="5" marL="2592000" indent="-216000">
+              <a:spcBef>
+                <a:spcPts val="283"/>
+              </a:spcBef>
+              <a:buClr>
+                <a:srgbClr val="000000"/>
+              </a:buClr>
+              <a:buSzPct val="45000"/>
+              <a:buFont typeface="Wingdings" charset="2"/>
+              <a:buChar char=""/>
+            </a:pPr>
+            <a:r>
+              <a:rPr b="0" lang="de-AT" sz="2000" strike="noStrike" u="none">
+                <a:solidFill>
+                  <a:srgbClr val="000000"/>
+                </a:solidFill>
+                <a:effectLst/>
+                <a:uFillTx/>
+                <a:latin typeface="Arial"/>
+              </a:rPr>
+              <a:t>Sixth Outline Level</a:t>
+            </a:r>
+            <a:endParaRPr b="0" lang="de-AT" sz="2000" strike="noStrike" u="none">
+              <a:solidFill>
+                <a:srgbClr val="000000"/>
+              </a:solidFill>
+              <a:effectLst/>
+              <a:uFillTx/>
+              <a:latin typeface="Arial"/>
+            </a:endParaRPr>
+          </a:p>
+          <a:p>
+            <a:pPr lvl="6" marL="3024000" indent="-216000">
+              <a:spcBef>
+                <a:spcPts val="283"/>
+              </a:spcBef>
+              <a:buClr>
+                <a:srgbClr val="000000"/>
+              </a:buClr>
+              <a:buSzPct val="45000"/>
+              <a:buFont typeface="Wingdings" charset="2"/>
+              <a:buChar char=""/>
+            </a:pPr>
+            <a:r>
+              <a:rPr b="0" lang="de-AT" sz="2000" strike="noStrike" u="none">
+                <a:solidFill>
+                  <a:srgbClr val="000000"/>
+                </a:solidFill>
+                <a:effectLst/>
+                <a:uFillTx/>
+                <a:latin typeface="Arial"/>
+              </a:rPr>
+              <a:t>Seventh Outline Level</a:t>
+            </a:r>
+            <a:endParaRPr b="0" lang="de-AT" sz="2000" strike="noStrike" u="none">
+              <a:solidFill>
+                <a:srgbClr val="000000"/>
+              </a:solidFill>
+              <a:effectLst/>
+              <a:uFillTx/>
+              <a:latin typeface="Arial"/>
             </a:endParaRPr>
           </a:p>
         </p:txBody>
@@ -1461,7 +1720,7 @@
 </file>
 
 <file path=ppt/slideLayouts/slideLayout6.xml><?xml version="1.0" encoding="utf-8"?>
-<p:sldLayout xmlns:a="http://schemas.openxmlformats.org/drawingml/2006/main" xmlns:p="http://schemas.openxmlformats.org/presentationml/2006/main" xmlns:r="http://schemas.openxmlformats.org/officeDocument/2006/relationships" xmlns:p14="http://schemas.microsoft.com/office/powerpoint/2010/main" xmlns:p15="http://schemas.microsoft.com/office/powerpoint/2012/main" xmlns:mc="http://schemas.openxmlformats.org/markup-compatibility/2006" type="tx" preserve="1">
+<p:sldLayout xmlns:a="http://schemas.openxmlformats.org/drawingml/2006/main" xmlns:p="http://schemas.openxmlformats.org/presentationml/2006/main" xmlns:r="http://schemas.openxmlformats.org/officeDocument/2006/relationships" xmlns:p14="http://schemas.microsoft.com/office/powerpoint/2010/main" xmlns:p15="http://schemas.microsoft.com/office/powerpoint/2012/main" xmlns:mc="http://schemas.openxmlformats.org/markup-compatibility/2006" type="title" preserve="1">
   <p:cSld name="Default">
     <p:bg>
       <p:bgPr>
@@ -1486,7 +1745,7 @@
       </p:grpSpPr>
       <p:sp>
         <p:nvSpPr>
-          <p:cNvPr id="35" name="Rechteck 55">
+          <p:cNvPr id="36" name="Rechteck 55">
             <a:extLst>
               <a:ext uri="{C183D7F6-B498-43B3-948B-1728B52AA6E4}">
                 <adec:decorative xmlns:adec="http://schemas.microsoft.com/office/drawing/2017/decorative" val="1"/>
@@ -1499,7 +1758,7 @@
         <p:spPr>
           <a:xfrm>
             <a:off x="0" y="6235560"/>
-            <a:ext cx="12189240" cy="619560"/>
+            <a:ext cx="12185640" cy="619200"/>
           </a:xfrm>
           <a:prstGeom prst="rect">
             <a:avLst/>
@@ -1541,7 +1800,7 @@
       </p:sp>
       <p:pic>
         <p:nvPicPr>
-          <p:cNvPr id="36" name="Grafik 41" descr="Logo der Technischen Universität Wien"/>
+          <p:cNvPr id="37" name="Grafik 41" descr="Logo der Technischen Universität Wien"/>
           <p:cNvPicPr/>
           <p:nvPr/>
         </p:nvPicPr>
@@ -1557,8 +1816,8 @@
         </p:blipFill>
         <p:spPr>
           <a:xfrm>
-            <a:off x="468360" y="466560"/>
-            <a:ext cx="1937160" cy="731880"/>
+            <a:off x="468000" y="466560"/>
+            <a:ext cx="1936440" cy="731520"/>
           </a:xfrm>
           <a:prstGeom prst="rect">
             <a:avLst/>
@@ -1571,7 +1830,7 @@
       </p:pic>
       <p:sp>
         <p:nvSpPr>
-          <p:cNvPr id="37" name="PlaceHolder 1"/>
+          <p:cNvPr id="38" name="PlaceHolder 1"/>
           <p:cNvSpPr>
             <a:spLocks noGrp="1"/>
           </p:cNvSpPr>
@@ -1581,8 +1840,8 @@
         </p:nvSpPr>
         <p:spPr>
           <a:xfrm>
-            <a:off x="1307160" y="1825560"/>
-            <a:ext cx="10402560" cy="274680"/>
+            <a:off x="1306800" y="1825560"/>
+            <a:ext cx="10399320" cy="274680"/>
           </a:xfrm>
           <a:prstGeom prst="rect">
             <a:avLst/>
@@ -1598,7 +1857,13 @@
           </a:bodyPr>
           <a:p>
             <a:pPr indent="0">
+              <a:lnSpc>
+                <a:spcPct val="100000"/>
+              </a:lnSpc>
               <a:buNone/>
+              <a:tabLst>
+                <a:tab algn="l" pos="0"/>
+              </a:tabLst>
             </a:pPr>
             <a:r>
               <a:rPr b="0" lang="de-AT" sz="1800" strike="noStrike" u="none">
@@ -1624,7 +1889,7 @@
       </p:sp>
       <p:sp>
         <p:nvSpPr>
-          <p:cNvPr id="38" name="PlaceHolder 2"/>
+          <p:cNvPr id="39" name="PlaceHolder 2"/>
           <p:cNvSpPr>
             <a:spLocks noGrp="1"/>
           </p:cNvSpPr>
@@ -1634,8 +1899,8 @@
         </p:nvSpPr>
         <p:spPr>
           <a:xfrm>
-            <a:off x="1307160" y="2629080"/>
-            <a:ext cx="10402560" cy="3100680"/>
+            <a:off x="1306800" y="2629080"/>
+            <a:ext cx="10399320" cy="3100320"/>
           </a:xfrm>
           <a:prstGeom prst="rect">
             <a:avLst/>
@@ -1651,6 +1916,9 @@
           </a:bodyPr>
           <a:p>
             <a:pPr marL="432000" indent="-324000">
+              <a:lnSpc>
+                <a:spcPct val="100000"/>
+              </a:lnSpc>
               <a:spcBef>
                 <a:spcPts val="1417"/>
               </a:spcBef>
@@ -1683,6 +1951,9 @@
           </a:p>
           <a:p>
             <a:pPr lvl="1" marL="864000" indent="-324000">
+              <a:lnSpc>
+                <a:spcPct val="100000"/>
+              </a:lnSpc>
               <a:spcBef>
                 <a:spcPts val="1134"/>
               </a:spcBef>
@@ -1715,6 +1986,9 @@
           </a:p>
           <a:p>
             <a:pPr lvl="2" marL="1296000" indent="-288000">
+              <a:lnSpc>
+                <a:spcPct val="100000"/>
+              </a:lnSpc>
               <a:spcBef>
                 <a:spcPts val="850"/>
               </a:spcBef>
@@ -1747,6 +2021,9 @@
           </a:p>
           <a:p>
             <a:pPr lvl="3" marL="1728000" indent="-216000">
+              <a:lnSpc>
+                <a:spcPct val="100000"/>
+              </a:lnSpc>
               <a:spcBef>
                 <a:spcPts val="567"/>
               </a:spcBef>
@@ -1779,6 +2056,9 @@
           </a:p>
           <a:p>
             <a:pPr lvl="4" marL="2160000" indent="-216000">
+              <a:lnSpc>
+                <a:spcPct val="100000"/>
+              </a:lnSpc>
               <a:spcBef>
                 <a:spcPts val="283"/>
               </a:spcBef>
@@ -1811,6 +2091,9 @@
           </a:p>
           <a:p>
             <a:pPr lvl="5" marL="2592000" indent="-216000">
+              <a:lnSpc>
+                <a:spcPct val="100000"/>
+              </a:lnSpc>
               <a:spcBef>
                 <a:spcPts val="283"/>
               </a:spcBef>
@@ -1843,6 +2126,9 @@
           </a:p>
           <a:p>
             <a:pPr lvl="6" marL="3024000" indent="-216000">
+              <a:lnSpc>
+                <a:spcPct val="100000"/>
+              </a:lnSpc>
               <a:spcBef>
                 <a:spcPts val="283"/>
               </a:spcBef>
@@ -1877,7 +2163,7 @@
       </p:sp>
       <p:sp>
         <p:nvSpPr>
-          <p:cNvPr id="39" name="PlaceHolder 3"/>
+          <p:cNvPr id="40" name="PlaceHolder 3"/>
           <p:cNvSpPr>
             <a:spLocks noGrp="1"/>
           </p:cNvSpPr>
@@ -1887,8 +2173,8 @@
         </p:nvSpPr>
         <p:spPr>
           <a:xfrm>
-            <a:off x="461880" y="6385680"/>
-            <a:ext cx="10131840" cy="285120"/>
+            <a:off x="461520" y="6385680"/>
+            <a:ext cx="10128960" cy="284760"/>
           </a:xfrm>
           <a:prstGeom prst="rect">
             <a:avLst/>
@@ -1955,7 +2241,7 @@
       </p:sp>
       <p:sp>
         <p:nvSpPr>
-          <p:cNvPr id="40" name="PlaceHolder 4"/>
+          <p:cNvPr id="41" name="PlaceHolder 4"/>
           <p:cNvSpPr>
             <a:spLocks noGrp="1"/>
           </p:cNvSpPr>
@@ -1965,8 +2251,8 @@
         </p:nvSpPr>
         <p:spPr>
           <a:xfrm>
-            <a:off x="10885320" y="6385680"/>
-            <a:ext cx="824040" cy="285120"/>
+            <a:off x="10882080" y="6385680"/>
+            <a:ext cx="823320" cy="284760"/>
           </a:xfrm>
           <a:prstGeom prst="rect">
             <a:avLst/>
@@ -2009,7 +2295,7 @@
                 <a:tab algn="l" pos="0"/>
               </a:tabLst>
             </a:pPr>
-            <a:fld id="{27BD81A2-87F6-4987-94FD-FA66015D6182}" type="slidenum">
+            <a:fld id="{B6ED505C-9A92-484A-BFF6-C0F38CEB6516}" type="slidenum">
               <a:rPr b="0" lang="de-AT" sz="1200" strike="noStrike" u="none">
                 <a:solidFill>
                   <a:schemeClr val="lt1"/>
@@ -2037,6 +2323,609 @@
 </file>
 
 <file path=ppt/slideLayouts/slideLayout7.xml><?xml version="1.0" encoding="utf-8"?>
+<p:sldLayout xmlns:a="http://schemas.openxmlformats.org/drawingml/2006/main" xmlns:p="http://schemas.openxmlformats.org/presentationml/2006/main" xmlns:r="http://schemas.openxmlformats.org/officeDocument/2006/relationships" xmlns:p14="http://schemas.microsoft.com/office/powerpoint/2010/main" xmlns:p15="http://schemas.microsoft.com/office/powerpoint/2012/main" xmlns:mc="http://schemas.openxmlformats.org/markup-compatibility/2006" type="tx" preserve="1">
+  <p:cSld name="Default">
+    <p:bg>
+      <p:bgPr>
+        <a:solidFill>
+          <a:srgbClr val="ffffff"/>
+        </a:solidFill>
+      </p:bgPr>
+    </p:bg>
+    <p:spTree>
+      <p:nvGrpSpPr>
+        <p:cNvPr id="1" name=""/>
+        <p:cNvGrpSpPr/>
+        <p:nvPr/>
+      </p:nvGrpSpPr>
+      <p:grpSpPr>
+        <a:xfrm>
+          <a:off x="0" y="0"/>
+          <a:ext cx="0" cy="0"/>
+          <a:chOff x="0" y="0"/>
+          <a:chExt cx="0" cy="0"/>
+        </a:xfrm>
+      </p:grpSpPr>
+      <p:sp>
+        <p:nvSpPr>
+          <p:cNvPr id="36" name="Rechteck 55">
+            <a:extLst>
+              <a:ext uri="{C183D7F6-B498-43B3-948B-1728B52AA6E4}">
+                <adec:decorative xmlns:adec="http://schemas.microsoft.com/office/drawing/2017/decorative" val="1"/>
+              </a:ext>
+            </a:extLst>
+          </p:cNvPr>
+          <p:cNvSpPr/>
+          <p:nvPr/>
+        </p:nvSpPr>
+        <p:spPr>
+          <a:xfrm>
+            <a:off x="0" y="6235560"/>
+            <a:ext cx="12185640" cy="619200"/>
+          </a:xfrm>
+          <a:prstGeom prst="rect">
+            <a:avLst/>
+          </a:prstGeom>
+          <a:solidFill>
+            <a:schemeClr val="accent1"/>
+          </a:solidFill>
+          <a:ln w="10800">
+            <a:noFill/>
+          </a:ln>
+        </p:spPr>
+        <p:style>
+          <a:lnRef idx="0"/>
+          <a:fillRef idx="0"/>
+          <a:effectRef idx="0"/>
+          <a:fontRef idx="minor"/>
+        </p:style>
+        <p:txBody>
+          <a:bodyPr lIns="90000" rIns="90000" tIns="45000" bIns="45000" anchor="ctr">
+            <a:noAutofit/>
+          </a:bodyPr>
+          <a:p>
+            <a:pPr>
+              <a:lnSpc>
+                <a:spcPct val="100000"/>
+              </a:lnSpc>
+            </a:pPr>
+            <a:endParaRPr b="0" lang="de-AT" sz="1800" strike="noStrike" u="none">
+              <a:solidFill>
+                <a:schemeClr val="lt1"/>
+              </a:solidFill>
+              <a:effectLst/>
+              <a:uFillTx/>
+              <a:latin typeface="Arial"/>
+              <a:ea typeface="DejaVu Sans"/>
+            </a:endParaRPr>
+          </a:p>
+        </p:txBody>
+      </p:sp>
+      <p:pic>
+        <p:nvPicPr>
+          <p:cNvPr id="42" name="Grafik 41" descr="Logo der Technischen Universität Wien"/>
+          <p:cNvPicPr/>
+          <p:nvPr/>
+        </p:nvPicPr>
+        <p:blipFill>
+          <a:blip r:embed="rId2">
+            <a:extLst>
+              <a:ext uri="{96DAC541-7B7A-43D3-8B79-37D633B846F1}">
+                <asvg:svgBlip xmlns:asvg="http://schemas.microsoft.com/office/drawing/2016/SVG/main" r:embed="rId3"/>
+              </a:ext>
+            </a:extLst>
+          </a:blip>
+          <a:stretch/>
+        </p:blipFill>
+        <p:spPr>
+          <a:xfrm>
+            <a:off x="468000" y="466560"/>
+            <a:ext cx="1936440" cy="731520"/>
+          </a:xfrm>
+          <a:prstGeom prst="rect">
+            <a:avLst/>
+          </a:prstGeom>
+          <a:noFill/>
+          <a:ln w="0">
+            <a:noFill/>
+          </a:ln>
+        </p:spPr>
+      </p:pic>
+      <p:sp>
+        <p:nvSpPr>
+          <p:cNvPr id="43" name="PlaceHolder 1"/>
+          <p:cNvSpPr>
+            <a:spLocks noGrp="1"/>
+          </p:cNvSpPr>
+          <p:nvPr>
+            <p:ph type="title"/>
+          </p:nvPr>
+        </p:nvSpPr>
+        <p:spPr>
+          <a:xfrm>
+            <a:off x="1306800" y="1825560"/>
+            <a:ext cx="10399320" cy="274680"/>
+          </a:xfrm>
+          <a:prstGeom prst="rect">
+            <a:avLst/>
+          </a:prstGeom>
+          <a:noFill/>
+          <a:ln w="0">
+            <a:noFill/>
+          </a:ln>
+        </p:spPr>
+        <p:txBody>
+          <a:bodyPr lIns="0" rIns="0" tIns="0" bIns="0" anchor="ctr">
+            <a:spAutoFit/>
+          </a:bodyPr>
+          <a:p>
+            <a:pPr indent="0">
+              <a:lnSpc>
+                <a:spcPct val="100000"/>
+              </a:lnSpc>
+              <a:buNone/>
+              <a:tabLst>
+                <a:tab algn="l" pos="0"/>
+              </a:tabLst>
+            </a:pPr>
+            <a:r>
+              <a:rPr b="0" lang="de-AT" sz="1800" strike="noStrike" u="none">
+                <a:solidFill>
+                  <a:srgbClr val="000000"/>
+                </a:solidFill>
+                <a:effectLst/>
+                <a:uFillTx/>
+                <a:latin typeface="Arial"/>
+              </a:rPr>
+              <a:t>Click to edit the title text format</a:t>
+            </a:r>
+            <a:endParaRPr b="0" lang="de-AT" sz="1800" strike="noStrike" u="none">
+              <a:solidFill>
+                <a:srgbClr val="000000"/>
+              </a:solidFill>
+              <a:effectLst/>
+              <a:uFillTx/>
+              <a:latin typeface="Arial"/>
+            </a:endParaRPr>
+          </a:p>
+        </p:txBody>
+      </p:sp>
+      <p:sp>
+        <p:nvSpPr>
+          <p:cNvPr id="44" name="PlaceHolder 2"/>
+          <p:cNvSpPr>
+            <a:spLocks noGrp="1"/>
+          </p:cNvSpPr>
+          <p:nvPr>
+            <p:ph type="body"/>
+          </p:nvPr>
+        </p:nvSpPr>
+        <p:spPr>
+          <a:xfrm>
+            <a:off x="1306800" y="2629080"/>
+            <a:ext cx="10399320" cy="3100320"/>
+          </a:xfrm>
+          <a:prstGeom prst="rect">
+            <a:avLst/>
+          </a:prstGeom>
+          <a:noFill/>
+          <a:ln w="0">
+            <a:noFill/>
+          </a:ln>
+        </p:spPr>
+        <p:txBody>
+          <a:bodyPr lIns="0" rIns="0" tIns="0" bIns="0" anchor="t">
+            <a:normAutofit/>
+          </a:bodyPr>
+          <a:p>
+            <a:pPr marL="432000" indent="-324000">
+              <a:lnSpc>
+                <a:spcPct val="100000"/>
+              </a:lnSpc>
+              <a:spcBef>
+                <a:spcPts val="1417"/>
+              </a:spcBef>
+              <a:buClr>
+                <a:srgbClr val="000000"/>
+              </a:buClr>
+              <a:buSzPct val="45000"/>
+              <a:buFont typeface="Wingdings" charset="2"/>
+              <a:buChar char=""/>
+            </a:pPr>
+            <a:r>
+              <a:rPr b="0" lang="de-AT" sz="1800" strike="noStrike" u="none">
+                <a:solidFill>
+                  <a:srgbClr val="000000"/>
+                </a:solidFill>
+                <a:effectLst/>
+                <a:uFillTx/>
+                <a:latin typeface="Arial"/>
+              </a:rPr>
+              <a:t>Click to edit the outline text format</a:t>
+            </a:r>
+            <a:endParaRPr b="0" lang="de-AT" sz="1800" strike="noStrike" u="none">
+              <a:solidFill>
+                <a:srgbClr val="000000"/>
+              </a:solidFill>
+              <a:effectLst/>
+              <a:uFillTx/>
+              <a:latin typeface="Arial"/>
+            </a:endParaRPr>
+          </a:p>
+          <a:p>
+            <a:pPr lvl="1" marL="864000" indent="-324000">
+              <a:lnSpc>
+                <a:spcPct val="100000"/>
+              </a:lnSpc>
+              <a:spcBef>
+                <a:spcPts val="1134"/>
+              </a:spcBef>
+              <a:buClr>
+                <a:srgbClr val="000000"/>
+              </a:buClr>
+              <a:buSzPct val="75000"/>
+              <a:buFont typeface="Symbol" charset="2"/>
+              <a:buChar char=""/>
+            </a:pPr>
+            <a:r>
+              <a:rPr b="0" lang="de-AT" sz="1800" strike="noStrike" u="none">
+                <a:solidFill>
+                  <a:srgbClr val="000000"/>
+                </a:solidFill>
+                <a:effectLst/>
+                <a:uFillTx/>
+                <a:latin typeface="Arial"/>
+              </a:rPr>
+              <a:t>Second Outline Level</a:t>
+            </a:r>
+            <a:endParaRPr b="0" lang="de-AT" sz="1800" strike="noStrike" u="none">
+              <a:solidFill>
+                <a:srgbClr val="000000"/>
+              </a:solidFill>
+              <a:effectLst/>
+              <a:uFillTx/>
+              <a:latin typeface="Arial"/>
+            </a:endParaRPr>
+          </a:p>
+          <a:p>
+            <a:pPr lvl="2" marL="1296000" indent="-288000">
+              <a:lnSpc>
+                <a:spcPct val="100000"/>
+              </a:lnSpc>
+              <a:spcBef>
+                <a:spcPts val="850"/>
+              </a:spcBef>
+              <a:buClr>
+                <a:srgbClr val="000000"/>
+              </a:buClr>
+              <a:buSzPct val="45000"/>
+              <a:buFont typeface="Wingdings" charset="2"/>
+              <a:buChar char=""/>
+            </a:pPr>
+            <a:r>
+              <a:rPr b="0" lang="de-AT" sz="1800" strike="noStrike" u="none">
+                <a:solidFill>
+                  <a:srgbClr val="000000"/>
+                </a:solidFill>
+                <a:effectLst/>
+                <a:uFillTx/>
+                <a:latin typeface="Arial"/>
+              </a:rPr>
+              <a:t>Third Outline Level</a:t>
+            </a:r>
+            <a:endParaRPr b="0" lang="de-AT" sz="1800" strike="noStrike" u="none">
+              <a:solidFill>
+                <a:srgbClr val="000000"/>
+              </a:solidFill>
+              <a:effectLst/>
+              <a:uFillTx/>
+              <a:latin typeface="Arial"/>
+            </a:endParaRPr>
+          </a:p>
+          <a:p>
+            <a:pPr lvl="3" marL="1728000" indent="-216000">
+              <a:lnSpc>
+                <a:spcPct val="100000"/>
+              </a:lnSpc>
+              <a:spcBef>
+                <a:spcPts val="567"/>
+              </a:spcBef>
+              <a:buClr>
+                <a:srgbClr val="000000"/>
+              </a:buClr>
+              <a:buSzPct val="75000"/>
+              <a:buFont typeface="Symbol" charset="2"/>
+              <a:buChar char=""/>
+            </a:pPr>
+            <a:r>
+              <a:rPr b="0" lang="de-AT" sz="1800" strike="noStrike" u="none">
+                <a:solidFill>
+                  <a:srgbClr val="000000"/>
+                </a:solidFill>
+                <a:effectLst/>
+                <a:uFillTx/>
+                <a:latin typeface="Arial"/>
+              </a:rPr>
+              <a:t>Fourth Outline Level</a:t>
+            </a:r>
+            <a:endParaRPr b="0" lang="de-AT" sz="1800" strike="noStrike" u="none">
+              <a:solidFill>
+                <a:srgbClr val="000000"/>
+              </a:solidFill>
+              <a:effectLst/>
+              <a:uFillTx/>
+              <a:latin typeface="Arial"/>
+            </a:endParaRPr>
+          </a:p>
+          <a:p>
+            <a:pPr lvl="4" marL="2160000" indent="-216000">
+              <a:lnSpc>
+                <a:spcPct val="100000"/>
+              </a:lnSpc>
+              <a:spcBef>
+                <a:spcPts val="283"/>
+              </a:spcBef>
+              <a:buClr>
+                <a:srgbClr val="000000"/>
+              </a:buClr>
+              <a:buSzPct val="45000"/>
+              <a:buFont typeface="Wingdings" charset="2"/>
+              <a:buChar char=""/>
+            </a:pPr>
+            <a:r>
+              <a:rPr b="0" lang="de-AT" sz="1800" strike="noStrike" u="none">
+                <a:solidFill>
+                  <a:srgbClr val="000000"/>
+                </a:solidFill>
+                <a:effectLst/>
+                <a:uFillTx/>
+                <a:latin typeface="Arial"/>
+              </a:rPr>
+              <a:t>Fifth Outline Level</a:t>
+            </a:r>
+            <a:endParaRPr b="0" lang="de-AT" sz="1800" strike="noStrike" u="none">
+              <a:solidFill>
+                <a:srgbClr val="000000"/>
+              </a:solidFill>
+              <a:effectLst/>
+              <a:uFillTx/>
+              <a:latin typeface="Arial"/>
+            </a:endParaRPr>
+          </a:p>
+          <a:p>
+            <a:pPr lvl="5" marL="2592000" indent="-216000">
+              <a:lnSpc>
+                <a:spcPct val="100000"/>
+              </a:lnSpc>
+              <a:spcBef>
+                <a:spcPts val="283"/>
+              </a:spcBef>
+              <a:buClr>
+                <a:srgbClr val="000000"/>
+              </a:buClr>
+              <a:buSzPct val="45000"/>
+              <a:buFont typeface="Wingdings" charset="2"/>
+              <a:buChar char=""/>
+            </a:pPr>
+            <a:r>
+              <a:rPr b="0" lang="de-AT" sz="1800" strike="noStrike" u="none">
+                <a:solidFill>
+                  <a:srgbClr val="000000"/>
+                </a:solidFill>
+                <a:effectLst/>
+                <a:uFillTx/>
+                <a:latin typeface="Arial"/>
+              </a:rPr>
+              <a:t>Sixth Outline Level</a:t>
+            </a:r>
+            <a:endParaRPr b="0" lang="de-AT" sz="1800" strike="noStrike" u="none">
+              <a:solidFill>
+                <a:srgbClr val="000000"/>
+              </a:solidFill>
+              <a:effectLst/>
+              <a:uFillTx/>
+              <a:latin typeface="Arial"/>
+            </a:endParaRPr>
+          </a:p>
+          <a:p>
+            <a:pPr lvl="6" marL="3024000" indent="-216000">
+              <a:lnSpc>
+                <a:spcPct val="100000"/>
+              </a:lnSpc>
+              <a:spcBef>
+                <a:spcPts val="283"/>
+              </a:spcBef>
+              <a:buClr>
+                <a:srgbClr val="000000"/>
+              </a:buClr>
+              <a:buSzPct val="45000"/>
+              <a:buFont typeface="Wingdings" charset="2"/>
+              <a:buChar char=""/>
+            </a:pPr>
+            <a:r>
+              <a:rPr b="0" lang="de-AT" sz="1800" strike="noStrike" u="none">
+                <a:solidFill>
+                  <a:srgbClr val="000000"/>
+                </a:solidFill>
+                <a:effectLst/>
+                <a:uFillTx/>
+                <a:latin typeface="Arial"/>
+              </a:rPr>
+              <a:t>Seventh Outline Level</a:t>
+            </a:r>
+            <a:endParaRPr b="0" lang="de-AT" sz="1800" strike="noStrike" u="none">
+              <a:solidFill>
+                <a:srgbClr val="000000"/>
+              </a:solidFill>
+              <a:effectLst/>
+              <a:uFillTx/>
+              <a:latin typeface="Arial"/>
+            </a:endParaRPr>
+          </a:p>
+        </p:txBody>
+      </p:sp>
+      <p:sp>
+        <p:nvSpPr>
+          <p:cNvPr id="45" name="PlaceHolder 3"/>
+          <p:cNvSpPr>
+            <a:spLocks noGrp="1"/>
+          </p:cNvSpPr>
+          <p:nvPr>
+            <p:ph type="ftr" idx="11"/>
+          </p:nvPr>
+        </p:nvSpPr>
+        <p:spPr>
+          <a:xfrm>
+            <a:off x="461520" y="6385680"/>
+            <a:ext cx="10128960" cy="284760"/>
+          </a:xfrm>
+          <a:prstGeom prst="rect">
+            <a:avLst/>
+          </a:prstGeom>
+          <a:noFill/>
+          <a:ln w="0">
+            <a:noFill/>
+          </a:ln>
+        </p:spPr>
+        <p:txBody>
+          <a:bodyPr lIns="0" rIns="0" tIns="0" bIns="0" anchor="ctr">
+            <a:noAutofit/>
+          </a:bodyPr>
+          <a:lstStyle>
+            <a:lvl1pPr indent="0" defTabSz="914400">
+              <a:lnSpc>
+                <a:spcPct val="100000"/>
+              </a:lnSpc>
+              <a:buNone/>
+              <a:tabLst>
+                <a:tab algn="l" pos="0"/>
+              </a:tabLst>
+              <a:defRPr b="0" lang="de-AT" sz="1200" strike="noStrike" u="none">
+                <a:solidFill>
+                  <a:schemeClr val="lt1"/>
+                </a:solidFill>
+                <a:effectLst/>
+                <a:uFillTx/>
+                <a:latin typeface="Arial"/>
+              </a:defRPr>
+            </a:lvl1pPr>
+          </a:lstStyle>
+          <a:p>
+            <a:pPr indent="0" defTabSz="914400">
+              <a:lnSpc>
+                <a:spcPct val="100000"/>
+              </a:lnSpc>
+              <a:buNone/>
+              <a:tabLst>
+                <a:tab algn="l" pos="0"/>
+              </a:tabLst>
+            </a:pPr>
+            <a:r>
+              <a:rPr b="0" lang="de-AT" sz="1200" strike="noStrike" u="none">
+                <a:solidFill>
+                  <a:schemeClr val="lt1"/>
+                </a:solidFill>
+                <a:effectLst/>
+                <a:uFillTx/>
+                <a:latin typeface="Arial"/>
+              </a:rPr>
+              <a:t>&lt;footer&gt;</a:t>
+            </a:r>
+            <a:endParaRPr b="0" lang="de-AT" sz="1200" strike="noStrike" u="none">
+              <a:solidFill>
+                <a:srgbClr val="000000"/>
+              </a:solidFill>
+              <a:effectLst/>
+              <a:uFillTx/>
+              <a:latin typeface="Times New Roman"/>
+            </a:endParaRPr>
+          </a:p>
+        </p:txBody>
+      </p:sp>
+      <p:sp>
+        <p:nvSpPr>
+          <p:cNvPr id="46" name="PlaceHolder 4"/>
+          <p:cNvSpPr>
+            <a:spLocks noGrp="1"/>
+          </p:cNvSpPr>
+          <p:nvPr>
+            <p:ph type="sldNum" idx="12"/>
+          </p:nvPr>
+        </p:nvSpPr>
+        <p:spPr>
+          <a:xfrm>
+            <a:off x="10882080" y="6385680"/>
+            <a:ext cx="823320" cy="284760"/>
+          </a:xfrm>
+          <a:prstGeom prst="rect">
+            <a:avLst/>
+          </a:prstGeom>
+          <a:noFill/>
+          <a:ln w="0">
+            <a:noFill/>
+          </a:ln>
+        </p:spPr>
+        <p:txBody>
+          <a:bodyPr lIns="0" rIns="0" tIns="0" bIns="0" anchor="ctr">
+            <a:noAutofit/>
+          </a:bodyPr>
+          <a:lstStyle>
+            <a:lvl1pPr indent="0" algn="r" defTabSz="914400">
+              <a:lnSpc>
+                <a:spcPct val="100000"/>
+              </a:lnSpc>
+              <a:buNone/>
+              <a:tabLst>
+                <a:tab algn="l" pos="0"/>
+              </a:tabLst>
+              <a:defRPr b="0" lang="de-AT" sz="1200" strike="noStrike" u="none">
+                <a:solidFill>
+                  <a:schemeClr val="lt1"/>
+                </a:solidFill>
+                <a:effectLst/>
+                <a:uFillTx/>
+                <a:latin typeface="Arial"/>
+              </a:defRPr>
+            </a:lvl1pPr>
+          </a:lstStyle>
+          <a:p>
+            <a:pPr indent="0" algn="r" defTabSz="914400">
+              <a:lnSpc>
+                <a:spcPct val="100000"/>
+              </a:lnSpc>
+              <a:buNone/>
+              <a:tabLst>
+                <a:tab algn="l" pos="0"/>
+              </a:tabLst>
+            </a:pPr>
+            <a:fld id="{432D2EAE-8A3C-44AC-A5FE-ACBB3C8CB7B5}" type="slidenum">
+              <a:rPr b="0" lang="de-AT" sz="1200" strike="noStrike" u="none">
+                <a:solidFill>
+                  <a:schemeClr val="lt1"/>
+                </a:solidFill>
+                <a:effectLst/>
+                <a:uFillTx/>
+                <a:latin typeface="Arial"/>
+              </a:rPr>
+              <a:t>&lt;number&gt;</a:t>
+            </a:fld>
+            <a:endParaRPr b="0" lang="de-AT" sz="1200" strike="noStrike" u="none">
+              <a:solidFill>
+                <a:srgbClr val="000000"/>
+              </a:solidFill>
+              <a:effectLst/>
+              <a:uFillTx/>
+              <a:latin typeface="Times New Roman"/>
+            </a:endParaRPr>
+          </a:p>
+        </p:txBody>
+      </p:sp>
+    </p:spTree>
+  </p:cSld>
+</p:sldLayout>
+</file>
+
+<file path=ppt/slideLayouts/slideLayout8.xml><?xml version="1.0" encoding="utf-8"?>
 <p:sldLayout xmlns:a="http://schemas.openxmlformats.org/drawingml/2006/main" xmlns:p="http://schemas.openxmlformats.org/presentationml/2006/main" xmlns:r="http://schemas.openxmlformats.org/officeDocument/2006/relationships" xmlns:p14="http://schemas.microsoft.com/office/powerpoint/2010/main" xmlns:p15="http://schemas.microsoft.com/office/powerpoint/2012/main" xmlns:mc="http://schemas.openxmlformats.org/markup-compatibility/2006" type="tx" preserve="1">
   <p:cSld name="Default 1">
     <p:spTree>
@@ -2055,7 +2944,7 @@
       </p:grpSpPr>
       <p:sp>
         <p:nvSpPr>
-          <p:cNvPr id="47" name="PlaceHolder 1"/>
+          <p:cNvPr id="53" name="PlaceHolder 1"/>
           <p:cNvSpPr>
             <a:spLocks noGrp="1"/>
           </p:cNvSpPr>
@@ -2065,8 +2954,8 @@
         </p:nvSpPr>
         <p:spPr>
           <a:xfrm>
-            <a:off x="1307160" y="1650240"/>
-            <a:ext cx="10402560" cy="625320"/>
+            <a:off x="1306800" y="1650240"/>
+            <a:ext cx="10399320" cy="625320"/>
           </a:xfrm>
           <a:prstGeom prst="rect">
             <a:avLst/>
@@ -2097,7 +2986,7 @@
       </p:sp>
       <p:sp>
         <p:nvSpPr>
-          <p:cNvPr id="48" name="PlaceHolder 2"/>
+          <p:cNvPr id="54" name="PlaceHolder 2"/>
           <p:cNvSpPr>
             <a:spLocks noGrp="1"/>
           </p:cNvSpPr>
@@ -2107,8 +2996,8 @@
         </p:nvSpPr>
         <p:spPr>
           <a:xfrm>
-            <a:off x="1307160" y="2629080"/>
-            <a:ext cx="10402560" cy="3100680"/>
+            <a:off x="1306800" y="2629080"/>
+            <a:ext cx="10399320" cy="3100320"/>
           </a:xfrm>
           <a:prstGeom prst="rect">
             <a:avLst/>
@@ -2147,7 +3036,7 @@
             <a:spLocks noGrp="1"/>
           </p:cNvSpPr>
           <p:nvPr>
-            <p:ph type="ftr" idx="11"/>
+            <p:ph type="ftr" idx="13"/>
           </p:nvPr>
         </p:nvSpPr>
         <p:spPr/>
@@ -2167,14 +3056,14 @@
             <a:spLocks noGrp="1"/>
           </p:cNvSpPr>
           <p:nvPr>
-            <p:ph type="sldNum" idx="12"/>
+            <p:ph type="sldNum" idx="14"/>
           </p:nvPr>
         </p:nvSpPr>
         <p:spPr/>
         <p:txBody>
           <a:bodyPr/>
           <a:p>
-            <a:fld id="{81A0D5BC-359E-4F15-AA6E-561E818DB2D7}" type="slidenum">
+            <a:fld id="{582E2894-F87E-4EAE-898C-ED113BF8AB44}" type="slidenum">
               <a:t>&lt;#&gt;</a:t>
             </a:fld>
           </a:p>
@@ -2185,7 +3074,7 @@
 </p:sldLayout>
 </file>
 
-<file path=ppt/slideLayouts/slideLayout8.xml><?xml version="1.0" encoding="utf-8"?>
+<file path=ppt/slideLayouts/slideLayout9.xml><?xml version="1.0" encoding="utf-8"?>
 <p:sldLayout xmlns:a="http://schemas.openxmlformats.org/drawingml/2006/main" xmlns:p="http://schemas.openxmlformats.org/presentationml/2006/main" xmlns:r="http://schemas.openxmlformats.org/officeDocument/2006/relationships" xmlns:p14="http://schemas.microsoft.com/office/powerpoint/2010/main" xmlns:p15="http://schemas.microsoft.com/office/powerpoint/2012/main" xmlns:mc="http://schemas.openxmlformats.org/markup-compatibility/2006" type="title" preserve="1">
   <p:cSld name="Default 2">
     <p:spTree>
@@ -2204,7 +3093,7 @@
       </p:grpSpPr>
       <p:sp>
         <p:nvSpPr>
-          <p:cNvPr id="55" name="PlaceHolder 1"/>
+          <p:cNvPr id="61" name="PlaceHolder 1"/>
           <p:cNvSpPr>
             <a:spLocks noGrp="1"/>
           </p:cNvSpPr>
@@ -2214,8 +3103,8 @@
         </p:nvSpPr>
         <p:spPr>
           <a:xfrm>
-            <a:off x="1307160" y="1650240"/>
-            <a:ext cx="10402560" cy="625320"/>
+            <a:off x="1306800" y="1650240"/>
+            <a:ext cx="10399320" cy="625320"/>
           </a:xfrm>
           <a:prstGeom prst="rect">
             <a:avLst/>
@@ -2246,7 +3135,7 @@
       </p:sp>
       <p:sp>
         <p:nvSpPr>
-          <p:cNvPr id="56" name="PlaceHolder 2"/>
+          <p:cNvPr id="62" name="PlaceHolder 2"/>
           <p:cNvSpPr>
             <a:spLocks noGrp="1"/>
           </p:cNvSpPr>
@@ -2256,8 +3145,8 @@
         </p:nvSpPr>
         <p:spPr>
           <a:xfrm>
-            <a:off x="1307160" y="2629080"/>
-            <a:ext cx="10402560" cy="3100680"/>
+            <a:off x="1306800" y="2629080"/>
+            <a:ext cx="10399320" cy="3100320"/>
           </a:xfrm>
           <a:prstGeom prst="rect">
             <a:avLst/>
@@ -2293,7 +3182,7 @@
             <a:spLocks noGrp="1"/>
           </p:cNvSpPr>
           <p:nvPr>
-            <p:ph type="ftr" idx="13"/>
+            <p:ph type="ftr" idx="15"/>
           </p:nvPr>
         </p:nvSpPr>
         <p:spPr/>
@@ -2313,14 +3202,14 @@
             <a:spLocks noGrp="1"/>
           </p:cNvSpPr>
           <p:nvPr>
-            <p:ph type="sldNum" idx="14"/>
+            <p:ph type="sldNum" idx="16"/>
           </p:nvPr>
         </p:nvSpPr>
         <p:spPr/>
         <p:txBody>
           <a:bodyPr/>
           <a:p>
-            <a:fld id="{94350D48-3C4D-4B80-8DC4-EB94DEC33795}" type="slidenum">
+            <a:fld id="{608E688E-68C0-4187-974E-DCDA6AFE8AC6}" type="slidenum">
               <a:t>&lt;#&gt;</a:t>
             </a:fld>
           </a:p>
@@ -2370,7 +3259,7 @@
         <p:spPr>
           <a:xfrm>
             <a:off x="0" y="6235560"/>
-            <a:ext cx="12189240" cy="619560"/>
+            <a:ext cx="12185640" cy="619200"/>
           </a:xfrm>
           <a:prstGeom prst="rect">
             <a:avLst/>
@@ -2428,8 +3317,8 @@
         </p:blipFill>
         <p:spPr>
           <a:xfrm>
-            <a:off x="468360" y="466560"/>
-            <a:ext cx="1937160" cy="731880"/>
+            <a:off x="468000" y="466560"/>
+            <a:ext cx="1936440" cy="731520"/>
           </a:xfrm>
           <a:prstGeom prst="rect">
             <a:avLst/>
@@ -2452,8 +3341,8 @@
         </p:nvSpPr>
         <p:spPr>
           <a:xfrm>
-            <a:off x="1307160" y="1825560"/>
-            <a:ext cx="10402560" cy="274680"/>
+            <a:off x="1306800" y="1825200"/>
+            <a:ext cx="10399320" cy="274680"/>
           </a:xfrm>
           <a:prstGeom prst="rect">
             <a:avLst/>
@@ -2480,29 +3369,7 @@
                 <a:uFillTx/>
                 <a:latin typeface="Arial"/>
               </a:rPr>
-              <a:t>Click to edit </a:t>
-            </a:r>
-            <a:r>
-              <a:rPr b="0" lang="de-AT" sz="1800" strike="noStrike" u="none">
-                <a:solidFill>
-                  <a:srgbClr val="000000"/>
-                </a:solidFill>
-                <a:effectLst/>
-                <a:uFillTx/>
-                <a:latin typeface="Arial"/>
-              </a:rPr>
-              <a:t>the title text </a:t>
-            </a:r>
-            <a:r>
-              <a:rPr b="0" lang="de-AT" sz="1800" strike="noStrike" u="none">
-                <a:solidFill>
-                  <a:srgbClr val="000000"/>
-                </a:solidFill>
-                <a:effectLst/>
-                <a:uFillTx/>
-                <a:latin typeface="Arial"/>
-              </a:rPr>
-              <a:t>format</a:t>
+              <a:t>Click to edit the title text format</a:t>
             </a:r>
             <a:endParaRPr b="0" lang="de-AT" sz="1800" strike="noStrike" u="none">
               <a:solidFill>
@@ -2527,8 +3394,8 @@
         </p:nvSpPr>
         <p:spPr>
           <a:xfrm>
-            <a:off x="1307160" y="2629080"/>
-            <a:ext cx="10402560" cy="3100680"/>
+            <a:off x="1306800" y="2629080"/>
+            <a:ext cx="10399320" cy="3100320"/>
           </a:xfrm>
           <a:prstGeom prst="rect">
             <a:avLst/>
@@ -2816,7 +3683,7 @@
         <p:spPr>
           <a:xfrm>
             <a:off x="0" y="6235560"/>
-            <a:ext cx="12189240" cy="619560"/>
+            <a:ext cx="12185640" cy="619200"/>
           </a:xfrm>
           <a:prstGeom prst="rect">
             <a:avLst/>
@@ -2874,8 +3741,8 @@
         </p:blipFill>
         <p:spPr>
           <a:xfrm>
-            <a:off x="468360" y="466560"/>
-            <a:ext cx="1937160" cy="731880"/>
+            <a:off x="468000" y="466560"/>
+            <a:ext cx="1936440" cy="731520"/>
           </a:xfrm>
           <a:prstGeom prst="rect">
             <a:avLst/>
@@ -2898,8 +3765,8 @@
         </p:nvSpPr>
         <p:spPr>
           <a:xfrm>
-            <a:off x="1307160" y="1825560"/>
-            <a:ext cx="10402560" cy="274680"/>
+            <a:off x="1306800" y="1825200"/>
+            <a:ext cx="10399320" cy="274680"/>
           </a:xfrm>
           <a:prstGeom prst="rect">
             <a:avLst/>
@@ -2951,8 +3818,8 @@
         </p:nvSpPr>
         <p:spPr>
           <a:xfrm>
-            <a:off x="1307160" y="2629080"/>
-            <a:ext cx="10402560" cy="3100680"/>
+            <a:off x="1306800" y="2629080"/>
+            <a:ext cx="10399320" cy="3100320"/>
           </a:xfrm>
           <a:prstGeom prst="rect">
             <a:avLst/>
@@ -3204,8 +4071,8 @@
         </p:nvSpPr>
         <p:spPr>
           <a:xfrm>
-            <a:off x="461880" y="6385680"/>
-            <a:ext cx="10131840" cy="285120"/>
+            <a:off x="461520" y="6385680"/>
+            <a:ext cx="10128960" cy="284760"/>
           </a:xfrm>
           <a:prstGeom prst="rect">
             <a:avLst/>
@@ -3282,8 +4149,8 @@
         </p:nvSpPr>
         <p:spPr>
           <a:xfrm>
-            <a:off x="10885320" y="6385680"/>
-            <a:ext cx="824040" cy="285120"/>
+            <a:off x="10882080" y="6385680"/>
+            <a:ext cx="823320" cy="284760"/>
           </a:xfrm>
           <a:prstGeom prst="rect">
             <a:avLst/>
@@ -3326,7 +4193,7 @@
                 <a:tab algn="l" pos="0"/>
               </a:tabLst>
             </a:pPr>
-            <a:fld id="{3CC6F656-8FF2-43B7-AFD0-E5688569D789}" type="slidenum">
+            <a:fld id="{78CCA225-898A-445D-A83D-D640786DA265}" type="slidenum">
               <a:rPr b="0" lang="de-AT" sz="1200" strike="noStrike" u="none">
                 <a:solidFill>
                   <a:schemeClr val="lt1"/>
@@ -3396,7 +4263,7 @@
         <p:spPr>
           <a:xfrm>
             <a:off x="0" y="6235560"/>
-            <a:ext cx="12189240" cy="619560"/>
+            <a:ext cx="12185640" cy="619200"/>
           </a:xfrm>
           <a:prstGeom prst="rect">
             <a:avLst/>
@@ -3454,8 +4321,8 @@
         </p:blipFill>
         <p:spPr>
           <a:xfrm>
-            <a:off x="468360" y="466560"/>
-            <a:ext cx="1937160" cy="731880"/>
+            <a:off x="468000" y="466560"/>
+            <a:ext cx="1936440" cy="731520"/>
           </a:xfrm>
           <a:prstGeom prst="rect">
             <a:avLst/>
@@ -3478,8 +4345,8 @@
         </p:nvSpPr>
         <p:spPr>
           <a:xfrm>
-            <a:off x="1307160" y="1825560"/>
-            <a:ext cx="10402560" cy="274680"/>
+            <a:off x="1306800" y="1825200"/>
+            <a:ext cx="10399320" cy="274680"/>
           </a:xfrm>
           <a:prstGeom prst="rect">
             <a:avLst/>
@@ -3531,8 +4398,8 @@
         </p:nvSpPr>
         <p:spPr>
           <a:xfrm>
-            <a:off x="1307160" y="2629080"/>
-            <a:ext cx="10402560" cy="3100680"/>
+            <a:off x="1306800" y="2629080"/>
+            <a:ext cx="10399320" cy="3100320"/>
           </a:xfrm>
           <a:prstGeom prst="rect">
             <a:avLst/>
@@ -3784,8 +4651,8 @@
         </p:nvSpPr>
         <p:spPr>
           <a:xfrm>
-            <a:off x="461880" y="6385680"/>
-            <a:ext cx="10131840" cy="285120"/>
+            <a:off x="461520" y="6385680"/>
+            <a:ext cx="10128960" cy="284760"/>
           </a:xfrm>
           <a:prstGeom prst="rect">
             <a:avLst/>
@@ -3862,8 +4729,8 @@
         </p:nvSpPr>
         <p:spPr>
           <a:xfrm>
-            <a:off x="10885320" y="6385680"/>
-            <a:ext cx="824040" cy="285120"/>
+            <a:off x="10882080" y="6385680"/>
+            <a:ext cx="823320" cy="284760"/>
           </a:xfrm>
           <a:prstGeom prst="rect">
             <a:avLst/>
@@ -3906,7 +4773,7 @@
                 <a:tab algn="l" pos="0"/>
               </a:tabLst>
             </a:pPr>
-            <a:fld id="{1FC25E3A-2C05-46D0-8EA9-7C4B296F1D8B}" type="slidenum">
+            <a:fld id="{15B22B9E-CBDA-464A-BE6D-4BEA8C7E247F}" type="slidenum">
               <a:rPr b="0" lang="de-AT" sz="1200" strike="noStrike" u="none">
                 <a:solidFill>
                   <a:schemeClr val="lt1"/>
@@ -3976,7 +4843,7 @@
         <p:spPr>
           <a:xfrm>
             <a:off x="0" y="6235560"/>
-            <a:ext cx="12189240" cy="619560"/>
+            <a:ext cx="12185640" cy="619200"/>
           </a:xfrm>
           <a:prstGeom prst="rect">
             <a:avLst/>
@@ -4034,8 +4901,8 @@
         </p:blipFill>
         <p:spPr>
           <a:xfrm>
-            <a:off x="468360" y="466560"/>
-            <a:ext cx="1937160" cy="731880"/>
+            <a:off x="468000" y="466560"/>
+            <a:ext cx="1936440" cy="731520"/>
           </a:xfrm>
           <a:prstGeom prst="rect">
             <a:avLst/>
@@ -4058,8 +4925,8 @@
         </p:nvSpPr>
         <p:spPr>
           <a:xfrm>
-            <a:off x="1307160" y="1825560"/>
-            <a:ext cx="10402560" cy="274680"/>
+            <a:off x="1306800" y="1825200"/>
+            <a:ext cx="10399320" cy="274680"/>
           </a:xfrm>
           <a:prstGeom prst="rect">
             <a:avLst/>
@@ -4111,8 +4978,8 @@
         </p:nvSpPr>
         <p:spPr>
           <a:xfrm>
-            <a:off x="1307160" y="2629080"/>
-            <a:ext cx="10402560" cy="3100680"/>
+            <a:off x="1306800" y="2629080"/>
+            <a:ext cx="10399320" cy="3100320"/>
           </a:xfrm>
           <a:prstGeom prst="rect">
             <a:avLst/>
@@ -4364,8 +5231,8 @@
         </p:nvSpPr>
         <p:spPr>
           <a:xfrm>
-            <a:off x="461880" y="6385680"/>
-            <a:ext cx="10131840" cy="285120"/>
+            <a:off x="461520" y="6385680"/>
+            <a:ext cx="10128960" cy="284760"/>
           </a:xfrm>
           <a:prstGeom prst="rect">
             <a:avLst/>
@@ -4442,8 +5309,8 @@
         </p:nvSpPr>
         <p:spPr>
           <a:xfrm>
-            <a:off x="10885320" y="6385680"/>
-            <a:ext cx="824040" cy="285120"/>
+            <a:off x="10882080" y="6385680"/>
+            <a:ext cx="823320" cy="284760"/>
           </a:xfrm>
           <a:prstGeom prst="rect">
             <a:avLst/>
@@ -4486,7 +5353,7 @@
                 <a:tab algn="l" pos="0"/>
               </a:tabLst>
             </a:pPr>
-            <a:fld id="{F3CD902D-864E-4F0E-B20F-4D2F4B612630}" type="slidenum">
+            <a:fld id="{D5FFB00A-361D-420F-ABD3-5C23BD2B2466}" type="slidenum">
               <a:rPr b="0" lang="de-AT" sz="1200" strike="noStrike" u="none">
                 <a:solidFill>
                   <a:schemeClr val="lt1"/>
@@ -4540,6 +5407,7 @@
   <p:sldLayoutIdLst>
     <p:sldLayoutId id="2147483657" r:id="rId2"/>
     <p:sldLayoutId id="2147483658" r:id="rId3"/>
+    <p:sldLayoutId id="2147483659" r:id="rId4"/>
   </p:sldLayoutIdLst>
 </p:sldMaster>
 </file>
@@ -4570,7 +5438,7 @@
       </p:grpSpPr>
       <p:sp>
         <p:nvSpPr>
-          <p:cNvPr id="41" name="Rechteck 55">
+          <p:cNvPr id="47" name="Rechteck 55">
             <a:extLst>
               <a:ext uri="{C183D7F6-B498-43B3-948B-1728B52AA6E4}">
                 <adec:decorative xmlns:adec="http://schemas.microsoft.com/office/drawing/2017/decorative" val="1"/>
@@ -4583,7 +5451,7 @@
         <p:spPr>
           <a:xfrm>
             <a:off x="0" y="6235560"/>
-            <a:ext cx="12189240" cy="619560"/>
+            <a:ext cx="12185640" cy="619200"/>
           </a:xfrm>
           <a:prstGeom prst="rect">
             <a:avLst/>
@@ -4625,7 +5493,7 @@
       </p:sp>
       <p:pic>
         <p:nvPicPr>
-          <p:cNvPr id="42" name="Grafik 41" descr="Logo der Technischen Universität Wien"/>
+          <p:cNvPr id="48" name="Grafik 41" descr="Logo der Technischen Universität Wien"/>
           <p:cNvPicPr/>
           <p:nvPr/>
         </p:nvPicPr>
@@ -4641,8 +5509,8 @@
         </p:blipFill>
         <p:spPr>
           <a:xfrm>
-            <a:off x="468360" y="466560"/>
-            <a:ext cx="1937160" cy="731880"/>
+            <a:off x="468000" y="466560"/>
+            <a:ext cx="1936440" cy="731520"/>
           </a:xfrm>
           <a:prstGeom prst="rect">
             <a:avLst/>
@@ -4655,7 +5523,7 @@
       </p:pic>
       <p:sp>
         <p:nvSpPr>
-          <p:cNvPr id="43" name="PlaceHolder 1"/>
+          <p:cNvPr id="49" name="PlaceHolder 1"/>
           <p:cNvSpPr>
             <a:spLocks noGrp="1"/>
           </p:cNvSpPr>
@@ -4665,8 +5533,8 @@
         </p:nvSpPr>
         <p:spPr>
           <a:xfrm>
-            <a:off x="1307160" y="1825560"/>
-            <a:ext cx="10402560" cy="274680"/>
+            <a:off x="1306800" y="1825200"/>
+            <a:ext cx="10399320" cy="274680"/>
           </a:xfrm>
           <a:prstGeom prst="rect">
             <a:avLst/>
@@ -4708,7 +5576,7 @@
       </p:sp>
       <p:sp>
         <p:nvSpPr>
-          <p:cNvPr id="44" name="PlaceHolder 2"/>
+          <p:cNvPr id="50" name="PlaceHolder 2"/>
           <p:cNvSpPr>
             <a:spLocks noGrp="1"/>
           </p:cNvSpPr>
@@ -4718,8 +5586,8 @@
         </p:nvSpPr>
         <p:spPr>
           <a:xfrm>
-            <a:off x="1307160" y="2629080"/>
-            <a:ext cx="10402560" cy="3100680"/>
+            <a:off x="1306800" y="2629080"/>
+            <a:ext cx="10399320" cy="3100320"/>
           </a:xfrm>
           <a:prstGeom prst="rect">
             <a:avLst/>
@@ -4961,18 +5829,18 @@
       </p:sp>
       <p:sp>
         <p:nvSpPr>
-          <p:cNvPr id="45" name="PlaceHolder 3"/>
+          <p:cNvPr id="51" name="PlaceHolder 3"/>
           <p:cNvSpPr>
             <a:spLocks noGrp="1"/>
           </p:cNvSpPr>
           <p:nvPr>
-            <p:ph type="ftr" idx="11"/>
+            <p:ph type="ftr" idx="13"/>
           </p:nvPr>
         </p:nvSpPr>
         <p:spPr>
           <a:xfrm>
-            <a:off x="461880" y="6385680"/>
-            <a:ext cx="10131840" cy="285120"/>
+            <a:off x="461520" y="6385680"/>
+            <a:ext cx="10128960" cy="284760"/>
           </a:xfrm>
           <a:prstGeom prst="rect">
             <a:avLst/>
@@ -5039,18 +5907,18 @@
       </p:sp>
       <p:sp>
         <p:nvSpPr>
-          <p:cNvPr id="46" name="PlaceHolder 4"/>
+          <p:cNvPr id="52" name="PlaceHolder 4"/>
           <p:cNvSpPr>
             <a:spLocks noGrp="1"/>
           </p:cNvSpPr>
           <p:nvPr>
-            <p:ph type="sldNum" idx="12"/>
+            <p:ph type="sldNum" idx="14"/>
           </p:nvPr>
         </p:nvSpPr>
         <p:spPr>
           <a:xfrm>
-            <a:off x="10885320" y="6385680"/>
-            <a:ext cx="824040" cy="285120"/>
+            <a:off x="10882080" y="6385680"/>
+            <a:ext cx="823320" cy="284760"/>
           </a:xfrm>
           <a:prstGeom prst="rect">
             <a:avLst/>
@@ -5093,7 +5961,7 @@
                 <a:tab algn="l" pos="0"/>
               </a:tabLst>
             </a:pPr>
-            <a:fld id="{03A5B011-F6CB-47CC-A866-1C6A10A220D4}" type="slidenum">
+            <a:fld id="{F9D94A99-E176-477F-851D-4ADDAD9C2BA6}" type="slidenum">
               <a:rPr b="0" lang="de-AT" sz="1200" strike="noStrike" u="none">
                 <a:solidFill>
                   <a:schemeClr val="lt1"/>
@@ -5119,7 +5987,7 @@
   </p:cSld>
   <p:clrMap bg1="lt1" tx1="dk1" bg2="lt2" tx2="dk2" accent1="accent1" accent2="accent2" accent3="accent3" accent4="accent4" accent5="accent5" accent6="accent6" hlink="hlink" folHlink="folHlink"/>
   <p:sldLayoutIdLst>
-    <p:sldLayoutId id="2147483660" r:id="rId4"/>
+    <p:sldLayoutId id="2147483661" r:id="rId4"/>
   </p:sldLayoutIdLst>
 </p:sldMaster>
 </file>
@@ -5150,7 +6018,7 @@
       </p:grpSpPr>
       <p:sp>
         <p:nvSpPr>
-          <p:cNvPr id="49" name="Rechteck 55">
+          <p:cNvPr id="55" name="Rechteck 55">
             <a:extLst>
               <a:ext uri="{C183D7F6-B498-43B3-948B-1728B52AA6E4}">
                 <adec:decorative xmlns:adec="http://schemas.microsoft.com/office/drawing/2017/decorative" val="1"/>
@@ -5163,7 +6031,7 @@
         <p:spPr>
           <a:xfrm>
             <a:off x="0" y="6235560"/>
-            <a:ext cx="12189240" cy="619560"/>
+            <a:ext cx="12185640" cy="619200"/>
           </a:xfrm>
           <a:prstGeom prst="rect">
             <a:avLst/>
@@ -5205,7 +6073,7 @@
       </p:sp>
       <p:pic>
         <p:nvPicPr>
-          <p:cNvPr id="50" name="Grafik 41" descr="Logo der Technischen Universität Wien"/>
+          <p:cNvPr id="56" name="Grafik 41" descr="Logo der Technischen Universität Wien"/>
           <p:cNvPicPr/>
           <p:nvPr/>
         </p:nvPicPr>
@@ -5221,8 +6089,8 @@
         </p:blipFill>
         <p:spPr>
           <a:xfrm>
-            <a:off x="468360" y="466560"/>
-            <a:ext cx="1937160" cy="731880"/>
+            <a:off x="468000" y="466560"/>
+            <a:ext cx="1936440" cy="731520"/>
           </a:xfrm>
           <a:prstGeom prst="rect">
             <a:avLst/>
@@ -5235,7 +6103,7 @@
       </p:pic>
       <p:sp>
         <p:nvSpPr>
-          <p:cNvPr id="51" name="PlaceHolder 1"/>
+          <p:cNvPr id="57" name="PlaceHolder 1"/>
           <p:cNvSpPr>
             <a:spLocks noGrp="1"/>
           </p:cNvSpPr>
@@ -5245,8 +6113,8 @@
         </p:nvSpPr>
         <p:spPr>
           <a:xfrm>
-            <a:off x="1307160" y="1825560"/>
-            <a:ext cx="10402560" cy="274680"/>
+            <a:off x="1306800" y="1825200"/>
+            <a:ext cx="10399320" cy="274680"/>
           </a:xfrm>
           <a:prstGeom prst="rect">
             <a:avLst/>
@@ -5288,18 +6156,18 @@
       </p:sp>
       <p:sp>
         <p:nvSpPr>
-          <p:cNvPr id="52" name="PlaceHolder 2"/>
+          <p:cNvPr id="58" name="PlaceHolder 2"/>
           <p:cNvSpPr>
             <a:spLocks noGrp="1"/>
           </p:cNvSpPr>
           <p:nvPr>
-            <p:ph type="ftr" idx="13"/>
+            <p:ph type="ftr" idx="15"/>
           </p:nvPr>
         </p:nvSpPr>
         <p:spPr>
           <a:xfrm>
-            <a:off x="461880" y="6385680"/>
-            <a:ext cx="10131840" cy="285120"/>
+            <a:off x="461520" y="6385680"/>
+            <a:ext cx="10128960" cy="284760"/>
           </a:xfrm>
           <a:prstGeom prst="rect">
             <a:avLst/>
@@ -5351,7 +6219,7 @@
                 <a:uFillTx/>
                 <a:latin typeface="Arial"/>
               </a:rPr>
-              <a:t>&lt;footer&gt;</a:t>
+              <a:t> </a:t>
             </a:r>
             <a:endParaRPr b="0" lang="de-AT" sz="1200" strike="noStrike" u="none">
               <a:solidFill>
@@ -5366,18 +6234,18 @@
       </p:sp>
       <p:sp>
         <p:nvSpPr>
-          <p:cNvPr id="53" name="PlaceHolder 3"/>
+          <p:cNvPr id="59" name="PlaceHolder 3"/>
           <p:cNvSpPr>
             <a:spLocks noGrp="1"/>
           </p:cNvSpPr>
           <p:nvPr>
-            <p:ph type="sldNum" idx="14"/>
+            <p:ph type="sldNum" idx="16"/>
           </p:nvPr>
         </p:nvSpPr>
         <p:spPr>
           <a:xfrm>
-            <a:off x="10885320" y="6385680"/>
-            <a:ext cx="824040" cy="285120"/>
+            <a:off x="10882080" y="6385680"/>
+            <a:ext cx="823320" cy="284760"/>
           </a:xfrm>
           <a:prstGeom prst="rect">
             <a:avLst/>
@@ -5420,7 +6288,7 @@
                 <a:tab algn="l" pos="0"/>
               </a:tabLst>
             </a:pPr>
-            <a:fld id="{94EA5544-4BB9-4281-928E-2E64AB482EB7}" type="slidenum">
+            <a:fld id="{8CFEF6BC-1982-41CB-A8C4-C0B7EA7B60A6}" type="slidenum">
               <a:rPr b="0" lang="de-AT" sz="1200" strike="noStrike" u="none">
                 <a:solidFill>
                   <a:schemeClr val="lt1"/>
@@ -5429,7 +6297,7 @@
                 <a:uFillTx/>
                 <a:latin typeface="Arial"/>
               </a:rPr>
-              <a:t>&lt;number&gt;</a:t>
+              <a:t>1</a:t>
             </a:fld>
             <a:endParaRPr b="0" lang="de-AT" sz="1200" strike="noStrike" u="none">
               <a:solidFill>
@@ -5444,7 +6312,7 @@
       </p:sp>
       <p:sp>
         <p:nvSpPr>
-          <p:cNvPr id="54" name="PlaceHolder 4"/>
+          <p:cNvPr id="60" name="PlaceHolder 4"/>
           <p:cNvSpPr>
             <a:spLocks noGrp="1"/>
           </p:cNvSpPr>
@@ -5454,8 +6322,8 @@
         </p:nvSpPr>
         <p:spPr>
           <a:xfrm>
-            <a:off x="609480" y="1604520"/>
-            <a:ext cx="10972440" cy="3977280"/>
+            <a:off x="609120" y="1604520"/>
+            <a:ext cx="10969560" cy="3977280"/>
           </a:xfrm>
           <a:prstGeom prst="rect">
             <a:avLst/>
@@ -5699,7 +6567,7 @@
   </p:cSld>
   <p:clrMap bg1="lt1" tx1="dk1" bg2="lt2" tx2="dk2" accent1="accent1" accent2="accent2" accent3="accent3" accent4="accent4" accent5="accent5" accent6="accent6" hlink="hlink" folHlink="folHlink"/>
   <p:sldLayoutIdLst>
-    <p:sldLayoutId id="2147483662" r:id="rId4"/>
+    <p:sldLayoutId id="2147483663" r:id="rId4"/>
   </p:sldLayoutIdLst>
 </p:sldMaster>
 </file>
@@ -5723,7 +6591,7 @@
       </p:grpSpPr>
       <p:sp>
         <p:nvSpPr>
-          <p:cNvPr id="63" name="PlaceHolder 1"/>
+          <p:cNvPr id="69" name="PlaceHolder 1"/>
           <p:cNvSpPr>
             <a:spLocks noGrp="1"/>
           </p:cNvSpPr>
@@ -5733,8 +6601,8 @@
         </p:nvSpPr>
         <p:spPr>
           <a:xfrm>
-            <a:off x="461880" y="4258800"/>
-            <a:ext cx="10131840" cy="1036800"/>
+            <a:off x="461520" y="4258800"/>
+            <a:ext cx="10128960" cy="1036440"/>
           </a:xfrm>
           <a:prstGeom prst="rect">
             <a:avLst/>
@@ -5810,7 +6678,7 @@
       </p:sp>
       <p:sp>
         <p:nvSpPr>
-          <p:cNvPr id="64" name="PlaceHolder 2"/>
+          <p:cNvPr id="70" name="PlaceHolder 2"/>
           <p:cNvSpPr>
             <a:spLocks noGrp="1"/>
           </p:cNvSpPr>
@@ -5820,8 +6688,8 @@
         </p:nvSpPr>
         <p:spPr>
           <a:xfrm>
-            <a:off x="461880" y="5550480"/>
-            <a:ext cx="10131840" cy="342720"/>
+            <a:off x="461520" y="5550480"/>
+            <a:ext cx="10128960" cy="342360"/>
           </a:xfrm>
           <a:prstGeom prst="rect">
             <a:avLst/>
@@ -5902,7 +6770,7 @@
       </p:grpSpPr>
       <p:sp>
         <p:nvSpPr>
-          <p:cNvPr id="103" name="PlaceHolder 1"/>
+          <p:cNvPr id="107" name="PlaceHolder 1"/>
           <p:cNvSpPr>
             <a:spLocks noGrp="1"/>
           </p:cNvSpPr>
@@ -5912,8 +6780,8 @@
         </p:nvSpPr>
         <p:spPr>
           <a:xfrm>
-            <a:off x="1307160" y="1549080"/>
-            <a:ext cx="10402560" cy="826560"/>
+            <a:off x="1306800" y="1549080"/>
+            <a:ext cx="10399320" cy="826200"/>
           </a:xfrm>
           <a:prstGeom prst="rect">
             <a:avLst/>
@@ -5989,7 +6857,7 @@
       </p:sp>
       <p:pic>
         <p:nvPicPr>
-          <p:cNvPr id="104" name="" descr=""/>
+          <p:cNvPr id="108" name="" descr=""/>
           <p:cNvPicPr/>
           <p:nvPr/>
         </p:nvPicPr>
@@ -5999,104 +6867,8 @@
         </p:blipFill>
         <p:spPr>
           <a:xfrm>
-            <a:off x="1307520" y="2660760"/>
-            <a:ext cx="692280" cy="1003320"/>
-          </a:xfrm>
-          <a:prstGeom prst="rect">
-            <a:avLst/>
-          </a:prstGeom>
-          <a:noFill/>
-          <a:ln w="0">
-            <a:noFill/>
-          </a:ln>
-        </p:spPr>
-      </p:pic>
-      <p:pic>
-        <p:nvPicPr>
-          <p:cNvPr id="105" name="" descr=""/>
-          <p:cNvPicPr/>
-          <p:nvPr/>
-        </p:nvPicPr>
-        <p:blipFill>
-          <a:blip r:embed="rId2"/>
-          <a:stretch/>
-        </p:blipFill>
-        <p:spPr>
-          <a:xfrm>
-            <a:off x="2188440" y="3026160"/>
-            <a:ext cx="358200" cy="182520"/>
-          </a:xfrm>
-          <a:prstGeom prst="rect">
-            <a:avLst/>
-          </a:prstGeom>
-          <a:noFill/>
-          <a:ln w="0">
-            <a:noFill/>
-          </a:ln>
-        </p:spPr>
-      </p:pic>
-      <p:pic>
-        <p:nvPicPr>
-          <p:cNvPr id="106" name="" descr=""/>
-          <p:cNvPicPr/>
-          <p:nvPr/>
-        </p:nvPicPr>
-        <p:blipFill>
-          <a:blip r:embed="rId3"/>
-          <a:stretch/>
-        </p:blipFill>
-        <p:spPr>
-          <a:xfrm>
-            <a:off x="2659320" y="2660760"/>
-            <a:ext cx="802080" cy="1003320"/>
-          </a:xfrm>
-          <a:prstGeom prst="rect">
-            <a:avLst/>
-          </a:prstGeom>
-          <a:noFill/>
-          <a:ln w="0">
-            <a:noFill/>
-          </a:ln>
-        </p:spPr>
-      </p:pic>
-      <p:pic>
-        <p:nvPicPr>
-          <p:cNvPr id="107" name="" descr=""/>
-          <p:cNvPicPr/>
-          <p:nvPr/>
-        </p:nvPicPr>
-        <p:blipFill>
-          <a:blip r:embed="rId4"/>
-          <a:stretch/>
-        </p:blipFill>
-        <p:spPr>
-          <a:xfrm>
-            <a:off x="3628440" y="3026160"/>
-            <a:ext cx="358200" cy="182520"/>
-          </a:xfrm>
-          <a:prstGeom prst="rect">
-            <a:avLst/>
-          </a:prstGeom>
-          <a:noFill/>
-          <a:ln w="0">
-            <a:noFill/>
-          </a:ln>
-        </p:spPr>
-      </p:pic>
-      <p:pic>
-        <p:nvPicPr>
-          <p:cNvPr id="108" name="" descr=""/>
-          <p:cNvPicPr/>
-          <p:nvPr/>
-        </p:nvPicPr>
-        <p:blipFill>
-          <a:blip r:embed="rId5"/>
-          <a:stretch/>
-        </p:blipFill>
-        <p:spPr>
-          <a:xfrm>
-            <a:off x="4132800" y="2660760"/>
-            <a:ext cx="857160" cy="1003320"/>
+            <a:off x="1307160" y="2660760"/>
+            <a:ext cx="691560" cy="1002960"/>
           </a:xfrm>
           <a:prstGeom prst="rect">
             <a:avLst/>
@@ -6114,13 +6886,13 @@
           <p:nvPr/>
         </p:nvPicPr>
         <p:blipFill>
-          <a:blip r:embed="rId6"/>
+          <a:blip r:embed="rId2"/>
           <a:stretch/>
         </p:blipFill>
         <p:spPr>
           <a:xfrm>
-            <a:off x="5068440" y="3026160"/>
-            <a:ext cx="358200" cy="182520"/>
+            <a:off x="2187720" y="3026160"/>
+            <a:ext cx="357840" cy="182160"/>
           </a:xfrm>
           <a:prstGeom prst="rect">
             <a:avLst/>
@@ -6138,13 +6910,13 @@
           <p:nvPr/>
         </p:nvPicPr>
         <p:blipFill>
-          <a:blip r:embed="rId7"/>
+          <a:blip r:embed="rId3"/>
           <a:stretch/>
         </p:blipFill>
         <p:spPr>
           <a:xfrm>
-            <a:off x="5501880" y="2660760"/>
-            <a:ext cx="1451520" cy="1003320"/>
+            <a:off x="2658600" y="2660760"/>
+            <a:ext cx="801360" cy="1002960"/>
           </a:xfrm>
           <a:prstGeom prst="rect">
             <a:avLst/>
@@ -6162,13 +6934,13 @@
           <p:nvPr/>
         </p:nvPicPr>
         <p:blipFill>
-          <a:blip r:embed="rId8"/>
+          <a:blip r:embed="rId4"/>
           <a:stretch/>
         </p:blipFill>
         <p:spPr>
           <a:xfrm>
-            <a:off x="7012440" y="3026160"/>
-            <a:ext cx="358200" cy="182520"/>
+            <a:off x="3627360" y="3026160"/>
+            <a:ext cx="357840" cy="182160"/>
           </a:xfrm>
           <a:prstGeom prst="rect">
             <a:avLst/>
@@ -6186,13 +6958,13 @@
           <p:nvPr/>
         </p:nvPicPr>
         <p:blipFill>
-          <a:blip r:embed="rId9"/>
+          <a:blip r:embed="rId5"/>
           <a:stretch/>
         </p:blipFill>
         <p:spPr>
           <a:xfrm>
-            <a:off x="7517520" y="2804760"/>
-            <a:ext cx="1091880" cy="709920"/>
+            <a:off x="4131360" y="2660760"/>
+            <a:ext cx="856440" cy="1002960"/>
           </a:xfrm>
           <a:prstGeom prst="rect">
             <a:avLst/>
@@ -6210,13 +6982,13 @@
           <p:nvPr/>
         </p:nvPicPr>
         <p:blipFill>
-          <a:blip r:embed="rId10"/>
+          <a:blip r:embed="rId6"/>
           <a:stretch/>
         </p:blipFill>
         <p:spPr>
           <a:xfrm>
-            <a:off x="8740440" y="3026160"/>
-            <a:ext cx="358200" cy="182520"/>
+            <a:off x="5067000" y="3026160"/>
+            <a:ext cx="357840" cy="182160"/>
           </a:xfrm>
           <a:prstGeom prst="rect">
             <a:avLst/>
@@ -6234,13 +7006,13 @@
           <p:nvPr/>
         </p:nvPicPr>
         <p:blipFill>
-          <a:blip r:embed="rId11"/>
+          <a:blip r:embed="rId7"/>
           <a:stretch/>
         </p:blipFill>
         <p:spPr>
           <a:xfrm>
-            <a:off x="9208080" y="2660760"/>
-            <a:ext cx="793080" cy="1003320"/>
+            <a:off x="5500080" y="2660760"/>
+            <a:ext cx="1450800" cy="1002960"/>
           </a:xfrm>
           <a:prstGeom prst="rect">
             <a:avLst/>
@@ -6258,13 +7030,13 @@
           <p:nvPr/>
         </p:nvPicPr>
         <p:blipFill>
-          <a:blip r:embed="rId12"/>
+          <a:blip r:embed="rId8"/>
           <a:stretch/>
         </p:blipFill>
         <p:spPr>
           <a:xfrm>
-            <a:off x="9550800" y="3777120"/>
-            <a:ext cx="180360" cy="354240"/>
+            <a:off x="7010280" y="3026160"/>
+            <a:ext cx="357840" cy="182160"/>
           </a:xfrm>
           <a:prstGeom prst="rect">
             <a:avLst/>
@@ -6282,13 +7054,13 @@
           <p:nvPr/>
         </p:nvPicPr>
         <p:blipFill>
-          <a:blip r:embed="rId13"/>
+          <a:blip r:embed="rId9"/>
           <a:stretch/>
         </p:blipFill>
         <p:spPr>
           <a:xfrm>
-            <a:off x="9185040" y="4270320"/>
-            <a:ext cx="975960" cy="1003320"/>
+            <a:off x="7515360" y="2804760"/>
+            <a:ext cx="1091160" cy="709560"/>
           </a:xfrm>
           <a:prstGeom prst="rect">
             <a:avLst/>
@@ -6306,13 +7078,13 @@
           <p:nvPr/>
         </p:nvPicPr>
         <p:blipFill>
-          <a:blip r:embed="rId14"/>
+          <a:blip r:embed="rId10"/>
           <a:stretch/>
         </p:blipFill>
         <p:spPr>
           <a:xfrm>
-            <a:off x="8683200" y="4613760"/>
-            <a:ext cx="354240" cy="180360"/>
+            <a:off x="8737920" y="3026160"/>
+            <a:ext cx="357840" cy="182160"/>
           </a:xfrm>
           <a:prstGeom prst="rect">
             <a:avLst/>
@@ -6330,13 +7102,13 @@
           <p:nvPr/>
         </p:nvPicPr>
         <p:blipFill>
-          <a:blip r:embed="rId15"/>
+          <a:blip r:embed="rId11"/>
           <a:stretch/>
         </p:blipFill>
         <p:spPr>
           <a:xfrm>
-            <a:off x="7799400" y="4270320"/>
-            <a:ext cx="811440" cy="1003320"/>
+            <a:off x="9205560" y="2660760"/>
+            <a:ext cx="792360" cy="1002960"/>
           </a:xfrm>
           <a:prstGeom prst="rect">
             <a:avLst/>
@@ -6354,13 +7126,13 @@
           <p:nvPr/>
         </p:nvPicPr>
         <p:blipFill>
-          <a:blip r:embed="rId16"/>
+          <a:blip r:embed="rId12"/>
           <a:stretch/>
         </p:blipFill>
         <p:spPr>
           <a:xfrm>
-            <a:off x="7315560" y="4613760"/>
-            <a:ext cx="354240" cy="180360"/>
+            <a:off x="9547920" y="3777120"/>
+            <a:ext cx="180000" cy="353880"/>
           </a:xfrm>
           <a:prstGeom prst="rect">
             <a:avLst/>
@@ -6378,13 +7150,109 @@
           <p:nvPr/>
         </p:nvPicPr>
         <p:blipFill>
+          <a:blip r:embed="rId13"/>
+          <a:stretch/>
+        </p:blipFill>
+        <p:spPr>
+          <a:xfrm>
+            <a:off x="9182520" y="4270320"/>
+            <a:ext cx="975240" cy="1002960"/>
+          </a:xfrm>
+          <a:prstGeom prst="rect">
+            <a:avLst/>
+          </a:prstGeom>
+          <a:noFill/>
+          <a:ln w="0">
+            <a:noFill/>
+          </a:ln>
+        </p:spPr>
+      </p:pic>
+      <p:pic>
+        <p:nvPicPr>
+          <p:cNvPr id="121" name="" descr=""/>
+          <p:cNvPicPr/>
+          <p:nvPr/>
+        </p:nvPicPr>
+        <p:blipFill>
+          <a:blip r:embed="rId14"/>
+          <a:stretch/>
+        </p:blipFill>
+        <p:spPr>
+          <a:xfrm>
+            <a:off x="8680680" y="4613760"/>
+            <a:ext cx="353880" cy="180000"/>
+          </a:xfrm>
+          <a:prstGeom prst="rect">
+            <a:avLst/>
+          </a:prstGeom>
+          <a:noFill/>
+          <a:ln w="0">
+            <a:noFill/>
+          </a:ln>
+        </p:spPr>
+      </p:pic>
+      <p:pic>
+        <p:nvPicPr>
+          <p:cNvPr id="122" name="" descr=""/>
+          <p:cNvPicPr/>
+          <p:nvPr/>
+        </p:nvPicPr>
+        <p:blipFill>
+          <a:blip r:embed="rId15"/>
+          <a:stretch/>
+        </p:blipFill>
+        <p:spPr>
+          <a:xfrm>
+            <a:off x="7797240" y="4270320"/>
+            <a:ext cx="810720" cy="1002960"/>
+          </a:xfrm>
+          <a:prstGeom prst="rect">
+            <a:avLst/>
+          </a:prstGeom>
+          <a:noFill/>
+          <a:ln w="0">
+            <a:noFill/>
+          </a:ln>
+        </p:spPr>
+      </p:pic>
+      <p:pic>
+        <p:nvPicPr>
+          <p:cNvPr id="123" name="" descr=""/>
+          <p:cNvPicPr/>
+          <p:nvPr/>
+        </p:nvPicPr>
+        <p:blipFill>
+          <a:blip r:embed="rId16"/>
+          <a:stretch/>
+        </p:blipFill>
+        <p:spPr>
+          <a:xfrm>
+            <a:off x="7313400" y="4613760"/>
+            <a:ext cx="353880" cy="180000"/>
+          </a:xfrm>
+          <a:prstGeom prst="rect">
+            <a:avLst/>
+          </a:prstGeom>
+          <a:noFill/>
+          <a:ln w="0">
+            <a:noFill/>
+          </a:ln>
+        </p:spPr>
+      </p:pic>
+      <p:pic>
+        <p:nvPicPr>
+          <p:cNvPr id="124" name="" descr=""/>
+          <p:cNvPicPr/>
+          <p:nvPr/>
+        </p:nvPicPr>
+        <p:blipFill>
           <a:blip r:embed="rId17"/>
           <a:stretch/>
         </p:blipFill>
         <p:spPr>
           <a:xfrm>
-            <a:off x="6505920" y="4270320"/>
-            <a:ext cx="765720" cy="1003320"/>
+            <a:off x="6504120" y="4270320"/>
+            <a:ext cx="765000" cy="1002960"/>
           </a:xfrm>
           <a:prstGeom prst="rect">
             <a:avLst/>
@@ -6397,14 +7265,14 @@
       </p:pic>
       <p:sp>
         <p:nvSpPr>
-          <p:cNvPr id="121" name="Textplatzhalter 2"/>
+          <p:cNvPr id="125" name="Textplatzhalter 2"/>
           <p:cNvSpPr/>
           <p:nvPr/>
         </p:nvSpPr>
         <p:spPr>
           <a:xfrm>
-            <a:off x="10998360" y="6087240"/>
-            <a:ext cx="1134720" cy="24480"/>
+            <a:off x="10995120" y="6087240"/>
+            <a:ext cx="1134000" cy="24120"/>
           </a:xfrm>
           <a:prstGeom prst="rect">
             <a:avLst/>
@@ -6482,7 +7350,7 @@
         <p:txBody>
           <a:bodyPr/>
           <a:p>
-            <a:fld id="{6E871B67-1B46-496B-9769-5ED7265C4F43}" type="slidenum">
+            <a:fld id="{527C4194-8172-49A9-BD06-EC8EEEFFDEB1}" type="slidenum">
               <a:t>10</a:t>
             </a:fld>
           </a:p>
@@ -6501,38 +7369,38 @@
   <p:timing>
     <p:tnLst>
       <p:par>
-        <p:cTn id="329" dur="indefinite" restart="never" nodeType="tmRoot">
+        <p:cTn id="321" dur="indefinite" restart="never" nodeType="tmRoot">
           <p:childTnLst>
             <p:seq>
-              <p:cTn id="330" dur="indefinite" nodeType="mainSeq">
+              <p:cTn id="322" dur="indefinite" nodeType="mainSeq">
                 <p:childTnLst>
                   <p:par>
-                    <p:cTn id="331" fill="hold">
+                    <p:cTn id="323" fill="hold">
                       <p:stCondLst>
                         <p:cond delay="indefinite"/>
                       </p:stCondLst>
                       <p:childTnLst>
                         <p:par>
-                          <p:cTn id="332" fill="hold">
+                          <p:cTn id="324" fill="hold">
                             <p:stCondLst>
                               <p:cond delay="0"/>
                             </p:stCondLst>
                             <p:childTnLst>
                               <p:par>
-                                <p:cTn id="333" nodeType="clickEffect" fill="hold" presetClass="entr" presetID="2" presetSubtype="2">
+                                <p:cTn id="325" nodeType="clickEffect" fill="hold" presetClass="entr" presetID="2" presetSubtype="2">
                                   <p:stCondLst>
                                     <p:cond delay="0"/>
                                   </p:stCondLst>
                                   <p:childTnLst>
                                     <p:set>
                                       <p:cBhvr>
-                                        <p:cTn id="334" dur="1" fill="hold">
+                                        <p:cTn id="326" dur="1" fill="hold">
                                           <p:stCondLst>
                                             <p:cond delay="0"/>
                                           </p:stCondLst>
                                         </p:cTn>
                                         <p:tgtEl>
-                                          <p:spTgt spid="104"/>
+                                          <p:spTgt spid="108"/>
                                         </p:tgtEl>
                                         <p:attrNameLst>
                                           <p:attrName>style.visibility</p:attrName>
@@ -6544,9 +7412,9 @@
                                     </p:set>
                                     <p:anim calcmode="lin" valueType="num">
                                       <p:cBhvr additive="repl">
-                                        <p:cTn id="335" dur="500" fill="hold"/>
-                                        <p:tgtEl>
-                                          <p:spTgt spid="104"/>
+                                        <p:cTn id="327" dur="500" fill="hold"/>
+                                        <p:tgtEl>
+                                          <p:spTgt spid="108"/>
                                         </p:tgtEl>
                                         <p:attrNameLst>
                                           <p:attrName>ppt_x</p:attrName>
@@ -6567,9 +7435,9 @@
                                     </p:anim>
                                     <p:anim calcmode="lin" valueType="num">
                                       <p:cBhvr additive="repl">
-                                        <p:cTn id="336" dur="500" fill="hold"/>
-                                        <p:tgtEl>
-                                          <p:spTgt spid="104"/>
+                                        <p:cTn id="328" dur="500" fill="hold"/>
+                                        <p:tgtEl>
+                                          <p:spTgt spid="108"/>
                                         </p:tgtEl>
                                         <p:attrNameLst>
                                           <p:attrName>ppt_y</p:attrName>
@@ -6598,32 +7466,32 @@
                     </p:cTn>
                   </p:par>
                   <p:par>
-                    <p:cTn id="337" fill="hold">
+                    <p:cTn id="329" fill="hold">
                       <p:stCondLst>
                         <p:cond delay="indefinite"/>
                       </p:stCondLst>
                       <p:childTnLst>
                         <p:par>
-                          <p:cTn id="338" fill="hold">
+                          <p:cTn id="330" fill="hold">
                             <p:stCondLst>
                               <p:cond delay="0"/>
                             </p:stCondLst>
                             <p:childTnLst>
                               <p:par>
-                                <p:cTn id="339" nodeType="clickEffect" fill="hold" presetClass="entr" presetID="2" presetSubtype="2">
+                                <p:cTn id="331" nodeType="clickEffect" fill="hold" presetClass="entr" presetID="2" presetSubtype="2">
                                   <p:stCondLst>
                                     <p:cond delay="0"/>
                                   </p:stCondLst>
                                   <p:childTnLst>
                                     <p:set>
                                       <p:cBhvr>
-                                        <p:cTn id="340" dur="1" fill="hold">
+                                        <p:cTn id="332" dur="1" fill="hold">
                                           <p:stCondLst>
                                             <p:cond delay="0"/>
                                           </p:stCondLst>
                                         </p:cTn>
                                         <p:tgtEl>
-                                          <p:spTgt spid="105"/>
+                                          <p:spTgt spid="109"/>
                                         </p:tgtEl>
                                         <p:attrNameLst>
                                           <p:attrName>style.visibility</p:attrName>
@@ -6635,9 +7503,9 @@
                                     </p:set>
                                     <p:anim calcmode="lin" valueType="num">
                                       <p:cBhvr additive="repl">
-                                        <p:cTn id="341" dur="500" fill="hold"/>
-                                        <p:tgtEl>
-                                          <p:spTgt spid="105"/>
+                                        <p:cTn id="333" dur="500" fill="hold"/>
+                                        <p:tgtEl>
+                                          <p:spTgt spid="109"/>
                                         </p:tgtEl>
                                         <p:attrNameLst>
                                           <p:attrName>ppt_x</p:attrName>
@@ -6658,9 +7526,9 @@
                                     </p:anim>
                                     <p:anim calcmode="lin" valueType="num">
                                       <p:cBhvr additive="repl">
-                                        <p:cTn id="342" dur="500" fill="hold"/>
-                                        <p:tgtEl>
-                                          <p:spTgt spid="105"/>
+                                        <p:cTn id="334" dur="500" fill="hold"/>
+                                        <p:tgtEl>
+                                          <p:spTgt spid="109"/>
                                         </p:tgtEl>
                                         <p:attrNameLst>
                                           <p:attrName>ppt_y</p:attrName>
@@ -6683,20 +7551,20 @@
                                 </p:cTn>
                               </p:par>
                               <p:par>
-                                <p:cTn id="343" nodeType="withEffect" fill="hold" presetClass="entr" presetID="2" presetSubtype="2">
+                                <p:cTn id="335" nodeType="withEffect" fill="hold" presetClass="entr" presetID="2" presetSubtype="2">
                                   <p:stCondLst>
                                     <p:cond delay="0"/>
                                   </p:stCondLst>
                                   <p:childTnLst>
                                     <p:set>
                                       <p:cBhvr>
-                                        <p:cTn id="344" dur="1" fill="hold">
+                                        <p:cTn id="336" dur="1" fill="hold">
                                           <p:stCondLst>
                                             <p:cond delay="0"/>
                                           </p:stCondLst>
                                         </p:cTn>
                                         <p:tgtEl>
-                                          <p:spTgt spid="106"/>
+                                          <p:spTgt spid="110"/>
                                         </p:tgtEl>
                                         <p:attrNameLst>
                                           <p:attrName>style.visibility</p:attrName>
@@ -6708,9 +7576,9 @@
                                     </p:set>
                                     <p:anim calcmode="lin" valueType="num">
                                       <p:cBhvr additive="repl">
-                                        <p:cTn id="345" dur="500" fill="hold"/>
-                                        <p:tgtEl>
-                                          <p:spTgt spid="106"/>
+                                        <p:cTn id="337" dur="500" fill="hold"/>
+                                        <p:tgtEl>
+                                          <p:spTgt spid="110"/>
                                         </p:tgtEl>
                                         <p:attrNameLst>
                                           <p:attrName>ppt_x</p:attrName>
@@ -6731,9 +7599,9 @@
                                     </p:anim>
                                     <p:anim calcmode="lin" valueType="num">
                                       <p:cBhvr additive="repl">
-                                        <p:cTn id="346" dur="500" fill="hold"/>
-                                        <p:tgtEl>
-                                          <p:spTgt spid="106"/>
+                                        <p:cTn id="338" dur="500" fill="hold"/>
+                                        <p:tgtEl>
+                                          <p:spTgt spid="110"/>
                                         </p:tgtEl>
                                         <p:attrNameLst>
                                           <p:attrName>ppt_y</p:attrName>
@@ -6762,32 +7630,32 @@
                     </p:cTn>
                   </p:par>
                   <p:par>
-                    <p:cTn id="347" fill="hold">
+                    <p:cTn id="339" fill="hold">
                       <p:stCondLst>
                         <p:cond delay="indefinite"/>
                       </p:stCondLst>
                       <p:childTnLst>
                         <p:par>
-                          <p:cTn id="348" fill="hold">
+                          <p:cTn id="340" fill="hold">
                             <p:stCondLst>
                               <p:cond delay="0"/>
                             </p:stCondLst>
                             <p:childTnLst>
                               <p:par>
-                                <p:cTn id="349" nodeType="clickEffect" fill="hold" presetClass="entr" presetID="2" presetSubtype="2">
+                                <p:cTn id="341" nodeType="clickEffect" fill="hold" presetClass="entr" presetID="2" presetSubtype="2">
                                   <p:stCondLst>
                                     <p:cond delay="0"/>
                                   </p:stCondLst>
                                   <p:childTnLst>
                                     <p:set>
                                       <p:cBhvr>
-                                        <p:cTn id="350" dur="1" fill="hold">
+                                        <p:cTn id="342" dur="1" fill="hold">
                                           <p:stCondLst>
                                             <p:cond delay="0"/>
                                           </p:stCondLst>
                                         </p:cTn>
                                         <p:tgtEl>
-                                          <p:spTgt spid="107"/>
+                                          <p:spTgt spid="111"/>
                                         </p:tgtEl>
                                         <p:attrNameLst>
                                           <p:attrName>style.visibility</p:attrName>
@@ -6799,9 +7667,9 @@
                                     </p:set>
                                     <p:anim calcmode="lin" valueType="num">
                                       <p:cBhvr additive="repl">
-                                        <p:cTn id="351" dur="500" fill="hold"/>
-                                        <p:tgtEl>
-                                          <p:spTgt spid="107"/>
+                                        <p:cTn id="343" dur="500" fill="hold"/>
+                                        <p:tgtEl>
+                                          <p:spTgt spid="111"/>
                                         </p:tgtEl>
                                         <p:attrNameLst>
                                           <p:attrName>ppt_x</p:attrName>
@@ -6822,9 +7690,9 @@
                                     </p:anim>
                                     <p:anim calcmode="lin" valueType="num">
                                       <p:cBhvr additive="repl">
-                                        <p:cTn id="352" dur="500" fill="hold"/>
-                                        <p:tgtEl>
-                                          <p:spTgt spid="107"/>
+                                        <p:cTn id="344" dur="500" fill="hold"/>
+                                        <p:tgtEl>
+                                          <p:spTgt spid="111"/>
                                         </p:tgtEl>
                                         <p:attrNameLst>
                                           <p:attrName>ppt_y</p:attrName>
@@ -6847,20 +7715,20 @@
                                 </p:cTn>
                               </p:par>
                               <p:par>
-                                <p:cTn id="353" nodeType="withEffect" fill="hold" presetClass="entr" presetID="2" presetSubtype="2">
+                                <p:cTn id="345" nodeType="withEffect" fill="hold" presetClass="entr" presetID="2" presetSubtype="2">
                                   <p:stCondLst>
                                     <p:cond delay="0"/>
                                   </p:stCondLst>
                                   <p:childTnLst>
                                     <p:set>
                                       <p:cBhvr>
-                                        <p:cTn id="354" dur="1" fill="hold">
+                                        <p:cTn id="346" dur="1" fill="hold">
                                           <p:stCondLst>
                                             <p:cond delay="0"/>
                                           </p:stCondLst>
                                         </p:cTn>
                                         <p:tgtEl>
-                                          <p:spTgt spid="108"/>
+                                          <p:spTgt spid="112"/>
                                         </p:tgtEl>
                                         <p:attrNameLst>
                                           <p:attrName>style.visibility</p:attrName>
@@ -6872,9 +7740,9 @@
                                     </p:set>
                                     <p:anim calcmode="lin" valueType="num">
                                       <p:cBhvr additive="repl">
-                                        <p:cTn id="355" dur="500" fill="hold"/>
-                                        <p:tgtEl>
-                                          <p:spTgt spid="108"/>
+                                        <p:cTn id="347" dur="500" fill="hold"/>
+                                        <p:tgtEl>
+                                          <p:spTgt spid="112"/>
                                         </p:tgtEl>
                                         <p:attrNameLst>
                                           <p:attrName>ppt_x</p:attrName>
@@ -6895,9 +7763,9 @@
                                     </p:anim>
                                     <p:anim calcmode="lin" valueType="num">
                                       <p:cBhvr additive="repl">
-                                        <p:cTn id="356" dur="500" fill="hold"/>
-                                        <p:tgtEl>
-                                          <p:spTgt spid="108"/>
+                                        <p:cTn id="348" dur="500" fill="hold"/>
+                                        <p:tgtEl>
+                                          <p:spTgt spid="112"/>
                                         </p:tgtEl>
                                         <p:attrNameLst>
                                           <p:attrName>ppt_y</p:attrName>
@@ -6926,32 +7794,32 @@
                     </p:cTn>
                   </p:par>
                   <p:par>
-                    <p:cTn id="357" fill="hold">
+                    <p:cTn id="349" fill="hold">
                       <p:stCondLst>
                         <p:cond delay="indefinite"/>
                       </p:stCondLst>
                       <p:childTnLst>
                         <p:par>
-                          <p:cTn id="358" fill="hold">
+                          <p:cTn id="350" fill="hold">
                             <p:stCondLst>
                               <p:cond delay="0"/>
                             </p:stCondLst>
                             <p:childTnLst>
                               <p:par>
-                                <p:cTn id="359" nodeType="clickEffect" fill="hold" presetClass="entr" presetID="2" presetSubtype="2">
+                                <p:cTn id="351" nodeType="clickEffect" fill="hold" presetClass="entr" presetID="2" presetSubtype="2">
                                   <p:stCondLst>
                                     <p:cond delay="0"/>
                                   </p:stCondLst>
                                   <p:childTnLst>
                                     <p:set>
                                       <p:cBhvr>
-                                        <p:cTn id="360" dur="1" fill="hold">
+                                        <p:cTn id="352" dur="1" fill="hold">
                                           <p:stCondLst>
                                             <p:cond delay="0"/>
                                           </p:stCondLst>
                                         </p:cTn>
                                         <p:tgtEl>
-                                          <p:spTgt spid="109"/>
+                                          <p:spTgt spid="113"/>
                                         </p:tgtEl>
                                         <p:attrNameLst>
                                           <p:attrName>style.visibility</p:attrName>
@@ -6963,9 +7831,9 @@
                                     </p:set>
                                     <p:anim calcmode="lin" valueType="num">
                                       <p:cBhvr additive="repl">
-                                        <p:cTn id="361" dur="500" fill="hold"/>
-                                        <p:tgtEl>
-                                          <p:spTgt spid="109"/>
+                                        <p:cTn id="353" dur="500" fill="hold"/>
+                                        <p:tgtEl>
+                                          <p:spTgt spid="113"/>
                                         </p:tgtEl>
                                         <p:attrNameLst>
                                           <p:attrName>ppt_x</p:attrName>
@@ -6986,9 +7854,9 @@
                                     </p:anim>
                                     <p:anim calcmode="lin" valueType="num">
                                       <p:cBhvr additive="repl">
-                                        <p:cTn id="362" dur="500" fill="hold"/>
-                                        <p:tgtEl>
-                                          <p:spTgt spid="109"/>
+                                        <p:cTn id="354" dur="500" fill="hold"/>
+                                        <p:tgtEl>
+                                          <p:spTgt spid="113"/>
                                         </p:tgtEl>
                                         <p:attrNameLst>
                                           <p:attrName>ppt_y</p:attrName>
@@ -7011,20 +7879,20 @@
                                 </p:cTn>
                               </p:par>
                               <p:par>
-                                <p:cTn id="363" nodeType="withEffect" fill="hold" presetClass="entr" presetID="2" presetSubtype="2">
+                                <p:cTn id="355" nodeType="withEffect" fill="hold" presetClass="entr" presetID="2" presetSubtype="2">
                                   <p:stCondLst>
                                     <p:cond delay="0"/>
                                   </p:stCondLst>
                                   <p:childTnLst>
                                     <p:set>
                                       <p:cBhvr>
-                                        <p:cTn id="364" dur="1" fill="hold">
+                                        <p:cTn id="356" dur="1" fill="hold">
                                           <p:stCondLst>
                                             <p:cond delay="0"/>
                                           </p:stCondLst>
                                         </p:cTn>
                                         <p:tgtEl>
-                                          <p:spTgt spid="110"/>
+                                          <p:spTgt spid="114"/>
                                         </p:tgtEl>
                                         <p:attrNameLst>
                                           <p:attrName>style.visibility</p:attrName>
@@ -7036,9 +7904,9 @@
                                     </p:set>
                                     <p:anim calcmode="lin" valueType="num">
                                       <p:cBhvr additive="repl">
-                                        <p:cTn id="365" dur="500" fill="hold"/>
-                                        <p:tgtEl>
-                                          <p:spTgt spid="110"/>
+                                        <p:cTn id="357" dur="500" fill="hold"/>
+                                        <p:tgtEl>
+                                          <p:spTgt spid="114"/>
                                         </p:tgtEl>
                                         <p:attrNameLst>
                                           <p:attrName>ppt_x</p:attrName>
@@ -7059,9 +7927,9 @@
                                     </p:anim>
                                     <p:anim calcmode="lin" valueType="num">
                                       <p:cBhvr additive="repl">
-                                        <p:cTn id="366" dur="500" fill="hold"/>
-                                        <p:tgtEl>
-                                          <p:spTgt spid="110"/>
+                                        <p:cTn id="358" dur="500" fill="hold"/>
+                                        <p:tgtEl>
+                                          <p:spTgt spid="114"/>
                                         </p:tgtEl>
                                         <p:attrNameLst>
                                           <p:attrName>ppt_y</p:attrName>
@@ -7090,32 +7958,32 @@
                     </p:cTn>
                   </p:par>
                   <p:par>
-                    <p:cTn id="367" fill="hold">
+                    <p:cTn id="359" fill="hold">
                       <p:stCondLst>
                         <p:cond delay="indefinite"/>
                       </p:stCondLst>
                       <p:childTnLst>
                         <p:par>
-                          <p:cTn id="368" fill="hold">
+                          <p:cTn id="360" fill="hold">
                             <p:stCondLst>
                               <p:cond delay="0"/>
                             </p:stCondLst>
                             <p:childTnLst>
                               <p:par>
-                                <p:cTn id="369" nodeType="clickEffect" fill="hold" presetClass="entr" presetID="2" presetSubtype="2">
+                                <p:cTn id="361" nodeType="clickEffect" fill="hold" presetClass="entr" presetID="2" presetSubtype="2">
                                   <p:stCondLst>
                                     <p:cond delay="0"/>
                                   </p:stCondLst>
                                   <p:childTnLst>
                                     <p:set>
                                       <p:cBhvr>
-                                        <p:cTn id="370" dur="1" fill="hold">
+                                        <p:cTn id="362" dur="1" fill="hold">
                                           <p:stCondLst>
                                             <p:cond delay="0"/>
                                           </p:stCondLst>
                                         </p:cTn>
                                         <p:tgtEl>
-                                          <p:spTgt spid="111"/>
+                                          <p:spTgt spid="115"/>
                                         </p:tgtEl>
                                         <p:attrNameLst>
                                           <p:attrName>style.visibility</p:attrName>
@@ -7127,9 +7995,9 @@
                                     </p:set>
                                     <p:anim calcmode="lin" valueType="num">
                                       <p:cBhvr additive="repl">
-                                        <p:cTn id="371" dur="500" fill="hold"/>
-                                        <p:tgtEl>
-                                          <p:spTgt spid="111"/>
+                                        <p:cTn id="363" dur="500" fill="hold"/>
+                                        <p:tgtEl>
+                                          <p:spTgt spid="115"/>
                                         </p:tgtEl>
                                         <p:attrNameLst>
                                           <p:attrName>ppt_x</p:attrName>
@@ -7150,9 +8018,9 @@
                                     </p:anim>
                                     <p:anim calcmode="lin" valueType="num">
                                       <p:cBhvr additive="repl">
-                                        <p:cTn id="372" dur="500" fill="hold"/>
-                                        <p:tgtEl>
-                                          <p:spTgt spid="111"/>
+                                        <p:cTn id="364" dur="500" fill="hold"/>
+                                        <p:tgtEl>
+                                          <p:spTgt spid="115"/>
                                         </p:tgtEl>
                                         <p:attrNameLst>
                                           <p:attrName>ppt_y</p:attrName>
@@ -7175,20 +8043,20 @@
                                 </p:cTn>
                               </p:par>
                               <p:par>
-                                <p:cTn id="373" nodeType="withEffect" fill="hold" presetClass="entr" presetID="2" presetSubtype="2">
+                                <p:cTn id="365" nodeType="withEffect" fill="hold" presetClass="entr" presetID="2" presetSubtype="2">
                                   <p:stCondLst>
                                     <p:cond delay="0"/>
                                   </p:stCondLst>
                                   <p:childTnLst>
                                     <p:set>
                                       <p:cBhvr>
-                                        <p:cTn id="374" dur="1" fill="hold">
+                                        <p:cTn id="366" dur="1" fill="hold">
                                           <p:stCondLst>
                                             <p:cond delay="0"/>
                                           </p:stCondLst>
                                         </p:cTn>
                                         <p:tgtEl>
-                                          <p:spTgt spid="112"/>
+                                          <p:spTgt spid="116"/>
                                         </p:tgtEl>
                                         <p:attrNameLst>
                                           <p:attrName>style.visibility</p:attrName>
@@ -7200,9 +8068,9 @@
                                     </p:set>
                                     <p:anim calcmode="lin" valueType="num">
                                       <p:cBhvr additive="repl">
-                                        <p:cTn id="375" dur="500" fill="hold"/>
-                                        <p:tgtEl>
-                                          <p:spTgt spid="112"/>
+                                        <p:cTn id="367" dur="500" fill="hold"/>
+                                        <p:tgtEl>
+                                          <p:spTgt spid="116"/>
                                         </p:tgtEl>
                                         <p:attrNameLst>
                                           <p:attrName>ppt_x</p:attrName>
@@ -7223,9 +8091,9 @@
                                     </p:anim>
                                     <p:anim calcmode="lin" valueType="num">
                                       <p:cBhvr additive="repl">
-                                        <p:cTn id="376" dur="500" fill="hold"/>
-                                        <p:tgtEl>
-                                          <p:spTgt spid="112"/>
+                                        <p:cTn id="368" dur="500" fill="hold"/>
+                                        <p:tgtEl>
+                                          <p:spTgt spid="116"/>
                                         </p:tgtEl>
                                         <p:attrNameLst>
                                           <p:attrName>ppt_y</p:attrName>
@@ -7254,32 +8122,32 @@
                     </p:cTn>
                   </p:par>
                   <p:par>
-                    <p:cTn id="377" fill="hold">
+                    <p:cTn id="369" fill="hold">
                       <p:stCondLst>
                         <p:cond delay="indefinite"/>
                       </p:stCondLst>
                       <p:childTnLst>
                         <p:par>
-                          <p:cTn id="378" fill="hold">
+                          <p:cTn id="370" fill="hold">
                             <p:stCondLst>
                               <p:cond delay="0"/>
                             </p:stCondLst>
                             <p:childTnLst>
                               <p:par>
-                                <p:cTn id="379" nodeType="clickEffect" fill="hold" presetClass="entr" presetID="2" presetSubtype="2">
+                                <p:cTn id="371" nodeType="clickEffect" fill="hold" presetClass="entr" presetID="2" presetSubtype="2">
                                   <p:stCondLst>
                                     <p:cond delay="0"/>
                                   </p:stCondLst>
                                   <p:childTnLst>
                                     <p:set>
                                       <p:cBhvr>
-                                        <p:cTn id="380" dur="1" fill="hold">
+                                        <p:cTn id="372" dur="1" fill="hold">
                                           <p:stCondLst>
                                             <p:cond delay="0"/>
                                           </p:stCondLst>
                                         </p:cTn>
                                         <p:tgtEl>
-                                          <p:spTgt spid="113"/>
+                                          <p:spTgt spid="117"/>
                                         </p:tgtEl>
                                         <p:attrNameLst>
                                           <p:attrName>style.visibility</p:attrName>
@@ -7291,9 +8159,9 @@
                                     </p:set>
                                     <p:anim calcmode="lin" valueType="num">
                                       <p:cBhvr additive="repl">
-                                        <p:cTn id="381" dur="500" fill="hold"/>
-                                        <p:tgtEl>
-                                          <p:spTgt spid="113"/>
+                                        <p:cTn id="373" dur="500" fill="hold"/>
+                                        <p:tgtEl>
+                                          <p:spTgt spid="117"/>
                                         </p:tgtEl>
                                         <p:attrNameLst>
                                           <p:attrName>ppt_x</p:attrName>
@@ -7314,9 +8182,9 @@
                                     </p:anim>
                                     <p:anim calcmode="lin" valueType="num">
                                       <p:cBhvr additive="repl">
-                                        <p:cTn id="382" dur="500" fill="hold"/>
-                                        <p:tgtEl>
-                                          <p:spTgt spid="113"/>
+                                        <p:cTn id="374" dur="500" fill="hold"/>
+                                        <p:tgtEl>
+                                          <p:spTgt spid="117"/>
                                         </p:tgtEl>
                                         <p:attrNameLst>
                                           <p:attrName>ppt_y</p:attrName>
@@ -7339,20 +8207,20 @@
                                 </p:cTn>
                               </p:par>
                               <p:par>
-                                <p:cTn id="383" nodeType="withEffect" fill="hold" presetClass="entr" presetID="2" presetSubtype="2">
+                                <p:cTn id="375" nodeType="withEffect" fill="hold" presetClass="entr" presetID="2" presetSubtype="2">
                                   <p:stCondLst>
                                     <p:cond delay="0"/>
                                   </p:stCondLst>
                                   <p:childTnLst>
                                     <p:set>
                                       <p:cBhvr>
-                                        <p:cTn id="384" dur="1" fill="hold">
+                                        <p:cTn id="376" dur="1" fill="hold">
                                           <p:stCondLst>
                                             <p:cond delay="0"/>
                                           </p:stCondLst>
                                         </p:cTn>
                                         <p:tgtEl>
-                                          <p:spTgt spid="114"/>
+                                          <p:spTgt spid="118"/>
                                         </p:tgtEl>
                                         <p:attrNameLst>
                                           <p:attrName>style.visibility</p:attrName>
@@ -7364,9 +8232,9 @@
                                     </p:set>
                                     <p:anim calcmode="lin" valueType="num">
                                       <p:cBhvr additive="repl">
-                                        <p:cTn id="385" dur="500" fill="hold"/>
-                                        <p:tgtEl>
-                                          <p:spTgt spid="114"/>
+                                        <p:cTn id="377" dur="500" fill="hold"/>
+                                        <p:tgtEl>
+                                          <p:spTgt spid="118"/>
                                         </p:tgtEl>
                                         <p:attrNameLst>
                                           <p:attrName>ppt_x</p:attrName>
@@ -7387,9 +8255,9 @@
                                     </p:anim>
                                     <p:anim calcmode="lin" valueType="num">
                                       <p:cBhvr additive="repl">
-                                        <p:cTn id="386" dur="500" fill="hold"/>
-                                        <p:tgtEl>
-                                          <p:spTgt spid="114"/>
+                                        <p:cTn id="378" dur="500" fill="hold"/>
+                                        <p:tgtEl>
+                                          <p:spTgt spid="118"/>
                                         </p:tgtEl>
                                         <p:attrNameLst>
                                           <p:attrName>ppt_y</p:attrName>
@@ -7418,32 +8286,32 @@
                     </p:cTn>
                   </p:par>
                   <p:par>
-                    <p:cTn id="387" fill="hold">
+                    <p:cTn id="379" fill="hold">
                       <p:stCondLst>
                         <p:cond delay="indefinite"/>
                       </p:stCondLst>
                       <p:childTnLst>
                         <p:par>
-                          <p:cTn id="388" fill="hold">
+                          <p:cTn id="380" fill="hold">
                             <p:stCondLst>
                               <p:cond delay="0"/>
                             </p:stCondLst>
                             <p:childTnLst>
                               <p:par>
-                                <p:cTn id="389" nodeType="clickEffect" fill="hold" presetClass="entr" presetID="2" presetSubtype="4">
+                                <p:cTn id="381" nodeType="clickEffect" fill="hold" presetClass="entr" presetID="2" presetSubtype="4">
                                   <p:stCondLst>
                                     <p:cond delay="0"/>
                                   </p:stCondLst>
                                   <p:childTnLst>
                                     <p:set>
                                       <p:cBhvr>
-                                        <p:cTn id="390" dur="1" fill="hold">
+                                        <p:cTn id="382" dur="1" fill="hold">
                                           <p:stCondLst>
                                             <p:cond delay="0"/>
                                           </p:stCondLst>
                                         </p:cTn>
                                         <p:tgtEl>
-                                          <p:spTgt spid="115"/>
+                                          <p:spTgt spid="119"/>
                                         </p:tgtEl>
                                         <p:attrNameLst>
                                           <p:attrName>style.visibility</p:attrName>
@@ -7455,9 +8323,9 @@
                                     </p:set>
                                     <p:anim calcmode="lin" valueType="num">
                                       <p:cBhvr additive="repl">
-                                        <p:cTn id="391" dur="500" fill="hold"/>
-                                        <p:tgtEl>
-                                          <p:spTgt spid="115"/>
+                                        <p:cTn id="383" dur="500" fill="hold"/>
+                                        <p:tgtEl>
+                                          <p:spTgt spid="119"/>
                                         </p:tgtEl>
                                         <p:attrNameLst>
                                           <p:attrName>ppt_x</p:attrName>
@@ -7478,9 +8346,9 @@
                                     </p:anim>
                                     <p:anim calcmode="lin" valueType="num">
                                       <p:cBhvr additive="repl">
-                                        <p:cTn id="392" dur="500" fill="hold"/>
-                                        <p:tgtEl>
-                                          <p:spTgt spid="115"/>
+                                        <p:cTn id="384" dur="500" fill="hold"/>
+                                        <p:tgtEl>
+                                          <p:spTgt spid="119"/>
                                         </p:tgtEl>
                                         <p:attrNameLst>
                                           <p:attrName>ppt_y</p:attrName>
@@ -7503,20 +8371,20 @@
                                 </p:cTn>
                               </p:par>
                               <p:par>
-                                <p:cTn id="393" nodeType="withEffect" fill="hold" presetClass="entr" presetID="2" presetSubtype="4">
+                                <p:cTn id="385" nodeType="withEffect" fill="hold" presetClass="entr" presetID="2" presetSubtype="4">
                                   <p:stCondLst>
                                     <p:cond delay="0"/>
                                   </p:stCondLst>
                                   <p:childTnLst>
                                     <p:set>
                                       <p:cBhvr>
-                                        <p:cTn id="394" dur="1" fill="hold">
+                                        <p:cTn id="386" dur="1" fill="hold">
                                           <p:stCondLst>
                                             <p:cond delay="0"/>
                                           </p:stCondLst>
                                         </p:cTn>
                                         <p:tgtEl>
-                                          <p:spTgt spid="116"/>
+                                          <p:spTgt spid="120"/>
                                         </p:tgtEl>
                                         <p:attrNameLst>
                                           <p:attrName>style.visibility</p:attrName>
@@ -7528,9 +8396,9 @@
                                     </p:set>
                                     <p:anim calcmode="lin" valueType="num">
                                       <p:cBhvr additive="repl">
-                                        <p:cTn id="395" dur="500" fill="hold"/>
-                                        <p:tgtEl>
-                                          <p:spTgt spid="116"/>
+                                        <p:cTn id="387" dur="500" fill="hold"/>
+                                        <p:tgtEl>
+                                          <p:spTgt spid="120"/>
                                         </p:tgtEl>
                                         <p:attrNameLst>
                                           <p:attrName>ppt_x</p:attrName>
@@ -7551,9 +8419,9 @@
                                     </p:anim>
                                     <p:anim calcmode="lin" valueType="num">
                                       <p:cBhvr additive="repl">
-                                        <p:cTn id="396" dur="500" fill="hold"/>
-                                        <p:tgtEl>
-                                          <p:spTgt spid="116"/>
+                                        <p:cTn id="388" dur="500" fill="hold"/>
+                                        <p:tgtEl>
+                                          <p:spTgt spid="120"/>
                                         </p:tgtEl>
                                         <p:attrNameLst>
                                           <p:attrName>ppt_y</p:attrName>
@@ -7582,32 +8450,32 @@
                     </p:cTn>
                   </p:par>
                   <p:par>
-                    <p:cTn id="397" fill="hold">
+                    <p:cTn id="389" fill="hold">
                       <p:stCondLst>
                         <p:cond delay="indefinite"/>
                       </p:stCondLst>
                       <p:childTnLst>
                         <p:par>
-                          <p:cTn id="398" fill="hold">
+                          <p:cTn id="390" fill="hold">
                             <p:stCondLst>
                               <p:cond delay="0"/>
                             </p:stCondLst>
                             <p:childTnLst>
                               <p:par>
-                                <p:cTn id="399" nodeType="clickEffect" fill="hold" presetClass="entr" presetID="2" presetSubtype="8">
+                                <p:cTn id="391" nodeType="clickEffect" fill="hold" presetClass="entr" presetID="2" presetSubtype="8">
                                   <p:stCondLst>
                                     <p:cond delay="0"/>
                                   </p:stCondLst>
                                   <p:childTnLst>
                                     <p:set>
                                       <p:cBhvr>
-                                        <p:cTn id="400" dur="1" fill="hold">
+                                        <p:cTn id="392" dur="1" fill="hold">
                                           <p:stCondLst>
                                             <p:cond delay="0"/>
                                           </p:stCondLst>
                                         </p:cTn>
                                         <p:tgtEl>
-                                          <p:spTgt spid="117"/>
+                                          <p:spTgt spid="121"/>
                                         </p:tgtEl>
                                         <p:attrNameLst>
                                           <p:attrName>style.visibility</p:attrName>
@@ -7619,9 +8487,9 @@
                                     </p:set>
                                     <p:anim calcmode="lin" valueType="num">
                                       <p:cBhvr additive="repl">
-                                        <p:cTn id="401" dur="500" fill="hold"/>
-                                        <p:tgtEl>
-                                          <p:spTgt spid="117"/>
+                                        <p:cTn id="393" dur="500" fill="hold"/>
+                                        <p:tgtEl>
+                                          <p:spTgt spid="121"/>
                                         </p:tgtEl>
                                         <p:attrNameLst>
                                           <p:attrName>ppt_x</p:attrName>
@@ -7642,9 +8510,9 @@
                                     </p:anim>
                                     <p:anim calcmode="lin" valueType="num">
                                       <p:cBhvr additive="repl">
-                                        <p:cTn id="402" dur="500" fill="hold"/>
-                                        <p:tgtEl>
-                                          <p:spTgt spid="117"/>
+                                        <p:cTn id="394" dur="500" fill="hold"/>
+                                        <p:tgtEl>
+                                          <p:spTgt spid="121"/>
                                         </p:tgtEl>
                                         <p:attrNameLst>
                                           <p:attrName>ppt_y</p:attrName>
@@ -7667,20 +8535,20 @@
                                 </p:cTn>
                               </p:par>
                               <p:par>
-                                <p:cTn id="403" nodeType="withEffect" fill="hold" presetClass="entr" presetID="2" presetSubtype="8">
+                                <p:cTn id="395" nodeType="withEffect" fill="hold" presetClass="entr" presetID="2" presetSubtype="8">
                                   <p:stCondLst>
                                     <p:cond delay="0"/>
                                   </p:stCondLst>
                                   <p:childTnLst>
                                     <p:set>
                                       <p:cBhvr>
-                                        <p:cTn id="404" dur="1" fill="hold">
+                                        <p:cTn id="396" dur="1" fill="hold">
                                           <p:stCondLst>
                                             <p:cond delay="0"/>
                                           </p:stCondLst>
                                         </p:cTn>
                                         <p:tgtEl>
-                                          <p:spTgt spid="118"/>
+                                          <p:spTgt spid="122"/>
                                         </p:tgtEl>
                                         <p:attrNameLst>
                                           <p:attrName>style.visibility</p:attrName>
@@ -7692,9 +8560,9 @@
                                     </p:set>
                                     <p:anim calcmode="lin" valueType="num">
                                       <p:cBhvr additive="repl">
-                                        <p:cTn id="405" dur="500" fill="hold"/>
-                                        <p:tgtEl>
-                                          <p:spTgt spid="118"/>
+                                        <p:cTn id="397" dur="500" fill="hold"/>
+                                        <p:tgtEl>
+                                          <p:spTgt spid="122"/>
                                         </p:tgtEl>
                                         <p:attrNameLst>
                                           <p:attrName>ppt_x</p:attrName>
@@ -7715,9 +8583,9 @@
                                     </p:anim>
                                     <p:anim calcmode="lin" valueType="num">
                                       <p:cBhvr additive="repl">
-                                        <p:cTn id="406" dur="500" fill="hold"/>
-                                        <p:tgtEl>
-                                          <p:spTgt spid="118"/>
+                                        <p:cTn id="398" dur="500" fill="hold"/>
+                                        <p:tgtEl>
+                                          <p:spTgt spid="122"/>
                                         </p:tgtEl>
                                         <p:attrNameLst>
                                           <p:attrName>ppt_y</p:attrName>
@@ -7746,32 +8614,32 @@
                     </p:cTn>
                   </p:par>
                   <p:par>
-                    <p:cTn id="407" fill="hold">
+                    <p:cTn id="399" fill="hold">
                       <p:stCondLst>
                         <p:cond delay="indefinite"/>
                       </p:stCondLst>
                       <p:childTnLst>
                         <p:par>
-                          <p:cTn id="408" fill="hold">
+                          <p:cTn id="400" fill="hold">
                             <p:stCondLst>
                               <p:cond delay="0"/>
                             </p:stCondLst>
                             <p:childTnLst>
                               <p:par>
-                                <p:cTn id="409" nodeType="clickEffect" fill="hold" presetClass="entr" presetID="2" presetSubtype="8">
+                                <p:cTn id="401" nodeType="clickEffect" fill="hold" presetClass="entr" presetID="2" presetSubtype="8">
                                   <p:stCondLst>
                                     <p:cond delay="0"/>
                                   </p:stCondLst>
                                   <p:childTnLst>
                                     <p:set>
                                       <p:cBhvr>
-                                        <p:cTn id="410" dur="1" fill="hold">
+                                        <p:cTn id="402" dur="1" fill="hold">
                                           <p:stCondLst>
                                             <p:cond delay="0"/>
                                           </p:stCondLst>
                                         </p:cTn>
                                         <p:tgtEl>
-                                          <p:spTgt spid="119"/>
+                                          <p:spTgt spid="123"/>
                                         </p:tgtEl>
                                         <p:attrNameLst>
                                           <p:attrName>style.visibility</p:attrName>
@@ -7783,9 +8651,9 @@
                                     </p:set>
                                     <p:anim calcmode="lin" valueType="num">
                                       <p:cBhvr additive="repl">
-                                        <p:cTn id="411" dur="500" fill="hold"/>
-                                        <p:tgtEl>
-                                          <p:spTgt spid="119"/>
+                                        <p:cTn id="403" dur="500" fill="hold"/>
+                                        <p:tgtEl>
+                                          <p:spTgt spid="123"/>
                                         </p:tgtEl>
                                         <p:attrNameLst>
                                           <p:attrName>ppt_x</p:attrName>
@@ -7806,9 +8674,9 @@
                                     </p:anim>
                                     <p:anim calcmode="lin" valueType="num">
                                       <p:cBhvr additive="repl">
-                                        <p:cTn id="412" dur="500" fill="hold"/>
-                                        <p:tgtEl>
-                                          <p:spTgt spid="119"/>
+                                        <p:cTn id="404" dur="500" fill="hold"/>
+                                        <p:tgtEl>
+                                          <p:spTgt spid="123"/>
                                         </p:tgtEl>
                                         <p:attrNameLst>
                                           <p:attrName>ppt_y</p:attrName>
@@ -7831,20 +8699,20 @@
                                 </p:cTn>
                               </p:par>
                               <p:par>
-                                <p:cTn id="413" nodeType="withEffect" fill="hold" presetClass="entr" presetID="2" presetSubtype="8">
+                                <p:cTn id="405" nodeType="withEffect" fill="hold" presetClass="entr" presetID="2" presetSubtype="8">
                                   <p:stCondLst>
                                     <p:cond delay="0"/>
                                   </p:stCondLst>
                                   <p:childTnLst>
                                     <p:set>
                                       <p:cBhvr>
-                                        <p:cTn id="414" dur="1" fill="hold">
+                                        <p:cTn id="406" dur="1" fill="hold">
                                           <p:stCondLst>
                                             <p:cond delay="0"/>
                                           </p:stCondLst>
                                         </p:cTn>
                                         <p:tgtEl>
-                                          <p:spTgt spid="120"/>
+                                          <p:spTgt spid="124"/>
                                         </p:tgtEl>
                                         <p:attrNameLst>
                                           <p:attrName>style.visibility</p:attrName>
@@ -7856,9 +8724,9 @@
                                     </p:set>
                                     <p:anim calcmode="lin" valueType="num">
                                       <p:cBhvr additive="repl">
-                                        <p:cTn id="415" dur="500" fill="hold"/>
-                                        <p:tgtEl>
-                                          <p:spTgt spid="120"/>
+                                        <p:cTn id="407" dur="500" fill="hold"/>
+                                        <p:tgtEl>
+                                          <p:spTgt spid="124"/>
                                         </p:tgtEl>
                                         <p:attrNameLst>
                                           <p:attrName>ppt_x</p:attrName>
@@ -7879,9 +8747,9 @@
                                     </p:anim>
                                     <p:anim calcmode="lin" valueType="num">
                                       <p:cBhvr additive="repl">
-                                        <p:cTn id="416" dur="500" fill="hold"/>
-                                        <p:tgtEl>
-                                          <p:spTgt spid="120"/>
+                                        <p:cTn id="408" dur="500" fill="hold"/>
+                                        <p:tgtEl>
+                                          <p:spTgt spid="124"/>
                                         </p:tgtEl>
                                         <p:attrNameLst>
                                           <p:attrName>ppt_y</p:attrName>
@@ -7953,7 +8821,7 @@
       </p:grpSpPr>
       <p:sp>
         <p:nvSpPr>
-          <p:cNvPr id="122" name="PlaceHolder 1"/>
+          <p:cNvPr id="126" name="PlaceHolder 1"/>
           <p:cNvSpPr>
             <a:spLocks noGrp="1"/>
           </p:cNvSpPr>
@@ -7963,8 +8831,8 @@
         </p:nvSpPr>
         <p:spPr>
           <a:xfrm>
-            <a:off x="1307160" y="1549080"/>
-            <a:ext cx="10402560" cy="826560"/>
+            <a:off x="1306800" y="1549080"/>
+            <a:ext cx="10399320" cy="826200"/>
           </a:xfrm>
           <a:prstGeom prst="rect">
             <a:avLst/>
@@ -8018,21 +8886,21 @@
       </p:sp>
       <p:graphicFrame>
         <p:nvGraphicFramePr>
-          <p:cNvPr id="123" name=""/>
+          <p:cNvPr id="127" name=""/>
           <p:cNvGraphicFramePr/>
           <p:nvPr/>
         </p:nvGraphicFramePr>
         <p:xfrm>
-          <a:off x="1307160" y="2629080"/>
-          <a:ext cx="10404720" cy="1731240"/>
+          <a:off x="1306800" y="2629080"/>
+          <a:ext cx="10401840" cy="1385280"/>
         </p:xfrm>
         <a:graphic>
           <a:graphicData uri="http://schemas.openxmlformats.org/drawingml/2006/table">
             <a:tbl>
               <a:tblPr/>
               <a:tblGrid>
-                <a:gridCol w="1422720"/>
-                <a:gridCol w="8982360"/>
+                <a:gridCol w="1422360"/>
+                <a:gridCol w="8979480"/>
               </a:tblGrid>
               <a:tr h="346320">
                 <a:tc>
@@ -8600,14 +9468,14 @@
       </p:graphicFrame>
       <p:sp>
         <p:nvSpPr>
-          <p:cNvPr id="124" name=""/>
+          <p:cNvPr id="128" name=""/>
           <p:cNvSpPr/>
           <p:nvPr/>
         </p:nvSpPr>
         <p:spPr>
           <a:xfrm>
-            <a:off x="1188360" y="5067000"/>
-            <a:ext cx="10563120" cy="303120"/>
+            <a:off x="1188000" y="5067000"/>
+            <a:ext cx="10559880" cy="303120"/>
           </a:xfrm>
           <a:prstGeom prst="rect">
             <a:avLst/>
@@ -8706,7 +9574,7 @@
         <p:txBody>
           <a:bodyPr/>
           <a:p>
-            <a:fld id="{18C9C9CC-B6DA-4F0C-9684-50BAC0F69631}" type="slidenum">
+            <a:fld id="{374EEC7B-FDE0-4ADE-9841-197D51DF8560}" type="slidenum">
               <a:t>11</a:t>
             </a:fld>
           </a:p>
@@ -8744,7 +9612,7 @@
       </p:grpSpPr>
       <p:sp>
         <p:nvSpPr>
-          <p:cNvPr id="125" name="PlaceHolder 1"/>
+          <p:cNvPr id="129" name="PlaceHolder 1"/>
           <p:cNvSpPr>
             <a:spLocks noGrp="1"/>
           </p:cNvSpPr>
@@ -8754,8 +9622,8 @@
         </p:nvSpPr>
         <p:spPr>
           <a:xfrm>
-            <a:off x="1307160" y="1549080"/>
-            <a:ext cx="10402560" cy="826560"/>
+            <a:off x="1306800" y="1549080"/>
+            <a:ext cx="10399320" cy="826200"/>
           </a:xfrm>
           <a:prstGeom prst="rect">
             <a:avLst/>
@@ -8821,7 +9689,7 @@
         <p:txBody>
           <a:bodyPr/>
           <a:p>
-            <a:fld id="{A3F473AF-EA86-4330-B7FA-BB4D8CF0C3B8}" type="slidenum">
+            <a:fld id="{79980F68-4AFF-4A3F-B40A-D5087D7ED2D3}" type="slidenum">
               <a:t>12</a:t>
             </a:fld>
           </a:p>
@@ -8859,7 +9727,7 @@
       </p:grpSpPr>
       <p:pic>
         <p:nvPicPr>
-          <p:cNvPr id="126" name="" descr=""/>
+          <p:cNvPr id="130" name="" descr=""/>
           <p:cNvPicPr/>
           <p:nvPr/>
         </p:nvPicPr>
@@ -8869,8 +9737,8 @@
         </p:blipFill>
         <p:spPr>
           <a:xfrm>
-            <a:off x="2722680" y="340200"/>
-            <a:ext cx="8857800" cy="5904360"/>
+            <a:off x="2721600" y="340200"/>
+            <a:ext cx="8854920" cy="5904000"/>
           </a:xfrm>
           <a:prstGeom prst="rect">
             <a:avLst/>
@@ -8895,7 +9763,7 @@
         <p:txBody>
           <a:bodyPr/>
           <a:p>
-            <a:fld id="{F4C82661-068A-48C2-B1FE-F0A419606B1B}" type="slidenum">
+            <a:fld id="{2F52005D-2446-4F41-96B1-03289127CA71}" type="slidenum">
               <a:t>13</a:t>
             </a:fld>
           </a:p>
@@ -8933,7 +9801,7 @@
       </p:grpSpPr>
       <p:pic>
         <p:nvPicPr>
-          <p:cNvPr id="127" name="" descr=""/>
+          <p:cNvPr id="131" name="" descr=""/>
           <p:cNvPicPr/>
           <p:nvPr/>
         </p:nvPicPr>
@@ -8943,8 +9811,8 @@
         </p:blipFill>
         <p:spPr>
           <a:xfrm>
-            <a:off x="2722680" y="340200"/>
-            <a:ext cx="8857800" cy="5904360"/>
+            <a:off x="2721600" y="340200"/>
+            <a:ext cx="8854920" cy="5904000"/>
           </a:xfrm>
           <a:prstGeom prst="rect">
             <a:avLst/>
@@ -8969,7 +9837,7 @@
         <p:txBody>
           <a:bodyPr/>
           <a:p>
-            <a:fld id="{42ECD4C9-B3AC-490D-85EC-A9EB6524E1E2}" type="slidenum">
+            <a:fld id="{F4ECB3C8-3796-4F64-B4C9-57B0D19072C6}" type="slidenum">
               <a:t>14</a:t>
             </a:fld>
           </a:p>
@@ -9007,7 +9875,7 @@
       </p:grpSpPr>
       <p:pic>
         <p:nvPicPr>
-          <p:cNvPr id="128" name="" descr=""/>
+          <p:cNvPr id="132" name="" descr=""/>
           <p:cNvPicPr/>
           <p:nvPr/>
         </p:nvPicPr>
@@ -9017,8 +9885,8 @@
         </p:blipFill>
         <p:spPr>
           <a:xfrm>
-            <a:off x="2722680" y="340200"/>
-            <a:ext cx="8857800" cy="5904360"/>
+            <a:off x="2721600" y="340200"/>
+            <a:ext cx="8854920" cy="5904000"/>
           </a:xfrm>
           <a:prstGeom prst="rect">
             <a:avLst/>
@@ -9043,7 +9911,7 @@
         <p:txBody>
           <a:bodyPr/>
           <a:p>
-            <a:fld id="{691CE86F-69F3-4E93-AC3C-A76B41BDAE97}" type="slidenum">
+            <a:fld id="{84BF6896-90E0-4116-8EBB-5CBD19258531}" type="slidenum">
               <a:t>15</a:t>
             </a:fld>
           </a:p>
@@ -9081,7 +9949,7 @@
       </p:grpSpPr>
       <p:sp>
         <p:nvSpPr>
-          <p:cNvPr id="129" name="PlaceHolder 1"/>
+          <p:cNvPr id="133" name="PlaceHolder 1"/>
           <p:cNvSpPr>
             <a:spLocks noGrp="1"/>
           </p:cNvSpPr>
@@ -9091,8 +9959,8 @@
         </p:nvSpPr>
         <p:spPr>
           <a:xfrm>
-            <a:off x="1307160" y="1650600"/>
-            <a:ext cx="10402560" cy="623880"/>
+            <a:off x="1306800" y="1650600"/>
+            <a:ext cx="10399320" cy="623520"/>
           </a:xfrm>
           <a:prstGeom prst="rect">
             <a:avLst/>
@@ -9146,7 +10014,7 @@
       </p:sp>
       <p:sp>
         <p:nvSpPr>
-          <p:cNvPr id="130" name="PlaceHolder 2"/>
+          <p:cNvPr id="134" name="PlaceHolder 2"/>
           <p:cNvSpPr>
             <a:spLocks noGrp="1"/>
           </p:cNvSpPr>
@@ -9156,8 +10024,8 @@
         </p:nvSpPr>
         <p:spPr>
           <a:xfrm>
-            <a:off x="1307160" y="2629080"/>
-            <a:ext cx="10402560" cy="3100680"/>
+            <a:off x="1306800" y="2629080"/>
+            <a:ext cx="10399320" cy="3100320"/>
           </a:xfrm>
           <a:prstGeom prst="rect">
             <a:avLst/>
@@ -9196,7 +10064,43 @@
                 <a:latin typeface="Arial"/>
                 <a:ea typeface="DejaVu Sans"/>
               </a:rPr>
-              <a:t>Successful genetic engineering of A. woodii: Replacement of the native adh4 promoter with the pta promoter from C. ljungdahlii</a:t>
+              <a:t>Successful genetic engineering of </a:t>
+            </a:r>
+            <a:r>
+              <a:rPr b="0" i="1" lang="de-DE" sz="2000" strike="noStrike" u="none">
+                <a:solidFill>
+                  <a:schemeClr val="dk1"/>
+                </a:solidFill>
+                <a:effectLst/>
+                <a:uFillTx/>
+                <a:latin typeface="Arial"/>
+                <a:ea typeface="DejaVu Sans"/>
+              </a:rPr>
+              <a:t>A. woodii</a:t>
+            </a:r>
+            <a:r>
+              <a:rPr b="0" lang="de-DE" sz="2000" strike="noStrike" u="none">
+                <a:solidFill>
+                  <a:schemeClr val="dk1"/>
+                </a:solidFill>
+                <a:effectLst/>
+                <a:uFillTx/>
+                <a:latin typeface="Arial"/>
+                <a:ea typeface="DejaVu Sans"/>
+              </a:rPr>
+              <a:t>: Replacement of the native Adh4 promoter with the pta promoter from </a:t>
+            </a:r>
+            <a:r>
+              <a:rPr b="0" i="1" lang="de-DE" sz="2000" strike="noStrike" u="none">
+                <a:solidFill>
+                  <a:schemeClr val="dk1"/>
+                </a:solidFill>
+                <a:effectLst/>
+                <a:uFillTx/>
+                <a:latin typeface="Arial"/>
+                <a:ea typeface="DejaVu Sans"/>
+              </a:rPr>
+              <a:t>C. ljungdahlii</a:t>
             </a:r>
             <a:endParaRPr b="0" lang="de-AT" sz="2000" strike="noStrike" u="none">
               <a:solidFill>
@@ -9232,7 +10136,7 @@
                 <a:latin typeface="Arial"/>
                 <a:ea typeface="DejaVu Sans"/>
               </a:rPr>
-              <a:t>Increased expression of adh4 confirmed</a:t>
+              <a:t>Increased expression of Adh4 confirmed</a:t>
             </a:r>
             <a:endParaRPr b="0" lang="de-AT" sz="2000" strike="noStrike" u="none">
               <a:solidFill>
@@ -9268,7 +10172,7 @@
                 <a:latin typeface="Arial"/>
                 <a:ea typeface="DejaVu Sans"/>
               </a:rPr>
-              <a:t>adh4 expression was induced in the presence of 1,2-propanediol</a:t>
+              <a:t>Adh4 expression was induced in the presence of 1,2-propanediol</a:t>
             </a:r>
             <a:endParaRPr b="0" lang="de-AT" sz="2000" strike="noStrike" u="none">
               <a:solidFill>
@@ -9391,7 +10295,7 @@
         <p:txBody>
           <a:bodyPr/>
           <a:p>
-            <a:fld id="{CFF62E20-4CCA-4C34-B742-EBC877143280}" type="slidenum">
+            <a:fld id="{5A269A29-110E-45FA-990F-66C8F3EE5959}" type="slidenum">
               <a:t>16</a:t>
             </a:fld>
           </a:p>
@@ -9429,7 +10333,7 @@
       </p:grpSpPr>
       <p:sp>
         <p:nvSpPr>
-          <p:cNvPr id="131" name="PlaceHolder 1"/>
+          <p:cNvPr id="135" name="PlaceHolder 1"/>
           <p:cNvSpPr>
             <a:spLocks noGrp="1"/>
           </p:cNvSpPr>
@@ -9439,8 +10343,8 @@
         </p:nvSpPr>
         <p:spPr>
           <a:xfrm>
-            <a:off x="1307160" y="1549080"/>
-            <a:ext cx="10402560" cy="826560"/>
+            <a:off x="1306800" y="1549080"/>
+            <a:ext cx="10399320" cy="826200"/>
           </a:xfrm>
           <a:prstGeom prst="rect">
             <a:avLst/>
@@ -9494,7 +10398,7 @@
       </p:sp>
       <p:sp>
         <p:nvSpPr>
-          <p:cNvPr id="132" name="PlaceHolder 2"/>
+          <p:cNvPr id="136" name="PlaceHolder 2"/>
           <p:cNvSpPr>
             <a:spLocks noGrp="1"/>
           </p:cNvSpPr>
@@ -9504,8 +10408,8 @@
         </p:nvSpPr>
         <p:spPr>
           <a:xfrm>
-            <a:off x="1307160" y="2629080"/>
-            <a:ext cx="10402560" cy="3100680"/>
+            <a:off x="1306800" y="2629080"/>
+            <a:ext cx="10399320" cy="3100320"/>
           </a:xfrm>
           <a:prstGeom prst="rect">
             <a:avLst/>
@@ -9687,7 +10591,7 @@
         <p:txBody>
           <a:bodyPr/>
           <a:p>
-            <a:fld id="{A29E838E-B22C-4B06-957C-479E04AD7891}" type="slidenum">
+            <a:fld id="{E0588305-BD8D-4158-BBB4-342E10D1424F}" type="slidenum">
               <a:t>17</a:t>
             </a:fld>
           </a:p>
@@ -9725,13 +10629,13 @@
       </p:grpSpPr>
       <p:sp>
         <p:nvSpPr>
-          <p:cNvPr id="133" name=""/>
+          <p:cNvPr id="137" name=""/>
           <p:cNvSpPr/>
           <p:nvPr/>
         </p:nvSpPr>
         <p:spPr>
           <a:xfrm>
-            <a:off x="4604400" y="1310400"/>
+            <a:off x="4602600" y="1310400"/>
             <a:ext cx="2982240" cy="516600"/>
           </a:xfrm>
           <a:prstGeom prst="rect">
@@ -9789,14 +10693,14 @@
       </p:sp>
       <p:sp>
         <p:nvSpPr>
-          <p:cNvPr id="134" name=""/>
+          <p:cNvPr id="138" name=""/>
           <p:cNvSpPr/>
           <p:nvPr/>
         </p:nvSpPr>
         <p:spPr>
           <a:xfrm>
-            <a:off x="3274200" y="2278080"/>
-            <a:ext cx="5641200" cy="394560"/>
+            <a:off x="3273120" y="2278080"/>
+            <a:ext cx="5639400" cy="394560"/>
           </a:xfrm>
           <a:prstGeom prst="rect">
             <a:avLst/>
@@ -9853,14 +10757,14 @@
       </p:sp>
       <p:sp>
         <p:nvSpPr>
-          <p:cNvPr id="135" name=""/>
+          <p:cNvPr id="139" name=""/>
           <p:cNvSpPr/>
           <p:nvPr/>
         </p:nvSpPr>
         <p:spPr>
           <a:xfrm>
-            <a:off x="3036600" y="3237480"/>
-            <a:ext cx="6118200" cy="394560"/>
+            <a:off x="3035160" y="3237480"/>
+            <a:ext cx="6117120" cy="394560"/>
           </a:xfrm>
           <a:prstGeom prst="rect">
             <a:avLst/>
@@ -9917,14 +10821,14 @@
       </p:sp>
       <p:sp>
         <p:nvSpPr>
-          <p:cNvPr id="136" name=""/>
+          <p:cNvPr id="140" name=""/>
           <p:cNvSpPr/>
           <p:nvPr/>
         </p:nvSpPr>
         <p:spPr>
           <a:xfrm>
-            <a:off x="2360880" y="4134240"/>
-            <a:ext cx="7467480" cy="673200"/>
+            <a:off x="2360160" y="4134240"/>
+            <a:ext cx="7464960" cy="978120"/>
           </a:xfrm>
           <a:prstGeom prst="rect">
             <a:avLst/>
@@ -10008,7 +10912,7 @@
         <p:txBody>
           <a:bodyPr/>
           <a:p>
-            <a:fld id="{F1065C2A-4DE0-4C62-A306-50B0FEAAD6D9}" type="slidenum">
+            <a:fld id="{6CA9DEE4-24E2-4ABF-BDBB-5266596860E7}" type="slidenum">
               <a:t>18</a:t>
             </a:fld>
           </a:p>
@@ -10046,7 +10950,7 @@
       </p:grpSpPr>
       <p:sp>
         <p:nvSpPr>
-          <p:cNvPr id="65" name="PlaceHolder 1"/>
+          <p:cNvPr id="71" name="PlaceHolder 1"/>
           <p:cNvSpPr>
             <a:spLocks noGrp="1"/>
           </p:cNvSpPr>
@@ -10056,8 +10960,8 @@
         </p:nvSpPr>
         <p:spPr>
           <a:xfrm>
-            <a:off x="1307160" y="1549080"/>
-            <a:ext cx="10402560" cy="826560"/>
+            <a:off x="1306800" y="1549080"/>
+            <a:ext cx="10399320" cy="826200"/>
           </a:xfrm>
           <a:prstGeom prst="rect">
             <a:avLst/>
@@ -10111,7 +11015,7 @@
       </p:sp>
       <p:sp>
         <p:nvSpPr>
-          <p:cNvPr id="66" name="PlaceHolder 2"/>
+          <p:cNvPr id="72" name="PlaceHolder 2"/>
           <p:cNvSpPr>
             <a:spLocks noGrp="1"/>
           </p:cNvSpPr>
@@ -10121,8 +11025,8 @@
         </p:nvSpPr>
         <p:spPr>
           <a:xfrm>
-            <a:off x="1307160" y="2629080"/>
-            <a:ext cx="10402560" cy="3100680"/>
+            <a:off x="1306800" y="2629080"/>
+            <a:ext cx="10399320" cy="3100320"/>
           </a:xfrm>
           <a:prstGeom prst="rect">
             <a:avLst/>
@@ -10163,7 +11067,29 @@
                 <a:uFillTx/>
                 <a:latin typeface="Arial"/>
               </a:rPr>
-              <a:t>Enable A. woodii to produce 2-butanol from 2,3-butanediol</a:t>
+              <a:t>Enable </a:t>
+            </a:r>
+            <a:r>
+              <a:rPr b="0" i="1" lang="de-DE" sz="2000" strike="noStrike" u="none">
+                <a:solidFill>
+                  <a:schemeClr val="dk1"/>
+                </a:solidFill>
+                <a:effectLst/>
+                <a:uFillTx/>
+                <a:latin typeface="Arial"/>
+              </a:rPr>
+              <a:t>A. woodii</a:t>
+            </a:r>
+            <a:r>
+              <a:rPr b="0" lang="de-DE" sz="2000" strike="noStrike" u="none">
+                <a:solidFill>
+                  <a:schemeClr val="dk1"/>
+                </a:solidFill>
+                <a:effectLst/>
+                <a:uFillTx/>
+                <a:latin typeface="Arial"/>
+              </a:rPr>
+              <a:t> to produce 2-butanol from 2,3-butanediol</a:t>
             </a:r>
             <a:endParaRPr b="0" lang="de-AT" sz="2000" strike="noStrike" u="none">
               <a:solidFill>
@@ -10419,7 +11345,7 @@
       </p:sp>
       <p:pic>
         <p:nvPicPr>
-          <p:cNvPr id="67" name="" descr=""/>
+          <p:cNvPr id="73" name="" descr=""/>
           <p:cNvPicPr/>
           <p:nvPr/>
         </p:nvPicPr>
@@ -10429,8 +11355,8 @@
         </p:blipFill>
         <p:spPr>
           <a:xfrm>
-            <a:off x="7211160" y="3024000"/>
-            <a:ext cx="4179240" cy="3114000"/>
+            <a:off x="7425000" y="2988000"/>
+            <a:ext cx="4177800" cy="3113640"/>
           </a:xfrm>
           <a:prstGeom prst="rect">
             <a:avLst/>
@@ -10455,7 +11381,7 @@
         <p:txBody>
           <a:bodyPr/>
           <a:p>
-            <a:fld id="{DAF6B240-6D9D-4C62-A91D-355B1734984D}" type="slidenum">
+            <a:fld id="{877A44B7-D792-4C54-B5EB-87524A31B861}" type="slidenum">
               <a:t>2</a:t>
             </a:fld>
           </a:p>
@@ -10505,7 +11431,7 @@
                                           </p:stCondLst>
                                         </p:cTn>
                                         <p:tgtEl>
-                                          <p:spTgt spid="66">
+                                          <p:spTgt spid="72">
                                             <p:txEl>
                                               <p:pRg st="0" end="0"/>
                                             </p:txEl>
@@ -10523,7 +11449,7 @@
                                       <p:cBhvr additive="repl">
                                         <p:cTn id="7" dur="500" fill="hold"/>
                                         <p:tgtEl>
-                                          <p:spTgt spid="66">
+                                          <p:spTgt spid="72">
                                             <p:txEl>
                                               <p:pRg st="0" end="0"/>
                                             </p:txEl>
@@ -10550,7 +11476,7 @@
                                       <p:cBhvr additive="repl">
                                         <p:cTn id="8" dur="500" fill="hold"/>
                                         <p:tgtEl>
-                                          <p:spTgt spid="66">
+                                          <p:spTgt spid="72">
                                             <p:txEl>
                                               <p:pRg st="0" end="0"/>
                                             </p:txEl>
@@ -10608,7 +11534,7 @@
                                           </p:stCondLst>
                                         </p:cTn>
                                         <p:tgtEl>
-                                          <p:spTgt spid="66">
+                                          <p:spTgt spid="72">
                                             <p:txEl>
                                               <p:pRg st="1" end="1"/>
                                             </p:txEl>
@@ -10626,7 +11552,7 @@
                                       <p:cBhvr additive="repl">
                                         <p:cTn id="13" dur="500" fill="hold"/>
                                         <p:tgtEl>
-                                          <p:spTgt spid="66">
+                                          <p:spTgt spid="72">
                                             <p:txEl>
                                               <p:pRg st="1" end="1"/>
                                             </p:txEl>
@@ -10653,7 +11579,7 @@
                                       <p:cBhvr additive="repl">
                                         <p:cTn id="14" dur="500" fill="hold"/>
                                         <p:tgtEl>
-                                          <p:spTgt spid="66">
+                                          <p:spTgt spid="72">
                                             <p:txEl>
                                               <p:pRg st="1" end="1"/>
                                             </p:txEl>
@@ -10711,7 +11637,7 @@
                                           </p:stCondLst>
                                         </p:cTn>
                                         <p:tgtEl>
-                                          <p:spTgt spid="67"/>
+                                          <p:spTgt spid="73"/>
                                         </p:tgtEl>
                                         <p:attrNameLst>
                                           <p:attrName>style.visibility</p:attrName>
@@ -10756,7 +11682,7 @@
                                           </p:stCondLst>
                                         </p:cTn>
                                         <p:tgtEl>
-                                          <p:spTgt spid="67"/>
+                                          <p:spTgt spid="73"/>
                                         </p:tgtEl>
                                         <p:attrNameLst>
                                           <p:attrName>style.visibility</p:attrName>
@@ -10801,7 +11727,7 @@
                                           </p:stCondLst>
                                         </p:cTn>
                                         <p:tgtEl>
-                                          <p:spTgt spid="66">
+                                          <p:spTgt spid="72">
                                             <p:txEl>
                                               <p:pRg st="2" end="2"/>
                                             </p:txEl>
@@ -10819,7 +11745,7 @@
                                       <p:cBhvr additive="repl">
                                         <p:cTn id="27" dur="500" fill="hold"/>
                                         <p:tgtEl>
-                                          <p:spTgt spid="66">
+                                          <p:spTgt spid="72">
                                             <p:txEl>
                                               <p:pRg st="2" end="2"/>
                                             </p:txEl>
@@ -10846,7 +11772,7 @@
                                       <p:cBhvr additive="repl">
                                         <p:cTn id="28" dur="500" fill="hold"/>
                                         <p:tgtEl>
-                                          <p:spTgt spid="66">
+                                          <p:spTgt spid="72">
                                             <p:txEl>
                                               <p:pRg st="2" end="2"/>
                                             </p:txEl>
@@ -10904,7 +11830,7 @@
                                           </p:stCondLst>
                                         </p:cTn>
                                         <p:tgtEl>
-                                          <p:spTgt spid="66">
+                                          <p:spTgt spid="72">
                                             <p:txEl>
                                               <p:pRg st="3" end="3"/>
                                             </p:txEl>
@@ -10922,7 +11848,7 @@
                                       <p:cBhvr additive="repl">
                                         <p:cTn id="33" dur="500" fill="hold"/>
                                         <p:tgtEl>
-                                          <p:spTgt spid="66">
+                                          <p:spTgt spid="72">
                                             <p:txEl>
                                               <p:pRg st="3" end="3"/>
                                             </p:txEl>
@@ -10949,7 +11875,7 @@
                                       <p:cBhvr additive="repl">
                                         <p:cTn id="34" dur="500" fill="hold"/>
                                         <p:tgtEl>
-                                          <p:spTgt spid="66">
+                                          <p:spTgt spid="72">
                                             <p:txEl>
                                               <p:pRg st="3" end="3"/>
                                             </p:txEl>
@@ -11007,7 +11933,7 @@
                                           </p:stCondLst>
                                         </p:cTn>
                                         <p:tgtEl>
-                                          <p:spTgt spid="66">
+                                          <p:spTgt spid="72">
                                             <p:txEl>
                                               <p:pRg st="4" end="4"/>
                                             </p:txEl>
@@ -11025,7 +11951,7 @@
                                       <p:cBhvr additive="repl">
                                         <p:cTn id="39" dur="500" fill="hold"/>
                                         <p:tgtEl>
-                                          <p:spTgt spid="66">
+                                          <p:spTgt spid="72">
                                             <p:txEl>
                                               <p:pRg st="4" end="4"/>
                                             </p:txEl>
@@ -11052,7 +11978,7 @@
                                       <p:cBhvr additive="repl">
                                         <p:cTn id="40" dur="500" fill="hold"/>
                                         <p:tgtEl>
-                                          <p:spTgt spid="66">
+                                          <p:spTgt spid="72">
                                             <p:txEl>
                                               <p:pRg st="4" end="4"/>
                                             </p:txEl>
@@ -11110,7 +12036,7 @@
                                           </p:stCondLst>
                                         </p:cTn>
                                         <p:tgtEl>
-                                          <p:spTgt spid="66">
+                                          <p:spTgt spid="72">
                                             <p:txEl>
                                               <p:pRg st="5" end="5"/>
                                             </p:txEl>
@@ -11128,7 +12054,7 @@
                                       <p:cBhvr additive="repl">
                                         <p:cTn id="45" dur="500" fill="hold"/>
                                         <p:tgtEl>
-                                          <p:spTgt spid="66">
+                                          <p:spTgt spid="72">
                                             <p:txEl>
                                               <p:pRg st="5" end="5"/>
                                             </p:txEl>
@@ -11155,7 +12081,7 @@
                                       <p:cBhvr additive="repl">
                                         <p:cTn id="46" dur="500" fill="hold"/>
                                         <p:tgtEl>
-                                          <p:spTgt spid="66">
+                                          <p:spTgt spid="72">
                                             <p:txEl>
                                               <p:pRg st="5" end="5"/>
                                             </p:txEl>
@@ -11213,7 +12139,7 @@
                                           </p:stCondLst>
                                         </p:cTn>
                                         <p:tgtEl>
-                                          <p:spTgt spid="66">
+                                          <p:spTgt spid="72">
                                             <p:txEl>
                                               <p:pRg st="6" end="6"/>
                                             </p:txEl>
@@ -11231,7 +12157,7 @@
                                       <p:cBhvr additive="repl">
                                         <p:cTn id="51" dur="500" fill="hold"/>
                                         <p:tgtEl>
-                                          <p:spTgt spid="66">
+                                          <p:spTgt spid="72">
                                             <p:txEl>
                                               <p:pRg st="6" end="6"/>
                                             </p:txEl>
@@ -11258,7 +12184,7 @@
                                       <p:cBhvr additive="repl">
                                         <p:cTn id="52" dur="500" fill="hold"/>
                                         <p:tgtEl>
-                                          <p:spTgt spid="66">
+                                          <p:spTgt spid="72">
                                             <p:txEl>
                                               <p:pRg st="6" end="6"/>
                                             </p:txEl>
@@ -11334,7 +12260,7 @@
       </p:grpSpPr>
       <p:sp>
         <p:nvSpPr>
-          <p:cNvPr id="68" name="PlaceHolder 1"/>
+          <p:cNvPr id="74" name="PlaceHolder 1"/>
           <p:cNvSpPr>
             <a:spLocks noGrp="1"/>
           </p:cNvSpPr>
@@ -11344,8 +12270,8 @@
         </p:nvSpPr>
         <p:spPr>
           <a:xfrm>
-            <a:off x="1307160" y="1549080"/>
-            <a:ext cx="10402560" cy="826560"/>
+            <a:off x="1306800" y="1549080"/>
+            <a:ext cx="10399320" cy="826200"/>
           </a:xfrm>
           <a:prstGeom prst="rect">
             <a:avLst/>
@@ -11399,7 +12325,7 @@
       </p:sp>
       <p:sp>
         <p:nvSpPr>
-          <p:cNvPr id="69" name="PlaceHolder 2"/>
+          <p:cNvPr id="75" name="PlaceHolder 2"/>
           <p:cNvSpPr>
             <a:spLocks noGrp="1"/>
           </p:cNvSpPr>
@@ -11409,8 +12335,8 @@
         </p:nvSpPr>
         <p:spPr>
           <a:xfrm>
-            <a:off x="1307160" y="2629080"/>
-            <a:ext cx="10402560" cy="3100680"/>
+            <a:off x="1306800" y="2629080"/>
+            <a:ext cx="10399320" cy="3100320"/>
           </a:xfrm>
           <a:prstGeom prst="rect">
             <a:avLst/>
@@ -11668,7 +12594,7 @@
         <p:txBody>
           <a:bodyPr/>
           <a:p>
-            <a:fld id="{AC533E53-A791-490D-9527-657A44371F37}" type="slidenum">
+            <a:fld id="{10D4C3A9-9D0B-4E02-BA65-1427B10CDE28}" type="slidenum">
               <a:t>3</a:t>
             </a:fld>
           </a:p>
@@ -11718,7 +12644,7 @@
                                           </p:stCondLst>
                                         </p:cTn>
                                         <p:tgtEl>
-                                          <p:spTgt spid="69">
+                                          <p:spTgt spid="75">
                                             <p:txEl>
                                               <p:pRg st="0" end="0"/>
                                             </p:txEl>
@@ -11736,7 +12662,7 @@
                                       <p:cBhvr additive="repl">
                                         <p:cTn id="59" dur="500" fill="hold"/>
                                         <p:tgtEl>
-                                          <p:spTgt spid="69">
+                                          <p:spTgt spid="75">
                                             <p:txEl>
                                               <p:pRg st="0" end="0"/>
                                             </p:txEl>
@@ -11763,7 +12689,7 @@
                                       <p:cBhvr additive="repl">
                                         <p:cTn id="60" dur="500" fill="hold"/>
                                         <p:tgtEl>
-                                          <p:spTgt spid="69">
+                                          <p:spTgt spid="75">
                                             <p:txEl>
                                               <p:pRg st="0" end="0"/>
                                             </p:txEl>
@@ -11821,7 +12747,7 @@
                                           </p:stCondLst>
                                         </p:cTn>
                                         <p:tgtEl>
-                                          <p:spTgt spid="69">
+                                          <p:spTgt spid="75">
                                             <p:txEl>
                                               <p:pRg st="1" end="1"/>
                                             </p:txEl>
@@ -11839,7 +12765,7 @@
                                       <p:cBhvr additive="repl">
                                         <p:cTn id="65" dur="500" fill="hold"/>
                                         <p:tgtEl>
-                                          <p:spTgt spid="69">
+                                          <p:spTgt spid="75">
                                             <p:txEl>
                                               <p:pRg st="1" end="1"/>
                                             </p:txEl>
@@ -11866,7 +12792,7 @@
                                       <p:cBhvr additive="repl">
                                         <p:cTn id="66" dur="500" fill="hold"/>
                                         <p:tgtEl>
-                                          <p:spTgt spid="69">
+                                          <p:spTgt spid="75">
                                             <p:txEl>
                                               <p:pRg st="1" end="1"/>
                                             </p:txEl>
@@ -11924,7 +12850,7 @@
                                           </p:stCondLst>
                                         </p:cTn>
                                         <p:tgtEl>
-                                          <p:spTgt spid="69">
+                                          <p:spTgt spid="75">
                                             <p:txEl>
                                               <p:pRg st="2" end="2"/>
                                             </p:txEl>
@@ -11942,7 +12868,7 @@
                                       <p:cBhvr additive="repl">
                                         <p:cTn id="71" dur="500" fill="hold"/>
                                         <p:tgtEl>
-                                          <p:spTgt spid="69">
+                                          <p:spTgt spid="75">
                                             <p:txEl>
                                               <p:pRg st="2" end="2"/>
                                             </p:txEl>
@@ -11969,7 +12895,7 @@
                                       <p:cBhvr additive="repl">
                                         <p:cTn id="72" dur="500" fill="hold"/>
                                         <p:tgtEl>
-                                          <p:spTgt spid="69">
+                                          <p:spTgt spid="75">
                                             <p:txEl>
                                               <p:pRg st="2" end="2"/>
                                             </p:txEl>
@@ -12027,7 +12953,7 @@
                                           </p:stCondLst>
                                         </p:cTn>
                                         <p:tgtEl>
-                                          <p:spTgt spid="69">
+                                          <p:spTgt spid="75">
                                             <p:txEl>
                                               <p:pRg st="3" end="3"/>
                                             </p:txEl>
@@ -12045,7 +12971,7 @@
                                       <p:cBhvr additive="repl">
                                         <p:cTn id="77" dur="500" fill="hold"/>
                                         <p:tgtEl>
-                                          <p:spTgt spid="69">
+                                          <p:spTgt spid="75">
                                             <p:txEl>
                                               <p:pRg st="3" end="3"/>
                                             </p:txEl>
@@ -12072,7 +12998,7 @@
                                       <p:cBhvr additive="repl">
                                         <p:cTn id="78" dur="500" fill="hold"/>
                                         <p:tgtEl>
-                                          <p:spTgt spid="69">
+                                          <p:spTgt spid="75">
                                             <p:txEl>
                                               <p:pRg st="3" end="3"/>
                                             </p:txEl>
@@ -12130,7 +13056,7 @@
                                           </p:stCondLst>
                                         </p:cTn>
                                         <p:tgtEl>
-                                          <p:spTgt spid="69">
+                                          <p:spTgt spid="75">
                                             <p:txEl>
                                               <p:pRg st="4" end="4"/>
                                             </p:txEl>
@@ -12148,7 +13074,7 @@
                                       <p:cBhvr additive="repl">
                                         <p:cTn id="83" dur="500" fill="hold"/>
                                         <p:tgtEl>
-                                          <p:spTgt spid="69">
+                                          <p:spTgt spid="75">
                                             <p:txEl>
                                               <p:pRg st="4" end="4"/>
                                             </p:txEl>
@@ -12175,7 +13101,7 @@
                                       <p:cBhvr additive="repl">
                                         <p:cTn id="84" dur="500" fill="hold"/>
                                         <p:tgtEl>
-                                          <p:spTgt spid="69">
+                                          <p:spTgt spid="75">
                                             <p:txEl>
                                               <p:pRg st="4" end="4"/>
                                             </p:txEl>
@@ -12233,7 +13159,7 @@
                                           </p:stCondLst>
                                         </p:cTn>
                                         <p:tgtEl>
-                                          <p:spTgt spid="69">
+                                          <p:spTgt spid="75">
                                             <p:txEl>
                                               <p:pRg st="5" end="5"/>
                                             </p:txEl>
@@ -12251,7 +13177,7 @@
                                       <p:cBhvr additive="repl">
                                         <p:cTn id="89" dur="500" fill="hold"/>
                                         <p:tgtEl>
-                                          <p:spTgt spid="69">
+                                          <p:spTgt spid="75">
                                             <p:txEl>
                                               <p:pRg st="5" end="5"/>
                                             </p:txEl>
@@ -12278,7 +13204,7 @@
                                       <p:cBhvr additive="repl">
                                         <p:cTn id="90" dur="500" fill="hold"/>
                                         <p:tgtEl>
-                                          <p:spTgt spid="69">
+                                          <p:spTgt spid="75">
                                             <p:txEl>
                                               <p:pRg st="5" end="5"/>
                                             </p:txEl>
@@ -12354,7 +13280,7 @@
       </p:grpSpPr>
       <p:sp>
         <p:nvSpPr>
-          <p:cNvPr id="70" name="PlaceHolder 1"/>
+          <p:cNvPr id="76" name="PlaceHolder 1"/>
           <p:cNvSpPr>
             <a:spLocks noGrp="1"/>
           </p:cNvSpPr>
@@ -12364,8 +13290,8 @@
         </p:nvSpPr>
         <p:spPr>
           <a:xfrm>
-            <a:off x="1307160" y="1549080"/>
-            <a:ext cx="10402560" cy="826560"/>
+            <a:off x="1306800" y="1549080"/>
+            <a:ext cx="10399320" cy="826200"/>
           </a:xfrm>
           <a:prstGeom prst="rect">
             <a:avLst/>
@@ -12419,7 +13345,7 @@
       </p:sp>
       <p:sp>
         <p:nvSpPr>
-          <p:cNvPr id="71" name="PlaceHolder 2"/>
+          <p:cNvPr id="77" name="PlaceHolder 2"/>
           <p:cNvSpPr>
             <a:spLocks noGrp="1"/>
           </p:cNvSpPr>
@@ -12429,8 +13355,8 @@
         </p:nvSpPr>
         <p:spPr>
           <a:xfrm>
-            <a:off x="1307160" y="2629080"/>
-            <a:ext cx="10402560" cy="3100680"/>
+            <a:off x="1306800" y="2629080"/>
+            <a:ext cx="10399320" cy="3100320"/>
           </a:xfrm>
           <a:prstGeom prst="rect">
             <a:avLst/>
@@ -12726,7 +13652,7 @@
         <p:txBody>
           <a:bodyPr/>
           <a:p>
-            <a:fld id="{E8B61628-BE83-4EE3-8149-9887AB6B6544}" type="slidenum">
+            <a:fld id="{7546CE57-08CD-4C71-9A45-5E698AD10234}" type="slidenum">
               <a:t>4</a:t>
             </a:fld>
           </a:p>
@@ -12776,7 +13702,7 @@
                                           </p:stCondLst>
                                         </p:cTn>
                                         <p:tgtEl>
-                                          <p:spTgt spid="71">
+                                          <p:spTgt spid="77">
                                             <p:txEl>
                                               <p:pRg st="0" end="0"/>
                                             </p:txEl>
@@ -12794,7 +13720,7 @@
                                       <p:cBhvr additive="repl">
                                         <p:cTn id="97" dur="500" fill="hold"/>
                                         <p:tgtEl>
-                                          <p:spTgt spid="71">
+                                          <p:spTgt spid="77">
                                             <p:txEl>
                                               <p:pRg st="0" end="0"/>
                                             </p:txEl>
@@ -12821,7 +13747,7 @@
                                       <p:cBhvr additive="repl">
                                         <p:cTn id="98" dur="500" fill="hold"/>
                                         <p:tgtEl>
-                                          <p:spTgt spid="71">
+                                          <p:spTgt spid="77">
                                             <p:txEl>
                                               <p:pRg st="0" end="0"/>
                                             </p:txEl>
@@ -12879,7 +13805,7 @@
                                           </p:stCondLst>
                                         </p:cTn>
                                         <p:tgtEl>
-                                          <p:spTgt spid="71">
+                                          <p:spTgt spid="77">
                                             <p:txEl>
                                               <p:pRg st="1" end="1"/>
                                             </p:txEl>
@@ -12897,7 +13823,7 @@
                                       <p:cBhvr additive="repl">
                                         <p:cTn id="103" dur="500" fill="hold"/>
                                         <p:tgtEl>
-                                          <p:spTgt spid="71">
+                                          <p:spTgt spid="77">
                                             <p:txEl>
                                               <p:pRg st="1" end="1"/>
                                             </p:txEl>
@@ -12924,7 +13850,7 @@
                                       <p:cBhvr additive="repl">
                                         <p:cTn id="104" dur="500" fill="hold"/>
                                         <p:tgtEl>
-                                          <p:spTgt spid="71">
+                                          <p:spTgt spid="77">
                                             <p:txEl>
                                               <p:pRg st="1" end="1"/>
                                             </p:txEl>
@@ -12982,7 +13908,7 @@
                                           </p:stCondLst>
                                         </p:cTn>
                                         <p:tgtEl>
-                                          <p:spTgt spid="71">
+                                          <p:spTgt spid="77">
                                             <p:txEl>
                                               <p:pRg st="2" end="2"/>
                                             </p:txEl>
@@ -13000,7 +13926,7 @@
                                       <p:cBhvr additive="repl">
                                         <p:cTn id="109" dur="500" fill="hold"/>
                                         <p:tgtEl>
-                                          <p:spTgt spid="71">
+                                          <p:spTgt spid="77">
                                             <p:txEl>
                                               <p:pRg st="2" end="2"/>
                                             </p:txEl>
@@ -13027,7 +13953,7 @@
                                       <p:cBhvr additive="repl">
                                         <p:cTn id="110" dur="500" fill="hold"/>
                                         <p:tgtEl>
-                                          <p:spTgt spid="71">
+                                          <p:spTgt spid="77">
                                             <p:txEl>
                                               <p:pRg st="2" end="2"/>
                                             </p:txEl>
@@ -13085,7 +14011,7 @@
                                           </p:stCondLst>
                                         </p:cTn>
                                         <p:tgtEl>
-                                          <p:spTgt spid="71">
+                                          <p:spTgt spid="77">
                                             <p:txEl>
                                               <p:pRg st="3" end="3"/>
                                             </p:txEl>
@@ -13103,7 +14029,7 @@
                                       <p:cBhvr additive="repl">
                                         <p:cTn id="115" dur="500" fill="hold"/>
                                         <p:tgtEl>
-                                          <p:spTgt spid="71">
+                                          <p:spTgt spid="77">
                                             <p:txEl>
                                               <p:pRg st="3" end="3"/>
                                             </p:txEl>
@@ -13130,7 +14056,7 @@
                                       <p:cBhvr additive="repl">
                                         <p:cTn id="116" dur="500" fill="hold"/>
                                         <p:tgtEl>
-                                          <p:spTgt spid="71">
+                                          <p:spTgt spid="77">
                                             <p:txEl>
                                               <p:pRg st="3" end="3"/>
                                             </p:txEl>
@@ -13188,7 +14114,7 @@
                                           </p:stCondLst>
                                         </p:cTn>
                                         <p:tgtEl>
-                                          <p:spTgt spid="71">
+                                          <p:spTgt spid="77">
                                             <p:txEl>
                                               <p:pRg st="4" end="4"/>
                                             </p:txEl>
@@ -13206,7 +14132,7 @@
                                       <p:cBhvr additive="repl">
                                         <p:cTn id="121" dur="500" fill="hold"/>
                                         <p:tgtEl>
-                                          <p:spTgt spid="71">
+                                          <p:spTgt spid="77">
                                             <p:txEl>
                                               <p:pRg st="4" end="4"/>
                                             </p:txEl>
@@ -13233,7 +14159,7 @@
                                       <p:cBhvr additive="repl">
                                         <p:cTn id="122" dur="500" fill="hold"/>
                                         <p:tgtEl>
-                                          <p:spTgt spid="71">
+                                          <p:spTgt spid="77">
                                             <p:txEl>
                                               <p:pRg st="4" end="4"/>
                                             </p:txEl>
@@ -13291,7 +14217,7 @@
                                           </p:stCondLst>
                                         </p:cTn>
                                         <p:tgtEl>
-                                          <p:spTgt spid="71">
+                                          <p:spTgt spid="77">
                                             <p:txEl>
                                               <p:pRg st="5" end="5"/>
                                             </p:txEl>
@@ -13309,7 +14235,7 @@
                                       <p:cBhvr additive="repl">
                                         <p:cTn id="127" dur="500" fill="hold"/>
                                         <p:tgtEl>
-                                          <p:spTgt spid="71">
+                                          <p:spTgt spid="77">
                                             <p:txEl>
                                               <p:pRg st="5" end="5"/>
                                             </p:txEl>
@@ -13336,7 +14262,7 @@
                                       <p:cBhvr additive="repl">
                                         <p:cTn id="128" dur="500" fill="hold"/>
                                         <p:tgtEl>
-                                          <p:spTgt spid="71">
+                                          <p:spTgt spid="77">
                                             <p:txEl>
                                               <p:pRg st="5" end="5"/>
                                             </p:txEl>
@@ -13394,7 +14320,7 @@
                                           </p:stCondLst>
                                         </p:cTn>
                                         <p:tgtEl>
-                                          <p:spTgt spid="71">
+                                          <p:spTgt spid="77">
                                             <p:txEl>
                                               <p:pRg st="6" end="6"/>
                                             </p:txEl>
@@ -13412,7 +14338,7 @@
                                       <p:cBhvr additive="repl">
                                         <p:cTn id="133" dur="500" fill="hold"/>
                                         <p:tgtEl>
-                                          <p:spTgt spid="71">
+                                          <p:spTgt spid="77">
                                             <p:txEl>
                                               <p:pRg st="6" end="6"/>
                                             </p:txEl>
@@ -13439,7 +14365,7 @@
                                       <p:cBhvr additive="repl">
                                         <p:cTn id="134" dur="500" fill="hold"/>
                                         <p:tgtEl>
-                                          <p:spTgt spid="71">
+                                          <p:spTgt spid="77">
                                             <p:txEl>
                                               <p:pRg st="6" end="6"/>
                                             </p:txEl>
@@ -13515,7 +14441,7 @@
       </p:grpSpPr>
       <p:pic>
         <p:nvPicPr>
-          <p:cNvPr id="72" name="" descr=""/>
+          <p:cNvPr id="78" name="" descr=""/>
           <p:cNvPicPr/>
           <p:nvPr/>
         </p:nvPicPr>
@@ -13525,8 +14451,8 @@
         </p:blipFill>
         <p:spPr>
           <a:xfrm>
-            <a:off x="4113360" y="265320"/>
-            <a:ext cx="3962520" cy="1719000"/>
+            <a:off x="4111920" y="265320"/>
+            <a:ext cx="3961080" cy="1718640"/>
           </a:xfrm>
           <a:prstGeom prst="rect">
             <a:avLst/>
@@ -13539,7 +14465,7 @@
       </p:pic>
       <p:pic>
         <p:nvPicPr>
-          <p:cNvPr id="73" name="" descr=""/>
+          <p:cNvPr id="79" name="" descr=""/>
           <p:cNvPicPr/>
           <p:nvPr/>
         </p:nvPicPr>
@@ -13549,8 +14475,8 @@
         </p:blipFill>
         <p:spPr>
           <a:xfrm>
-            <a:off x="4213440" y="2089080"/>
-            <a:ext cx="3762720" cy="666360"/>
+            <a:off x="4212000" y="2089080"/>
+            <a:ext cx="3761280" cy="666000"/>
           </a:xfrm>
           <a:prstGeom prst="rect">
             <a:avLst/>
@@ -13563,7 +14489,7 @@
       </p:pic>
       <p:pic>
         <p:nvPicPr>
-          <p:cNvPr id="74" name="" descr=""/>
+          <p:cNvPr id="80" name="" descr=""/>
           <p:cNvPicPr/>
           <p:nvPr/>
         </p:nvPicPr>
@@ -13573,8 +14499,8 @@
         </p:blipFill>
         <p:spPr>
           <a:xfrm>
-            <a:off x="5276880" y="2899440"/>
-            <a:ext cx="1635480" cy="1310760"/>
+            <a:off x="5275440" y="2899440"/>
+            <a:ext cx="1634760" cy="1310400"/>
           </a:xfrm>
           <a:prstGeom prst="rect">
             <a:avLst/>
@@ -13587,7 +14513,7 @@
       </p:pic>
       <p:pic>
         <p:nvPicPr>
-          <p:cNvPr id="75" name="" descr=""/>
+          <p:cNvPr id="81" name="" descr=""/>
           <p:cNvPicPr/>
           <p:nvPr/>
         </p:nvPicPr>
@@ -13597,8 +14523,8 @@
         </p:blipFill>
         <p:spPr>
           <a:xfrm>
-            <a:off x="7145280" y="3509640"/>
-            <a:ext cx="2163960" cy="399240"/>
+            <a:off x="7143120" y="3509640"/>
+            <a:ext cx="2162880" cy="398880"/>
           </a:xfrm>
           <a:prstGeom prst="rect">
             <a:avLst/>
@@ -13611,7 +14537,7 @@
       </p:pic>
       <p:pic>
         <p:nvPicPr>
-          <p:cNvPr id="76" name="" descr=""/>
+          <p:cNvPr id="82" name="" descr=""/>
           <p:cNvPicPr/>
           <p:nvPr/>
         </p:nvPicPr>
@@ -13621,8 +14547,8 @@
         </p:blipFill>
         <p:spPr>
           <a:xfrm>
-            <a:off x="5140800" y="4379400"/>
-            <a:ext cx="1907640" cy="1002600"/>
+            <a:off x="5139360" y="4379400"/>
+            <a:ext cx="1906920" cy="1002240"/>
           </a:xfrm>
           <a:prstGeom prst="rect">
             <a:avLst/>
@@ -13635,14 +14561,14 @@
       </p:pic>
       <p:sp>
         <p:nvSpPr>
-          <p:cNvPr id="77" name="Textplatzhalter 10"/>
+          <p:cNvPr id="83" name="Textplatzhalter 10"/>
           <p:cNvSpPr/>
           <p:nvPr/>
         </p:nvSpPr>
         <p:spPr>
           <a:xfrm>
-            <a:off x="10998000" y="6120000"/>
-            <a:ext cx="1134720" cy="24480"/>
+            <a:off x="10994760" y="6120000"/>
+            <a:ext cx="1134000" cy="24120"/>
           </a:xfrm>
           <a:prstGeom prst="rect">
             <a:avLst/>
@@ -13720,7 +14646,7 @@
         <p:txBody>
           <a:bodyPr/>
           <a:p>
-            <a:fld id="{E140C242-92E2-412B-B97E-976A48A21B7F}" type="slidenum">
+            <a:fld id="{00100114-4C1A-4CD1-9041-A14D5048A7D5}" type="slidenum">
               <a:t>5</a:t>
             </a:fld>
           </a:p>
@@ -13770,7 +14696,7 @@
                                           </p:stCondLst>
                                         </p:cTn>
                                         <p:tgtEl>
-                                          <p:spTgt spid="73"/>
+                                          <p:spTgt spid="79"/>
                                         </p:tgtEl>
                                         <p:attrNameLst>
                                           <p:attrName>style.visibility</p:attrName>
@@ -13784,7 +14710,7 @@
                                       <p:cBhvr additive="repl">
                                         <p:cTn id="141" dur="500" fill="hold"/>
                                         <p:tgtEl>
-                                          <p:spTgt spid="73"/>
+                                          <p:spTgt spid="79"/>
                                         </p:tgtEl>
                                         <p:attrNameLst>
                                           <p:attrName>ppt_x</p:attrName>
@@ -13807,7 +14733,7 @@
                                       <p:cBhvr additive="repl">
                                         <p:cTn id="142" dur="500" fill="hold"/>
                                         <p:tgtEl>
-                                          <p:spTgt spid="73"/>
+                                          <p:spTgt spid="79"/>
                                         </p:tgtEl>
                                         <p:attrNameLst>
                                           <p:attrName>ppt_y</p:attrName>
@@ -13861,7 +14787,7 @@
                                           </p:stCondLst>
                                         </p:cTn>
                                         <p:tgtEl>
-                                          <p:spTgt spid="74"/>
+                                          <p:spTgt spid="80"/>
                                         </p:tgtEl>
                                         <p:attrNameLst>
                                           <p:attrName>style.visibility</p:attrName>
@@ -13875,7 +14801,7 @@
                                       <p:cBhvr additive="repl">
                                         <p:cTn id="147" dur="500" fill="hold"/>
                                         <p:tgtEl>
-                                          <p:spTgt spid="74"/>
+                                          <p:spTgt spid="80"/>
                                         </p:tgtEl>
                                         <p:attrNameLst>
                                           <p:attrName>ppt_x</p:attrName>
@@ -13898,7 +14824,7 @@
                                       <p:cBhvr additive="repl">
                                         <p:cTn id="148" dur="500" fill="hold"/>
                                         <p:tgtEl>
-                                          <p:spTgt spid="74"/>
+                                          <p:spTgt spid="80"/>
                                         </p:tgtEl>
                                         <p:attrNameLst>
                                           <p:attrName>ppt_y</p:attrName>
@@ -13952,7 +14878,7 @@
                                           </p:stCondLst>
                                         </p:cTn>
                                         <p:tgtEl>
-                                          <p:spTgt spid="75"/>
+                                          <p:spTgt spid="81"/>
                                         </p:tgtEl>
                                         <p:attrNameLst>
                                           <p:attrName>style.visibility</p:attrName>
@@ -13997,7 +14923,7 @@
                                           </p:stCondLst>
                                         </p:cTn>
                                         <p:tgtEl>
-                                          <p:spTgt spid="76"/>
+                                          <p:spTgt spid="82"/>
                                         </p:tgtEl>
                                         <p:attrNameLst>
                                           <p:attrName>style.visibility</p:attrName>
@@ -14011,7 +14937,7 @@
                                       <p:cBhvr additive="repl">
                                         <p:cTn id="157" dur="500" fill="hold"/>
                                         <p:tgtEl>
-                                          <p:spTgt spid="76"/>
+                                          <p:spTgt spid="82"/>
                                         </p:tgtEl>
                                         <p:attrNameLst>
                                           <p:attrName>ppt_x</p:attrName>
@@ -14034,7 +14960,7 @@
                                       <p:cBhvr additive="repl">
                                         <p:cTn id="158" dur="500" fill="hold"/>
                                         <p:tgtEl>
-                                          <p:spTgt spid="76"/>
+                                          <p:spTgt spid="82"/>
                                         </p:tgtEl>
                                         <p:attrNameLst>
                                           <p:attrName>ppt_y</p:attrName>
@@ -14106,7 +15032,7 @@
       </p:grpSpPr>
       <p:sp>
         <p:nvSpPr>
-          <p:cNvPr id="78" name="PlaceHolder 1"/>
+          <p:cNvPr id="84" name="PlaceHolder 1"/>
           <p:cNvSpPr>
             <a:spLocks noGrp="1"/>
           </p:cNvSpPr>
@@ -14116,8 +15042,8 @@
         </p:nvSpPr>
         <p:spPr>
           <a:xfrm>
-            <a:off x="1307160" y="1549080"/>
-            <a:ext cx="10402560" cy="826560"/>
+            <a:off x="1306800" y="1549080"/>
+            <a:ext cx="10399320" cy="826200"/>
           </a:xfrm>
           <a:prstGeom prst="rect">
             <a:avLst/>
@@ -14165,7 +15091,7 @@
       </p:sp>
       <p:sp>
         <p:nvSpPr>
-          <p:cNvPr id="79" name="PlaceHolder 2"/>
+          <p:cNvPr id="85" name="PlaceHolder 2"/>
           <p:cNvSpPr>
             <a:spLocks noGrp="1"/>
           </p:cNvSpPr>
@@ -14175,8 +15101,8 @@
         </p:nvSpPr>
         <p:spPr>
           <a:xfrm>
-            <a:off x="1307160" y="2629080"/>
-            <a:ext cx="10402560" cy="3100680"/>
+            <a:off x="1306800" y="2629080"/>
+            <a:ext cx="10399320" cy="3100320"/>
           </a:xfrm>
           <a:prstGeom prst="rect">
             <a:avLst/>
@@ -14396,7 +15322,7 @@
         <p:txBody>
           <a:bodyPr/>
           <a:p>
-            <a:fld id="{E1FD6339-6B4C-4FDD-AA9C-EF3961E6F425}" type="slidenum">
+            <a:fld id="{1B33F78C-C521-464E-804C-4743EAAB08AA}" type="slidenum">
               <a:t>6</a:t>
             </a:fld>
           </a:p>
@@ -14446,7 +15372,7 @@
                                           </p:stCondLst>
                                         </p:cTn>
                                         <p:tgtEl>
-                                          <p:spTgt spid="79">
+                                          <p:spTgt spid="85">
                                             <p:txEl>
                                               <p:pRg st="0" end="0"/>
                                             </p:txEl>
@@ -14464,7 +15390,7 @@
                                       <p:cBhvr additive="repl">
                                         <p:cTn id="165" dur="500" fill="hold"/>
                                         <p:tgtEl>
-                                          <p:spTgt spid="79">
+                                          <p:spTgt spid="85">
                                             <p:txEl>
                                               <p:pRg st="0" end="0"/>
                                             </p:txEl>
@@ -14491,7 +15417,7 @@
                                       <p:cBhvr additive="repl">
                                         <p:cTn id="166" dur="500" fill="hold"/>
                                         <p:tgtEl>
-                                          <p:spTgt spid="79">
+                                          <p:spTgt spid="85">
                                             <p:txEl>
                                               <p:pRg st="0" end="0"/>
                                             </p:txEl>
@@ -14549,7 +15475,7 @@
                                           </p:stCondLst>
                                         </p:cTn>
                                         <p:tgtEl>
-                                          <p:spTgt spid="79">
+                                          <p:spTgt spid="85">
                                             <p:txEl>
                                               <p:pRg st="1" end="1"/>
                                             </p:txEl>
@@ -14567,7 +15493,7 @@
                                       <p:cBhvr additive="repl">
                                         <p:cTn id="171" dur="500" fill="hold"/>
                                         <p:tgtEl>
-                                          <p:spTgt spid="79">
+                                          <p:spTgt spid="85">
                                             <p:txEl>
                                               <p:pRg st="1" end="1"/>
                                             </p:txEl>
@@ -14594,7 +15520,7 @@
                                       <p:cBhvr additive="repl">
                                         <p:cTn id="172" dur="500" fill="hold"/>
                                         <p:tgtEl>
-                                          <p:spTgt spid="79">
+                                          <p:spTgt spid="85">
                                             <p:txEl>
                                               <p:pRg st="1" end="1"/>
                                             </p:txEl>
@@ -14652,7 +15578,7 @@
                                           </p:stCondLst>
                                         </p:cTn>
                                         <p:tgtEl>
-                                          <p:spTgt spid="79">
+                                          <p:spTgt spid="85">
                                             <p:txEl>
                                               <p:pRg st="2" end="2"/>
                                             </p:txEl>
@@ -14670,7 +15596,7 @@
                                       <p:cBhvr additive="repl">
                                         <p:cTn id="177" dur="500" fill="hold"/>
                                         <p:tgtEl>
-                                          <p:spTgt spid="79">
+                                          <p:spTgt spid="85">
                                             <p:txEl>
                                               <p:pRg st="2" end="2"/>
                                             </p:txEl>
@@ -14697,7 +15623,7 @@
                                       <p:cBhvr additive="repl">
                                         <p:cTn id="178" dur="500" fill="hold"/>
                                         <p:tgtEl>
-                                          <p:spTgt spid="79">
+                                          <p:spTgt spid="85">
                                             <p:txEl>
                                               <p:pRg st="2" end="2"/>
                                             </p:txEl>
@@ -14755,7 +15681,7 @@
                                           </p:stCondLst>
                                         </p:cTn>
                                         <p:tgtEl>
-                                          <p:spTgt spid="79">
+                                          <p:spTgt spid="85">
                                             <p:txEl>
                                               <p:pRg st="3" end="3"/>
                                             </p:txEl>
@@ -14773,7 +15699,7 @@
                                       <p:cBhvr additive="repl">
                                         <p:cTn id="183" dur="500" fill="hold"/>
                                         <p:tgtEl>
-                                          <p:spTgt spid="79">
+                                          <p:spTgt spid="85">
                                             <p:txEl>
                                               <p:pRg st="3" end="3"/>
                                             </p:txEl>
@@ -14800,7 +15726,7 @@
                                       <p:cBhvr additive="repl">
                                         <p:cTn id="184" dur="500" fill="hold"/>
                                         <p:tgtEl>
-                                          <p:spTgt spid="79">
+                                          <p:spTgt spid="85">
                                             <p:txEl>
                                               <p:pRg st="3" end="3"/>
                                             </p:txEl>
@@ -14858,7 +15784,7 @@
                                           </p:stCondLst>
                                         </p:cTn>
                                         <p:tgtEl>
-                                          <p:spTgt spid="79">
+                                          <p:spTgt spid="85">
                                             <p:txEl>
                                               <p:pRg st="4" end="4"/>
                                             </p:txEl>
@@ -14876,7 +15802,7 @@
                                       <p:cBhvr additive="repl">
                                         <p:cTn id="189" dur="500" fill="hold"/>
                                         <p:tgtEl>
-                                          <p:spTgt spid="79">
+                                          <p:spTgt spid="85">
                                             <p:txEl>
                                               <p:pRg st="4" end="4"/>
                                             </p:txEl>
@@ -14903,7 +15829,7 @@
                                       <p:cBhvr additive="repl">
                                         <p:cTn id="190" dur="500" fill="hold"/>
                                         <p:tgtEl>
-                                          <p:spTgt spid="79">
+                                          <p:spTgt spid="85">
                                             <p:txEl>
                                               <p:pRg st="4" end="4"/>
                                             </p:txEl>
@@ -14979,7 +15905,7 @@
       </p:grpSpPr>
       <p:sp>
         <p:nvSpPr>
-          <p:cNvPr id="80" name="PlaceHolder 1"/>
+          <p:cNvPr id="86" name="PlaceHolder 1"/>
           <p:cNvSpPr>
             <a:spLocks noGrp="1"/>
           </p:cNvSpPr>
@@ -14989,8 +15915,8 @@
         </p:nvSpPr>
         <p:spPr>
           <a:xfrm>
-            <a:off x="1307160" y="1549080"/>
-            <a:ext cx="10402560" cy="826560"/>
+            <a:off x="1306800" y="1549080"/>
+            <a:ext cx="10399320" cy="826200"/>
           </a:xfrm>
           <a:prstGeom prst="rect">
             <a:avLst/>
@@ -15038,7 +15964,7 @@
       </p:sp>
       <p:sp>
         <p:nvSpPr>
-          <p:cNvPr id="81" name="PlaceHolder 2"/>
+          <p:cNvPr id="87" name="PlaceHolder 2"/>
           <p:cNvSpPr>
             <a:spLocks noGrp="1"/>
           </p:cNvSpPr>
@@ -15048,8 +15974,8 @@
         </p:nvSpPr>
         <p:spPr>
           <a:xfrm>
-            <a:off x="1307160" y="2629080"/>
-            <a:ext cx="10402560" cy="3100680"/>
+            <a:off x="1306800" y="2629080"/>
+            <a:ext cx="10399320" cy="3100320"/>
           </a:xfrm>
           <a:prstGeom prst="rect">
             <a:avLst/>
@@ -15087,7 +16013,7 @@
                 <a:latin typeface="Arial"/>
                 <a:ea typeface="DejaVu Sans"/>
               </a:rPr>
-              <a:t>Increase the expression of adh4 by replacment of the native promoter with a stronger one</a:t>
+              <a:t>Increase the expression of Adh4 by replacment of the native promoter with a stronger one</a:t>
             </a:r>
             <a:endParaRPr b="0" lang="de-AT" sz="2000" strike="noStrike" u="none">
               <a:solidFill>
@@ -15184,7 +16110,7 @@
         <p:txBody>
           <a:bodyPr/>
           <a:p>
-            <a:fld id="{38752EF6-9C7F-4407-A5C6-F07A59DB181B}" type="slidenum">
+            <a:fld id="{0BF4A78B-7698-447D-B424-899672678197}" type="slidenum">
               <a:t>7</a:t>
             </a:fld>
           </a:p>
@@ -15222,7 +16148,7 @@
       </p:grpSpPr>
       <p:sp>
         <p:nvSpPr>
-          <p:cNvPr id="82" name="PlaceHolder 1"/>
+          <p:cNvPr id="88" name="PlaceHolder 1"/>
           <p:cNvSpPr>
             <a:spLocks noGrp="1"/>
           </p:cNvSpPr>
@@ -15232,8 +16158,8 @@
         </p:nvSpPr>
         <p:spPr>
           <a:xfrm>
-            <a:off x="1307160" y="1549080"/>
-            <a:ext cx="10402560" cy="826560"/>
+            <a:off x="1306800" y="1549080"/>
+            <a:ext cx="10399320" cy="826200"/>
           </a:xfrm>
           <a:prstGeom prst="rect">
             <a:avLst/>
@@ -15281,7 +16207,7 @@
       </p:sp>
       <p:sp>
         <p:nvSpPr>
-          <p:cNvPr id="83" name="PlaceHolder 2"/>
+          <p:cNvPr id="89" name="PlaceHolder 2"/>
           <p:cNvSpPr>
             <a:spLocks noGrp="1"/>
           </p:cNvSpPr>
@@ -15291,8 +16217,8 @@
         </p:nvSpPr>
         <p:spPr>
           <a:xfrm>
-            <a:off x="1307160" y="2629080"/>
-            <a:ext cx="10402560" cy="3298320"/>
+            <a:off x="1306800" y="2629080"/>
+            <a:ext cx="10399320" cy="3297960"/>
           </a:xfrm>
           <a:prstGeom prst="rect">
             <a:avLst/>
@@ -15624,7 +16550,7 @@
         <p:txBody>
           <a:bodyPr/>
           <a:p>
-            <a:fld id="{83BF6615-1B8C-4938-A7D8-EEF3F33444EE}" type="slidenum">
+            <a:fld id="{88557A7A-CD6E-4766-978A-6CB871236DF0}" type="slidenum">
               <a:t>8</a:t>
             </a:fld>
           </a:p>
@@ -15674,7 +16600,7 @@
                                           </p:stCondLst>
                                         </p:cTn>
                                         <p:tgtEl>
-                                          <p:spTgt spid="83">
+                                          <p:spTgt spid="89">
                                             <p:txEl>
                                               <p:pRg st="0" end="0"/>
                                             </p:txEl>
@@ -15692,7 +16618,7 @@
                                       <p:cBhvr additive="repl">
                                         <p:cTn id="197" dur="500" fill="hold"/>
                                         <p:tgtEl>
-                                          <p:spTgt spid="83">
+                                          <p:spTgt spid="89">
                                             <p:txEl>
                                               <p:pRg st="0" end="0"/>
                                             </p:txEl>
@@ -15719,7 +16645,7 @@
                                       <p:cBhvr additive="repl">
                                         <p:cTn id="198" dur="500" fill="hold"/>
                                         <p:tgtEl>
-                                          <p:spTgt spid="83">
+                                          <p:spTgt spid="89">
                                             <p:txEl>
                                               <p:pRg st="0" end="0"/>
                                             </p:txEl>
@@ -15777,7 +16703,7 @@
                                           </p:stCondLst>
                                         </p:cTn>
                                         <p:tgtEl>
-                                          <p:spTgt spid="83">
+                                          <p:spTgt spid="89">
                                             <p:txEl>
                                               <p:pRg st="1" end="1"/>
                                             </p:txEl>
@@ -15795,7 +16721,7 @@
                                       <p:cBhvr additive="repl">
                                         <p:cTn id="203" dur="500" fill="hold"/>
                                         <p:tgtEl>
-                                          <p:spTgt spid="83">
+                                          <p:spTgt spid="89">
                                             <p:txEl>
                                               <p:pRg st="1" end="1"/>
                                             </p:txEl>
@@ -15822,7 +16748,7 @@
                                       <p:cBhvr additive="repl">
                                         <p:cTn id="204" dur="500" fill="hold"/>
                                         <p:tgtEl>
-                                          <p:spTgt spid="83">
+                                          <p:spTgt spid="89">
                                             <p:txEl>
                                               <p:pRg st="1" end="1"/>
                                             </p:txEl>
@@ -15880,7 +16806,7 @@
                                           </p:stCondLst>
                                         </p:cTn>
                                         <p:tgtEl>
-                                          <p:spTgt spid="83">
+                                          <p:spTgt spid="89">
                                             <p:txEl>
                                               <p:pRg st="2" end="2"/>
                                             </p:txEl>
@@ -15898,7 +16824,7 @@
                                       <p:cBhvr additive="repl">
                                         <p:cTn id="209" dur="500" fill="hold"/>
                                         <p:tgtEl>
-                                          <p:spTgt spid="83">
+                                          <p:spTgt spid="89">
                                             <p:txEl>
                                               <p:pRg st="2" end="2"/>
                                             </p:txEl>
@@ -15925,7 +16851,7 @@
                                       <p:cBhvr additive="repl">
                                         <p:cTn id="210" dur="500" fill="hold"/>
                                         <p:tgtEl>
-                                          <p:spTgt spid="83">
+                                          <p:spTgt spid="89">
                                             <p:txEl>
                                               <p:pRg st="2" end="2"/>
                                             </p:txEl>
@@ -15983,7 +16909,7 @@
                                           </p:stCondLst>
                                         </p:cTn>
                                         <p:tgtEl>
-                                          <p:spTgt spid="83">
+                                          <p:spTgt spid="89">
                                             <p:txEl>
                                               <p:pRg st="3" end="3"/>
                                             </p:txEl>
@@ -16001,7 +16927,7 @@
                                       <p:cBhvr additive="repl">
                                         <p:cTn id="215" dur="500" fill="hold"/>
                                         <p:tgtEl>
-                                          <p:spTgt spid="83">
+                                          <p:spTgt spid="89">
                                             <p:txEl>
                                               <p:pRg st="3" end="3"/>
                                             </p:txEl>
@@ -16028,7 +16954,7 @@
                                       <p:cBhvr additive="repl">
                                         <p:cTn id="216" dur="500" fill="hold"/>
                                         <p:tgtEl>
-                                          <p:spTgt spid="83">
+                                          <p:spTgt spid="89">
                                             <p:txEl>
                                               <p:pRg st="3" end="3"/>
                                             </p:txEl>
@@ -16086,7 +17012,7 @@
                                           </p:stCondLst>
                                         </p:cTn>
                                         <p:tgtEl>
-                                          <p:spTgt spid="83">
+                                          <p:spTgt spid="89">
                                             <p:txEl>
                                               <p:pRg st="4" end="4"/>
                                             </p:txEl>
@@ -16104,7 +17030,7 @@
                                       <p:cBhvr additive="repl">
                                         <p:cTn id="221" dur="500" fill="hold"/>
                                         <p:tgtEl>
-                                          <p:spTgt spid="83">
+                                          <p:spTgt spid="89">
                                             <p:txEl>
                                               <p:pRg st="4" end="4"/>
                                             </p:txEl>
@@ -16131,7 +17057,7 @@
                                       <p:cBhvr additive="repl">
                                         <p:cTn id="222" dur="500" fill="hold"/>
                                         <p:tgtEl>
-                                          <p:spTgt spid="83">
+                                          <p:spTgt spid="89">
                                             <p:txEl>
                                               <p:pRg st="4" end="4"/>
                                             </p:txEl>
@@ -16189,7 +17115,7 @@
                                           </p:stCondLst>
                                         </p:cTn>
                                         <p:tgtEl>
-                                          <p:spTgt spid="83">
+                                          <p:spTgt spid="89">
                                             <p:txEl>
                                               <p:pRg st="5" end="5"/>
                                             </p:txEl>
@@ -16207,7 +17133,7 @@
                                       <p:cBhvr additive="repl">
                                         <p:cTn id="227" dur="500" fill="hold"/>
                                         <p:tgtEl>
-                                          <p:spTgt spid="83">
+                                          <p:spTgt spid="89">
                                             <p:txEl>
                                               <p:pRg st="5" end="5"/>
                                             </p:txEl>
@@ -16234,7 +17160,7 @@
                                       <p:cBhvr additive="repl">
                                         <p:cTn id="228" dur="500" fill="hold"/>
                                         <p:tgtEl>
-                                          <p:spTgt spid="83">
+                                          <p:spTgt spid="89">
                                             <p:txEl>
                                               <p:pRg st="5" end="5"/>
                                             </p:txEl>
@@ -16292,7 +17218,7 @@
                                           </p:stCondLst>
                                         </p:cTn>
                                         <p:tgtEl>
-                                          <p:spTgt spid="83">
+                                          <p:spTgt spid="89">
                                             <p:txEl>
                                               <p:pRg st="6" end="6"/>
                                             </p:txEl>
@@ -16310,7 +17236,7 @@
                                       <p:cBhvr additive="repl">
                                         <p:cTn id="233" dur="500" fill="hold"/>
                                         <p:tgtEl>
-                                          <p:spTgt spid="83">
+                                          <p:spTgt spid="89">
                                             <p:txEl>
                                               <p:pRg st="6" end="6"/>
                                             </p:txEl>
@@ -16337,7 +17263,7 @@
                                       <p:cBhvr additive="repl">
                                         <p:cTn id="234" dur="500" fill="hold"/>
                                         <p:tgtEl>
-                                          <p:spTgt spid="83">
+                                          <p:spTgt spid="89">
                                             <p:txEl>
                                               <p:pRg st="6" end="6"/>
                                             </p:txEl>
@@ -16395,7 +17321,7 @@
                                           </p:stCondLst>
                                         </p:cTn>
                                         <p:tgtEl>
-                                          <p:spTgt spid="83">
+                                          <p:spTgt spid="89">
                                             <p:txEl>
                                               <p:pRg st="7" end="7"/>
                                             </p:txEl>
@@ -16413,7 +17339,7 @@
                                       <p:cBhvr additive="repl">
                                         <p:cTn id="239" dur="500" fill="hold"/>
                                         <p:tgtEl>
-                                          <p:spTgt spid="83">
+                                          <p:spTgt spid="89">
                                             <p:txEl>
                                               <p:pRg st="7" end="7"/>
                                             </p:txEl>
@@ -16440,7 +17366,7 @@
                                       <p:cBhvr additive="repl">
                                         <p:cTn id="240" dur="500" fill="hold"/>
                                         <p:tgtEl>
-                                          <p:spTgt spid="83">
+                                          <p:spTgt spid="89">
                                             <p:txEl>
                                               <p:pRg st="7" end="7"/>
                                             </p:txEl>
@@ -16516,7 +17442,7 @@
       </p:grpSpPr>
       <p:sp>
         <p:nvSpPr>
-          <p:cNvPr id="84" name="PlaceHolder 1"/>
+          <p:cNvPr id="90" name="PlaceHolder 1"/>
           <p:cNvSpPr>
             <a:spLocks noGrp="1"/>
           </p:cNvSpPr>
@@ -16526,8 +17452,8 @@
         </p:nvSpPr>
         <p:spPr>
           <a:xfrm>
-            <a:off x="1307160" y="1549080"/>
-            <a:ext cx="10402560" cy="826560"/>
+            <a:off x="1306800" y="1549080"/>
+            <a:ext cx="10399320" cy="826200"/>
           </a:xfrm>
           <a:prstGeom prst="rect">
             <a:avLst/>
@@ -16581,7 +17507,7 @@
       </p:sp>
       <p:pic>
         <p:nvPicPr>
-          <p:cNvPr id="85" name="" descr=""/>
+          <p:cNvPr id="91" name="" descr=""/>
           <p:cNvPicPr/>
           <p:nvPr/>
         </p:nvPicPr>
@@ -16591,152 +17517,8 @@
         </p:blipFill>
         <p:spPr>
           <a:xfrm>
-            <a:off x="1307160" y="2661480"/>
-            <a:ext cx="869400" cy="1000800"/>
-          </a:xfrm>
-          <a:prstGeom prst="rect">
-            <a:avLst/>
-          </a:prstGeom>
-          <a:noFill/>
-          <a:ln w="0">
-            <a:noFill/>
-          </a:ln>
-        </p:spPr>
-      </p:pic>
-      <p:pic>
-        <p:nvPicPr>
-          <p:cNvPr id="86" name="" descr=""/>
-          <p:cNvPicPr/>
-          <p:nvPr/>
-        </p:nvPicPr>
-        <p:blipFill>
-          <a:blip r:embed="rId2"/>
-          <a:stretch/>
-        </p:blipFill>
-        <p:spPr>
-          <a:xfrm>
-            <a:off x="2368440" y="3062160"/>
-            <a:ext cx="358200" cy="182520"/>
-          </a:xfrm>
-          <a:prstGeom prst="rect">
-            <a:avLst/>
-          </a:prstGeom>
-          <a:noFill/>
-          <a:ln w="0">
-            <a:noFill/>
-          </a:ln>
-        </p:spPr>
-      </p:pic>
-      <p:pic>
-        <p:nvPicPr>
-          <p:cNvPr id="87" name="" descr=""/>
-          <p:cNvPicPr/>
-          <p:nvPr/>
-        </p:nvPicPr>
-        <p:blipFill>
-          <a:blip r:embed="rId3"/>
-          <a:stretch/>
-        </p:blipFill>
-        <p:spPr>
-          <a:xfrm>
-            <a:off x="2838600" y="2661480"/>
-            <a:ext cx="1067400" cy="1003320"/>
-          </a:xfrm>
-          <a:prstGeom prst="rect">
-            <a:avLst/>
-          </a:prstGeom>
-          <a:noFill/>
-          <a:ln w="0">
-            <a:noFill/>
-          </a:ln>
-        </p:spPr>
-      </p:pic>
-      <p:pic>
-        <p:nvPicPr>
-          <p:cNvPr id="88" name="" descr=""/>
-          <p:cNvPicPr/>
-          <p:nvPr/>
-        </p:nvPicPr>
-        <p:blipFill>
-          <a:blip r:embed="rId4"/>
-          <a:stretch/>
-        </p:blipFill>
-        <p:spPr>
-          <a:xfrm>
-            <a:off x="4060440" y="3062160"/>
-            <a:ext cx="358200" cy="182520"/>
-          </a:xfrm>
-          <a:prstGeom prst="rect">
-            <a:avLst/>
-          </a:prstGeom>
-          <a:noFill/>
-          <a:ln w="0">
-            <a:noFill/>
-          </a:ln>
-        </p:spPr>
-      </p:pic>
-      <p:pic>
-        <p:nvPicPr>
-          <p:cNvPr id="89" name="" descr=""/>
-          <p:cNvPicPr/>
-          <p:nvPr/>
-        </p:nvPicPr>
-        <p:blipFill>
-          <a:blip r:embed="rId5"/>
-          <a:stretch/>
-        </p:blipFill>
-        <p:spPr>
-          <a:xfrm>
-            <a:off x="4532760" y="2661480"/>
-            <a:ext cx="911880" cy="1003320"/>
-          </a:xfrm>
-          <a:prstGeom prst="rect">
-            <a:avLst/>
-          </a:prstGeom>
-          <a:noFill/>
-          <a:ln w="0">
-            <a:noFill/>
-          </a:ln>
-        </p:spPr>
-      </p:pic>
-      <p:pic>
-        <p:nvPicPr>
-          <p:cNvPr id="90" name="" descr=""/>
-          <p:cNvPicPr/>
-          <p:nvPr/>
-        </p:nvPicPr>
-        <p:blipFill>
-          <a:blip r:embed="rId6"/>
-          <a:stretch/>
-        </p:blipFill>
-        <p:spPr>
-          <a:xfrm>
-            <a:off x="5536440" y="3062160"/>
-            <a:ext cx="358200" cy="182520"/>
-          </a:xfrm>
-          <a:prstGeom prst="rect">
-            <a:avLst/>
-          </a:prstGeom>
-          <a:noFill/>
-          <a:ln w="0">
-            <a:noFill/>
-          </a:ln>
-        </p:spPr>
-      </p:pic>
-      <p:pic>
-        <p:nvPicPr>
-          <p:cNvPr id="91" name="" descr=""/>
-          <p:cNvPicPr/>
-          <p:nvPr/>
-        </p:nvPicPr>
-        <p:blipFill>
-          <a:blip r:embed="rId7"/>
-          <a:stretch/>
-        </p:blipFill>
-        <p:spPr>
-          <a:xfrm>
-            <a:off x="6014520" y="2659680"/>
-            <a:ext cx="811440" cy="1003320"/>
+            <a:off x="1306800" y="2661480"/>
+            <a:ext cx="868680" cy="1000440"/>
           </a:xfrm>
           <a:prstGeom prst="rect">
             <a:avLst/>
@@ -16754,13 +17536,13 @@
           <p:nvPr/>
         </p:nvPicPr>
         <p:blipFill>
-          <a:blip r:embed="rId8"/>
+          <a:blip r:embed="rId2"/>
           <a:stretch/>
         </p:blipFill>
         <p:spPr>
           <a:xfrm>
-            <a:off x="7366320" y="2661480"/>
-            <a:ext cx="857160" cy="1003320"/>
+            <a:off x="2367720" y="3062160"/>
+            <a:ext cx="357840" cy="182160"/>
           </a:xfrm>
           <a:prstGeom prst="rect">
             <a:avLst/>
@@ -16778,13 +17560,13 @@
           <p:nvPr/>
         </p:nvPicPr>
         <p:blipFill>
-          <a:blip r:embed="rId9"/>
+          <a:blip r:embed="rId3"/>
           <a:stretch/>
         </p:blipFill>
         <p:spPr>
           <a:xfrm>
-            <a:off x="6940440" y="3062160"/>
-            <a:ext cx="358200" cy="182520"/>
+            <a:off x="2837520" y="2661480"/>
+            <a:ext cx="1066680" cy="1002960"/>
           </a:xfrm>
           <a:prstGeom prst="rect">
             <a:avLst/>
@@ -16802,13 +17584,13 @@
           <p:nvPr/>
         </p:nvPicPr>
         <p:blipFill>
-          <a:blip r:embed="rId10"/>
+          <a:blip r:embed="rId4"/>
           <a:stretch/>
         </p:blipFill>
         <p:spPr>
           <a:xfrm>
-            <a:off x="8778960" y="2661480"/>
-            <a:ext cx="884520" cy="1003320"/>
+            <a:off x="4059360" y="3062160"/>
+            <a:ext cx="357840" cy="182160"/>
           </a:xfrm>
           <a:prstGeom prst="rect">
             <a:avLst/>
@@ -16826,13 +17608,13 @@
           <p:nvPr/>
         </p:nvPicPr>
         <p:blipFill>
-          <a:blip r:embed="rId11"/>
+          <a:blip r:embed="rId5"/>
           <a:stretch/>
         </p:blipFill>
         <p:spPr>
           <a:xfrm>
-            <a:off x="8308440" y="3062160"/>
-            <a:ext cx="358200" cy="182520"/>
+            <a:off x="4531320" y="2661480"/>
+            <a:ext cx="911160" cy="1002960"/>
           </a:xfrm>
           <a:prstGeom prst="rect">
             <a:avLst/>
@@ -16850,13 +17632,13 @@
           <p:nvPr/>
         </p:nvPicPr>
         <p:blipFill>
-          <a:blip r:embed="rId12"/>
+          <a:blip r:embed="rId6"/>
           <a:stretch/>
         </p:blipFill>
         <p:spPr>
           <a:xfrm>
-            <a:off x="9154800" y="3776760"/>
-            <a:ext cx="180360" cy="354240"/>
+            <a:off x="5534640" y="3062160"/>
+            <a:ext cx="357840" cy="182160"/>
           </a:xfrm>
           <a:prstGeom prst="rect">
             <a:avLst/>
@@ -16874,13 +17656,13 @@
           <p:nvPr/>
         </p:nvPicPr>
         <p:blipFill>
-          <a:blip r:embed="rId13"/>
+          <a:blip r:embed="rId7"/>
           <a:stretch/>
         </p:blipFill>
         <p:spPr>
           <a:xfrm>
-            <a:off x="8888760" y="4240080"/>
-            <a:ext cx="802080" cy="1003320"/>
+            <a:off x="6012720" y="2659680"/>
+            <a:ext cx="810720" cy="1002960"/>
           </a:xfrm>
           <a:prstGeom prst="rect">
             <a:avLst/>
@@ -16898,13 +17680,13 @@
           <p:nvPr/>
         </p:nvPicPr>
         <p:blipFill>
-          <a:blip r:embed="rId14"/>
+          <a:blip r:embed="rId8"/>
           <a:stretch/>
         </p:blipFill>
         <p:spPr>
           <a:xfrm>
-            <a:off x="7365960" y="4243320"/>
-            <a:ext cx="911880" cy="1003320"/>
+            <a:off x="7364160" y="2661480"/>
+            <a:ext cx="856440" cy="1002960"/>
           </a:xfrm>
           <a:prstGeom prst="rect">
             <a:avLst/>
@@ -16922,13 +17704,13 @@
           <p:nvPr/>
         </p:nvPicPr>
         <p:blipFill>
-          <a:blip r:embed="rId15"/>
+          <a:blip r:embed="rId9"/>
           <a:stretch/>
         </p:blipFill>
         <p:spPr>
           <a:xfrm>
-            <a:off x="8322480" y="4649760"/>
-            <a:ext cx="354240" cy="180360"/>
+            <a:off x="6938280" y="3062160"/>
+            <a:ext cx="357840" cy="182160"/>
           </a:xfrm>
           <a:prstGeom prst="rect">
             <a:avLst/>
@@ -16946,13 +17728,13 @@
           <p:nvPr/>
         </p:nvPicPr>
         <p:blipFill>
-          <a:blip r:embed="rId16"/>
+          <a:blip r:embed="rId10"/>
           <a:stretch/>
         </p:blipFill>
         <p:spPr>
           <a:xfrm>
-            <a:off x="6846840" y="4649760"/>
-            <a:ext cx="354240" cy="180360"/>
+            <a:off x="8776440" y="2661480"/>
+            <a:ext cx="883800" cy="1002960"/>
           </a:xfrm>
           <a:prstGeom prst="rect">
             <a:avLst/>
@@ -16970,13 +17752,109 @@
           <p:nvPr/>
         </p:nvPicPr>
         <p:blipFill>
-          <a:blip r:embed="rId17"/>
+          <a:blip r:embed="rId11"/>
           <a:stretch/>
         </p:blipFill>
         <p:spPr>
           <a:xfrm>
-            <a:off x="6042960" y="4243320"/>
-            <a:ext cx="664920" cy="1003320"/>
+            <a:off x="8305920" y="3062160"/>
+            <a:ext cx="357840" cy="182160"/>
+          </a:xfrm>
+          <a:prstGeom prst="rect">
+            <a:avLst/>
+          </a:prstGeom>
+          <a:noFill/>
+          <a:ln w="0">
+            <a:noFill/>
+          </a:ln>
+        </p:spPr>
+      </p:pic>
+      <p:pic>
+        <p:nvPicPr>
+          <p:cNvPr id="102" name="" descr=""/>
+          <p:cNvPicPr/>
+          <p:nvPr/>
+        </p:nvPicPr>
+        <p:blipFill>
+          <a:blip r:embed="rId12"/>
+          <a:stretch/>
+        </p:blipFill>
+        <p:spPr>
+          <a:xfrm>
+            <a:off x="9152280" y="3776760"/>
+            <a:ext cx="180000" cy="353880"/>
+          </a:xfrm>
+          <a:prstGeom prst="rect">
+            <a:avLst/>
+          </a:prstGeom>
+          <a:noFill/>
+          <a:ln w="0">
+            <a:noFill/>
+          </a:ln>
+        </p:spPr>
+      </p:pic>
+      <p:pic>
+        <p:nvPicPr>
+          <p:cNvPr id="103" name="" descr=""/>
+          <p:cNvPicPr/>
+          <p:nvPr/>
+        </p:nvPicPr>
+        <p:blipFill>
+          <a:blip r:embed="rId13"/>
+          <a:stretch/>
+        </p:blipFill>
+        <p:spPr>
+          <a:xfrm>
+            <a:off x="8983800" y="4243320"/>
+            <a:ext cx="911160" cy="1002960"/>
+          </a:xfrm>
+          <a:prstGeom prst="rect">
+            <a:avLst/>
+          </a:prstGeom>
+          <a:noFill/>
+          <a:ln w="0">
+            <a:noFill/>
+          </a:ln>
+        </p:spPr>
+      </p:pic>
+      <p:pic>
+        <p:nvPicPr>
+          <p:cNvPr id="104" name="" descr=""/>
+          <p:cNvPicPr/>
+          <p:nvPr/>
+        </p:nvPicPr>
+        <p:blipFill>
+          <a:blip r:embed="rId14"/>
+          <a:stretch/>
+        </p:blipFill>
+        <p:spPr>
+          <a:xfrm>
+            <a:off x="8464680" y="4649760"/>
+            <a:ext cx="353880" cy="180000"/>
+          </a:xfrm>
+          <a:prstGeom prst="rect">
+            <a:avLst/>
+          </a:prstGeom>
+          <a:noFill/>
+          <a:ln w="0">
+            <a:noFill/>
+          </a:ln>
+        </p:spPr>
+      </p:pic>
+      <p:pic>
+        <p:nvPicPr>
+          <p:cNvPr id="105" name="" descr=""/>
+          <p:cNvPicPr/>
+          <p:nvPr/>
+        </p:nvPicPr>
+        <p:blipFill>
+          <a:blip r:embed="rId15"/>
+          <a:stretch/>
+        </p:blipFill>
+        <p:spPr>
+          <a:xfrm>
+            <a:off x="7661160" y="4243320"/>
+            <a:ext cx="664560" cy="1002960"/>
           </a:xfrm>
           <a:prstGeom prst="rect">
             <a:avLst/>
@@ -16989,14 +17867,14 @@
       </p:pic>
       <p:sp>
         <p:nvSpPr>
-          <p:cNvPr id="102" name="Textplatzhalter 1"/>
+          <p:cNvPr id="106" name="Textplatzhalter 1"/>
           <p:cNvSpPr/>
           <p:nvPr/>
         </p:nvSpPr>
         <p:spPr>
           <a:xfrm>
-            <a:off x="10998360" y="6087240"/>
-            <a:ext cx="1134720" cy="24480"/>
+            <a:off x="10995120" y="6087240"/>
+            <a:ext cx="1134000" cy="24120"/>
           </a:xfrm>
           <a:prstGeom prst="rect">
             <a:avLst/>
@@ -17074,7 +17952,7 @@
         <p:txBody>
           <a:bodyPr/>
           <a:p>
-            <a:fld id="{8497565B-21F2-438E-BE4F-09C7EA5452FB}" type="slidenum">
+            <a:fld id="{208F747B-AC3B-4761-A95D-3262CC58FDA3}" type="slidenum">
               <a:t>9</a:t>
             </a:fld>
           </a:p>
@@ -17124,7 +18002,7 @@
                                           </p:stCondLst>
                                         </p:cTn>
                                         <p:tgtEl>
-                                          <p:spTgt spid="85"/>
+                                          <p:spTgt spid="91"/>
                                         </p:tgtEl>
                                         <p:attrNameLst>
                                           <p:attrName>style.visibility</p:attrName>
@@ -17138,7 +18016,7 @@
                                       <p:cBhvr additive="repl">
                                         <p:cTn id="247" dur="500" fill="hold"/>
                                         <p:tgtEl>
-                                          <p:spTgt spid="85"/>
+                                          <p:spTgt spid="91"/>
                                         </p:tgtEl>
                                         <p:attrNameLst>
                                           <p:attrName>ppt_x</p:attrName>
@@ -17161,7 +18039,7 @@
                                       <p:cBhvr additive="repl">
                                         <p:cTn id="248" dur="500" fill="hold"/>
                                         <p:tgtEl>
-                                          <p:spTgt spid="85"/>
+                                          <p:spTgt spid="91"/>
                                         </p:tgtEl>
                                         <p:attrNameLst>
                                           <p:attrName>ppt_y</p:attrName>
@@ -17215,7 +18093,7 @@
                                           </p:stCondLst>
                                         </p:cTn>
                                         <p:tgtEl>
-                                          <p:spTgt spid="86"/>
+                                          <p:spTgt spid="92"/>
                                         </p:tgtEl>
                                         <p:attrNameLst>
                                           <p:attrName>style.visibility</p:attrName>
@@ -17229,7 +18107,7 @@
                                       <p:cBhvr additive="repl">
                                         <p:cTn id="253" dur="500" fill="hold"/>
                                         <p:tgtEl>
-                                          <p:spTgt spid="86"/>
+                                          <p:spTgt spid="92"/>
                                         </p:tgtEl>
                                         <p:attrNameLst>
                                           <p:attrName>ppt_x</p:attrName>
@@ -17252,7 +18130,7 @@
                                       <p:cBhvr additive="repl">
                                         <p:cTn id="254" dur="500" fill="hold"/>
                                         <p:tgtEl>
-                                          <p:spTgt spid="86"/>
+                                          <p:spTgt spid="92"/>
                                         </p:tgtEl>
                                         <p:attrNameLst>
                                           <p:attrName>ppt_y</p:attrName>
@@ -17288,7 +18166,7 @@
                                           </p:stCondLst>
                                         </p:cTn>
                                         <p:tgtEl>
-                                          <p:spTgt spid="87"/>
+                                          <p:spTgt spid="93"/>
                                         </p:tgtEl>
                                         <p:attrNameLst>
                                           <p:attrName>style.visibility</p:attrName>
@@ -17302,7 +18180,7 @@
                                       <p:cBhvr additive="repl">
                                         <p:cTn id="257" dur="500" fill="hold"/>
                                         <p:tgtEl>
-                                          <p:spTgt spid="87"/>
+                                          <p:spTgt spid="93"/>
                                         </p:tgtEl>
                                         <p:attrNameLst>
                                           <p:attrName>ppt_x</p:attrName>
@@ -17325,7 +18203,7 @@
                                       <p:cBhvr additive="repl">
                                         <p:cTn id="258" dur="500" fill="hold"/>
                                         <p:tgtEl>
-                                          <p:spTgt spid="87"/>
+                                          <p:spTgt spid="93"/>
                                         </p:tgtEl>
                                         <p:attrNameLst>
                                           <p:attrName>ppt_y</p:attrName>
@@ -17379,7 +18257,7 @@
                                           </p:stCondLst>
                                         </p:cTn>
                                         <p:tgtEl>
-                                          <p:spTgt spid="88"/>
+                                          <p:spTgt spid="94"/>
                                         </p:tgtEl>
                                         <p:attrNameLst>
                                           <p:attrName>style.visibility</p:attrName>
@@ -17393,7 +18271,7 @@
                                       <p:cBhvr additive="repl">
                                         <p:cTn id="263" dur="500" fill="hold"/>
                                         <p:tgtEl>
-                                          <p:spTgt spid="88"/>
+                                          <p:spTgt spid="94"/>
                                         </p:tgtEl>
                                         <p:attrNameLst>
                                           <p:attrName>ppt_x</p:attrName>
@@ -17416,7 +18294,7 @@
                                       <p:cBhvr additive="repl">
                                         <p:cTn id="264" dur="500" fill="hold"/>
                                         <p:tgtEl>
-                                          <p:spTgt spid="88"/>
+                                          <p:spTgt spid="94"/>
                                         </p:tgtEl>
                                         <p:attrNameLst>
                                           <p:attrName>ppt_y</p:attrName>
@@ -17452,7 +18330,7 @@
                                           </p:stCondLst>
                                         </p:cTn>
                                         <p:tgtEl>
-                                          <p:spTgt spid="89"/>
+                                          <p:spTgt spid="95"/>
                                         </p:tgtEl>
                                         <p:attrNameLst>
                                           <p:attrName>style.visibility</p:attrName>
@@ -17466,7 +18344,7 @@
                                       <p:cBhvr additive="repl">
                                         <p:cTn id="267" dur="500" fill="hold"/>
                                         <p:tgtEl>
-                                          <p:spTgt spid="89"/>
+                                          <p:spTgt spid="95"/>
                                         </p:tgtEl>
                                         <p:attrNameLst>
                                           <p:attrName>ppt_x</p:attrName>
@@ -17489,7 +18367,7 @@
                                       <p:cBhvr additive="repl">
                                         <p:cTn id="268" dur="500" fill="hold"/>
                                         <p:tgtEl>
-                                          <p:spTgt spid="89"/>
+                                          <p:spTgt spid="95"/>
                                         </p:tgtEl>
                                         <p:attrNameLst>
                                           <p:attrName>ppt_y</p:attrName>
@@ -17543,7 +18421,7 @@
                                           </p:stCondLst>
                                         </p:cTn>
                                         <p:tgtEl>
-                                          <p:spTgt spid="90"/>
+                                          <p:spTgt spid="96"/>
                                         </p:tgtEl>
                                         <p:attrNameLst>
                                           <p:attrName>style.visibility</p:attrName>
@@ -17557,7 +18435,7 @@
                                       <p:cBhvr additive="repl">
                                         <p:cTn id="273" dur="500" fill="hold"/>
                                         <p:tgtEl>
-                                          <p:spTgt spid="90"/>
+                                          <p:spTgt spid="96"/>
                                         </p:tgtEl>
                                         <p:attrNameLst>
                                           <p:attrName>ppt_x</p:attrName>
@@ -17580,7 +18458,7 @@
                                       <p:cBhvr additive="repl">
                                         <p:cTn id="274" dur="500" fill="hold"/>
                                         <p:tgtEl>
-                                          <p:spTgt spid="90"/>
+                                          <p:spTgt spid="96"/>
                                         </p:tgtEl>
                                         <p:attrNameLst>
                                           <p:attrName>ppt_y</p:attrName>
@@ -17616,7 +18494,7 @@
                                           </p:stCondLst>
                                         </p:cTn>
                                         <p:tgtEl>
-                                          <p:spTgt spid="91"/>
+                                          <p:spTgt spid="97"/>
                                         </p:tgtEl>
                                         <p:attrNameLst>
                                           <p:attrName>style.visibility</p:attrName>
@@ -17630,7 +18508,7 @@
                                       <p:cBhvr additive="repl">
                                         <p:cTn id="277" dur="500" fill="hold"/>
                                         <p:tgtEl>
-                                          <p:spTgt spid="91"/>
+                                          <p:spTgt spid="97"/>
                                         </p:tgtEl>
                                         <p:attrNameLst>
                                           <p:attrName>ppt_x</p:attrName>
@@ -17653,7 +18531,7 @@
                                       <p:cBhvr additive="repl">
                                         <p:cTn id="278" dur="500" fill="hold"/>
                                         <p:tgtEl>
-                                          <p:spTgt spid="91"/>
+                                          <p:spTgt spid="97"/>
                                         </p:tgtEl>
                                         <p:attrNameLst>
                                           <p:attrName>ppt_y</p:attrName>
@@ -17707,7 +18585,7 @@
                                           </p:stCondLst>
                                         </p:cTn>
                                         <p:tgtEl>
-                                          <p:spTgt spid="92"/>
+                                          <p:spTgt spid="98"/>
                                         </p:tgtEl>
                                         <p:attrNameLst>
                                           <p:attrName>style.visibility</p:attrName>
@@ -17721,7 +18599,7 @@
                                       <p:cBhvr additive="repl">
                                         <p:cTn id="283" dur="500" fill="hold"/>
                                         <p:tgtEl>
-                                          <p:spTgt spid="92"/>
+                                          <p:spTgt spid="98"/>
                                         </p:tgtEl>
                                         <p:attrNameLst>
                                           <p:attrName>ppt_x</p:attrName>
@@ -17744,7 +18622,7 @@
                                       <p:cBhvr additive="repl">
                                         <p:cTn id="284" dur="500" fill="hold"/>
                                         <p:tgtEl>
-                                          <p:spTgt spid="92"/>
+                                          <p:spTgt spid="98"/>
                                         </p:tgtEl>
                                         <p:attrNameLst>
                                           <p:attrName>ppt_y</p:attrName>
@@ -17780,7 +18658,7 @@
                                           </p:stCondLst>
                                         </p:cTn>
                                         <p:tgtEl>
-                                          <p:spTgt spid="93"/>
+                                          <p:spTgt spid="99"/>
                                         </p:tgtEl>
                                         <p:attrNameLst>
                                           <p:attrName>style.visibility</p:attrName>
@@ -17794,7 +18672,7 @@
                                       <p:cBhvr additive="repl">
                                         <p:cTn id="287" dur="500" fill="hold"/>
                                         <p:tgtEl>
-                                          <p:spTgt spid="93"/>
+                                          <p:spTgt spid="99"/>
                                         </p:tgtEl>
                                         <p:attrNameLst>
                                           <p:attrName>ppt_x</p:attrName>
@@ -17817,7 +18695,7 @@
                                       <p:cBhvr additive="repl">
                                         <p:cTn id="288" dur="500" fill="hold"/>
                                         <p:tgtEl>
-                                          <p:spTgt spid="93"/>
+                                          <p:spTgt spid="99"/>
                                         </p:tgtEl>
                                         <p:attrNameLst>
                                           <p:attrName>ppt_y</p:attrName>
@@ -17871,7 +18749,7 @@
                                           </p:stCondLst>
                                         </p:cTn>
                                         <p:tgtEl>
-                                          <p:spTgt spid="94"/>
+                                          <p:spTgt spid="100"/>
                                         </p:tgtEl>
                                         <p:attrNameLst>
                                           <p:attrName>style.visibility</p:attrName>
@@ -17885,7 +18763,7 @@
                                       <p:cBhvr additive="repl">
                                         <p:cTn id="293" dur="500" fill="hold"/>
                                         <p:tgtEl>
-                                          <p:spTgt spid="94"/>
+                                          <p:spTgt spid="100"/>
                                         </p:tgtEl>
                                         <p:attrNameLst>
                                           <p:attrName>ppt_x</p:attrName>
@@ -17908,7 +18786,7 @@
                                       <p:cBhvr additive="repl">
                                         <p:cTn id="294" dur="500" fill="hold"/>
                                         <p:tgtEl>
-                                          <p:spTgt spid="94"/>
+                                          <p:spTgt spid="100"/>
                                         </p:tgtEl>
                                         <p:attrNameLst>
                                           <p:attrName>ppt_y</p:attrName>
@@ -17944,7 +18822,7 @@
                                           </p:stCondLst>
                                         </p:cTn>
                                         <p:tgtEl>
-                                          <p:spTgt spid="95"/>
+                                          <p:spTgt spid="101"/>
                                         </p:tgtEl>
                                         <p:attrNameLst>
                                           <p:attrName>style.visibility</p:attrName>
@@ -17958,7 +18836,7 @@
                                       <p:cBhvr additive="repl">
                                         <p:cTn id="297" dur="500" fill="hold"/>
                                         <p:tgtEl>
-                                          <p:spTgt spid="95"/>
+                                          <p:spTgt spid="101"/>
                                         </p:tgtEl>
                                         <p:attrNameLst>
                                           <p:attrName>ppt_x</p:attrName>
@@ -17981,7 +18859,7 @@
                                       <p:cBhvr additive="repl">
                                         <p:cTn id="298" dur="500" fill="hold"/>
                                         <p:tgtEl>
-                                          <p:spTgt spid="95"/>
+                                          <p:spTgt spid="101"/>
                                         </p:tgtEl>
                                         <p:attrNameLst>
                                           <p:attrName>ppt_y</p:attrName>
@@ -18035,7 +18913,7 @@
                                           </p:stCondLst>
                                         </p:cTn>
                                         <p:tgtEl>
-                                          <p:spTgt spid="96"/>
+                                          <p:spTgt spid="102"/>
                                         </p:tgtEl>
                                         <p:attrNameLst>
                                           <p:attrName>style.visibility</p:attrName>
@@ -18049,7 +18927,7 @@
                                       <p:cBhvr additive="repl">
                                         <p:cTn id="303" dur="500" fill="hold"/>
                                         <p:tgtEl>
-                                          <p:spTgt spid="96"/>
+                                          <p:spTgt spid="102"/>
                                         </p:tgtEl>
                                         <p:attrNameLst>
                                           <p:attrName>ppt_x</p:attrName>
@@ -18072,80 +18950,7 @@
                                       <p:cBhvr additive="repl">
                                         <p:cTn id="304" dur="500" fill="hold"/>
                                         <p:tgtEl>
-                                          <p:spTgt spid="96"/>
-                                        </p:tgtEl>
-                                        <p:attrNameLst>
-                                          <p:attrName>ppt_y</p:attrName>
-                                        </p:attrNameLst>
-                                      </p:cBhvr>
-                                      <p:tavLst>
-                                        <p:tav tm="0">
-                                          <p:val>
-                                            <p:strVal val="1+#ppt_h/2"/>
-                                          </p:val>
-                                        </p:tav>
-                                        <p:tav tm="100000">
-                                          <p:val>
-                                            <p:strVal val="#ppt_y"/>
-                                          </p:val>
-                                        </p:tav>
-                                      </p:tavLst>
-                                    </p:anim>
-                                  </p:childTnLst>
-                                </p:cTn>
-                              </p:par>
-                              <p:par>
-                                <p:cTn id="305" nodeType="withEffect" fill="hold" presetClass="entr" presetID="2" presetSubtype="4">
-                                  <p:stCondLst>
-                                    <p:cond delay="0"/>
-                                  </p:stCondLst>
-                                  <p:childTnLst>
-                                    <p:set>
-                                      <p:cBhvr>
-                                        <p:cTn id="306" dur="1" fill="hold">
-                                          <p:stCondLst>
-                                            <p:cond delay="0"/>
-                                          </p:stCondLst>
-                                        </p:cTn>
-                                        <p:tgtEl>
-                                          <p:spTgt spid="97"/>
-                                        </p:tgtEl>
-                                        <p:attrNameLst>
-                                          <p:attrName>style.visibility</p:attrName>
-                                        </p:attrNameLst>
-                                      </p:cBhvr>
-                                      <p:to>
-                                        <p:strVal val="visible"/>
-                                      </p:to>
-                                    </p:set>
-                                    <p:anim calcmode="lin" valueType="num">
-                                      <p:cBhvr additive="repl">
-                                        <p:cTn id="307" dur="500" fill="hold"/>
-                                        <p:tgtEl>
-                                          <p:spTgt spid="97"/>
-                                        </p:tgtEl>
-                                        <p:attrNameLst>
-                                          <p:attrName>ppt_x</p:attrName>
-                                        </p:attrNameLst>
-                                      </p:cBhvr>
-                                      <p:tavLst>
-                                        <p:tav tm="0">
-                                          <p:val>
-                                            <p:strVal val="#ppt_x"/>
-                                          </p:val>
-                                        </p:tav>
-                                        <p:tav tm="100000">
-                                          <p:val>
-                                            <p:strVal val="#ppt_x"/>
-                                          </p:val>
-                                        </p:tav>
-                                      </p:tavLst>
-                                    </p:anim>
-                                    <p:anim calcmode="lin" valueType="num">
-                                      <p:cBhvr additive="repl">
-                                        <p:cTn id="308" dur="500" fill="hold"/>
-                                        <p:tgtEl>
-                                          <p:spTgt spid="97"/>
+                                          <p:spTgt spid="102"/>
                                         </p:tgtEl>
                                         <p:attrNameLst>
                                           <p:attrName>ppt_y</p:attrName>
@@ -18174,32 +18979,32 @@
                     </p:cTn>
                   </p:par>
                   <p:par>
-                    <p:cTn id="309" fill="hold">
+                    <p:cTn id="305" fill="hold">
                       <p:stCondLst>
                         <p:cond delay="indefinite"/>
                       </p:stCondLst>
                       <p:childTnLst>
                         <p:par>
-                          <p:cTn id="310" fill="hold">
+                          <p:cTn id="306" fill="hold">
                             <p:stCondLst>
                               <p:cond delay="0"/>
                             </p:stCondLst>
                             <p:childTnLst>
                               <p:par>
-                                <p:cTn id="311" nodeType="clickEffect" fill="hold" presetClass="entr" presetID="2" presetSubtype="8">
+                                <p:cTn id="307" nodeType="clickEffect" fill="hold" presetClass="entr" presetID="2" presetSubtype="8">
                                   <p:stCondLst>
                                     <p:cond delay="0"/>
                                   </p:stCondLst>
                                   <p:childTnLst>
                                     <p:set>
                                       <p:cBhvr>
-                                        <p:cTn id="312" dur="1" fill="hold">
+                                        <p:cTn id="308" dur="1" fill="hold">
                                           <p:stCondLst>
                                             <p:cond delay="0"/>
                                           </p:stCondLst>
                                         </p:cTn>
                                         <p:tgtEl>
-                                          <p:spTgt spid="98"/>
+                                          <p:spTgt spid="103"/>
                                         </p:tgtEl>
                                         <p:attrNameLst>
                                           <p:attrName>style.visibility</p:attrName>
@@ -18211,9 +19016,9 @@
                                     </p:set>
                                     <p:anim calcmode="lin" valueType="num">
                                       <p:cBhvr additive="repl">
-                                        <p:cTn id="313" dur="500" fill="hold"/>
-                                        <p:tgtEl>
-                                          <p:spTgt spid="98"/>
+                                        <p:cTn id="309" dur="500" fill="hold"/>
+                                        <p:tgtEl>
+                                          <p:spTgt spid="103"/>
                                         </p:tgtEl>
                                         <p:attrNameLst>
                                           <p:attrName>ppt_x</p:attrName>
@@ -18234,82 +19039,9 @@
                                     </p:anim>
                                     <p:anim calcmode="lin" valueType="num">
                                       <p:cBhvr additive="repl">
-                                        <p:cTn id="314" dur="500" fill="hold"/>
-                                        <p:tgtEl>
-                                          <p:spTgt spid="98"/>
-                                        </p:tgtEl>
-                                        <p:attrNameLst>
-                                          <p:attrName>ppt_y</p:attrName>
-                                        </p:attrNameLst>
-                                      </p:cBhvr>
-                                      <p:tavLst>
-                                        <p:tav tm="0">
-                                          <p:val>
-                                            <p:strVal val="#ppt_y"/>
-                                          </p:val>
-                                        </p:tav>
-                                        <p:tav tm="100000">
-                                          <p:val>
-                                            <p:strVal val="#ppt_y"/>
-                                          </p:val>
-                                        </p:tav>
-                                      </p:tavLst>
-                                    </p:anim>
-                                  </p:childTnLst>
-                                </p:cTn>
-                              </p:par>
-                              <p:par>
-                                <p:cTn id="315" nodeType="withEffect" fill="hold" presetClass="entr" presetID="2" presetSubtype="8">
-                                  <p:stCondLst>
-                                    <p:cond delay="0"/>
-                                  </p:stCondLst>
-                                  <p:childTnLst>
-                                    <p:set>
-                                      <p:cBhvr>
-                                        <p:cTn id="316" dur="1" fill="hold">
-                                          <p:stCondLst>
-                                            <p:cond delay="0"/>
-                                          </p:stCondLst>
-                                        </p:cTn>
-                                        <p:tgtEl>
-                                          <p:spTgt spid="99"/>
-                                        </p:tgtEl>
-                                        <p:attrNameLst>
-                                          <p:attrName>style.visibility</p:attrName>
-                                        </p:attrNameLst>
-                                      </p:cBhvr>
-                                      <p:to>
-                                        <p:strVal val="visible"/>
-                                      </p:to>
-                                    </p:set>
-                                    <p:anim calcmode="lin" valueType="num">
-                                      <p:cBhvr additive="repl">
-                                        <p:cTn id="317" dur="500" fill="hold"/>
-                                        <p:tgtEl>
-                                          <p:spTgt spid="99"/>
-                                        </p:tgtEl>
-                                        <p:attrNameLst>
-                                          <p:attrName>ppt_x</p:attrName>
-                                        </p:attrNameLst>
-                                      </p:cBhvr>
-                                      <p:tavLst>
-                                        <p:tav tm="0">
-                                          <p:val>
-                                            <p:strVal val="0-#ppt_w/2"/>
-                                          </p:val>
-                                        </p:tav>
-                                        <p:tav tm="100000">
-                                          <p:val>
-                                            <p:strVal val="#ppt_x"/>
-                                          </p:val>
-                                        </p:tav>
-                                      </p:tavLst>
-                                    </p:anim>
-                                    <p:anim calcmode="lin" valueType="num">
-                                      <p:cBhvr additive="repl">
-                                        <p:cTn id="318" dur="500" fill="hold"/>
-                                        <p:tgtEl>
-                                          <p:spTgt spid="99"/>
+                                        <p:cTn id="310" dur="500" fill="hold"/>
+                                        <p:tgtEl>
+                                          <p:spTgt spid="103"/>
                                         </p:tgtEl>
                                         <p:attrNameLst>
                                           <p:attrName>ppt_y</p:attrName>
@@ -18338,32 +19070,32 @@
                     </p:cTn>
                   </p:par>
                   <p:par>
-                    <p:cTn id="319" fill="hold">
+                    <p:cTn id="311" fill="hold">
                       <p:stCondLst>
                         <p:cond delay="indefinite"/>
                       </p:stCondLst>
                       <p:childTnLst>
                         <p:par>
-                          <p:cTn id="320" fill="hold">
+                          <p:cTn id="312" fill="hold">
                             <p:stCondLst>
                               <p:cond delay="0"/>
                             </p:stCondLst>
                             <p:childTnLst>
                               <p:par>
-                                <p:cTn id="321" nodeType="clickEffect" fill="hold" presetClass="entr" presetID="2" presetSubtype="8">
+                                <p:cTn id="313" nodeType="clickEffect" fill="hold" presetClass="entr" presetID="2" presetSubtype="8">
                                   <p:stCondLst>
                                     <p:cond delay="0"/>
                                   </p:stCondLst>
                                   <p:childTnLst>
                                     <p:set>
                                       <p:cBhvr>
-                                        <p:cTn id="322" dur="1" fill="hold">
+                                        <p:cTn id="314" dur="1" fill="hold">
                                           <p:stCondLst>
                                             <p:cond delay="0"/>
                                           </p:stCondLst>
                                         </p:cTn>
                                         <p:tgtEl>
-                                          <p:spTgt spid="100"/>
+                                          <p:spTgt spid="104"/>
                                         </p:tgtEl>
                                         <p:attrNameLst>
                                           <p:attrName>style.visibility</p:attrName>
@@ -18375,9 +19107,9 @@
                                     </p:set>
                                     <p:anim calcmode="lin" valueType="num">
                                       <p:cBhvr additive="repl">
-                                        <p:cTn id="323" dur="500" fill="hold"/>
-                                        <p:tgtEl>
-                                          <p:spTgt spid="100"/>
+                                        <p:cTn id="315" dur="500" fill="hold"/>
+                                        <p:tgtEl>
+                                          <p:spTgt spid="104"/>
                                         </p:tgtEl>
                                         <p:attrNameLst>
                                           <p:attrName>ppt_x</p:attrName>
@@ -18398,9 +19130,9 @@
                                     </p:anim>
                                     <p:anim calcmode="lin" valueType="num">
                                       <p:cBhvr additive="repl">
-                                        <p:cTn id="324" dur="500" fill="hold"/>
-                                        <p:tgtEl>
-                                          <p:spTgt spid="100"/>
+                                        <p:cTn id="316" dur="500" fill="hold"/>
+                                        <p:tgtEl>
+                                          <p:spTgt spid="104"/>
                                         </p:tgtEl>
                                         <p:attrNameLst>
                                           <p:attrName>ppt_y</p:attrName>
@@ -18423,20 +19155,20 @@
                                 </p:cTn>
                               </p:par>
                               <p:par>
-                                <p:cTn id="325" nodeType="withEffect" fill="hold" presetClass="entr" presetID="2" presetSubtype="8">
+                                <p:cTn id="317" nodeType="withEffect" fill="hold" presetClass="entr" presetID="2" presetSubtype="8">
                                   <p:stCondLst>
                                     <p:cond delay="0"/>
                                   </p:stCondLst>
                                   <p:childTnLst>
                                     <p:set>
                                       <p:cBhvr>
-                                        <p:cTn id="326" dur="1" fill="hold">
+                                        <p:cTn id="318" dur="1" fill="hold">
                                           <p:stCondLst>
                                             <p:cond delay="0"/>
                                           </p:stCondLst>
                                         </p:cTn>
                                         <p:tgtEl>
-                                          <p:spTgt spid="101"/>
+                                          <p:spTgt spid="105"/>
                                         </p:tgtEl>
                                         <p:attrNameLst>
                                           <p:attrName>style.visibility</p:attrName>
@@ -18448,9 +19180,9 @@
                                     </p:set>
                                     <p:anim calcmode="lin" valueType="num">
                                       <p:cBhvr additive="repl">
-                                        <p:cTn id="327" dur="500" fill="hold"/>
-                                        <p:tgtEl>
-                                          <p:spTgt spid="101"/>
+                                        <p:cTn id="319" dur="500" fill="hold"/>
+                                        <p:tgtEl>
+                                          <p:spTgt spid="105"/>
                                         </p:tgtEl>
                                         <p:attrNameLst>
                                           <p:attrName>ppt_x</p:attrName>
@@ -18471,9 +19203,9 @@
                                     </p:anim>
                                     <p:anim calcmode="lin" valueType="num">
                                       <p:cBhvr additive="repl">
-                                        <p:cTn id="328" dur="500" fill="hold"/>
-                                        <p:tgtEl>
-                                          <p:spTgt spid="101"/>
+                                        <p:cTn id="320" dur="500" fill="hold"/>
+                                        <p:tgtEl>
+                                          <p:spTgt spid="105"/>
                                         </p:tgtEl>
                                         <p:attrNameLst>
                                           <p:attrName>ppt_y</p:attrName>
